--- a/SubmissionResources/StrykerSubmissionppt.pptx
+++ b/SubmissionResources/StrykerSubmissionppt.pptx
@@ -5,7 +5,7 @@
     <p:sldMasterId id="2147483688" r:id="rId4"/>
   </p:sldMasterIdLst>
   <p:notesMasterIdLst>
-    <p:notesMasterId r:id="rId22"/>
+    <p:notesMasterId r:id="rId50"/>
   </p:notesMasterIdLst>
   <p:sldIdLst>
     <p:sldId id="383" r:id="rId5"/>
@@ -14,17 +14,45 @@
     <p:sldId id="396" r:id="rId8"/>
     <p:sldId id="397" r:id="rId9"/>
     <p:sldId id="400" r:id="rId10"/>
-    <p:sldId id="385" r:id="rId11"/>
-    <p:sldId id="402" r:id="rId12"/>
-    <p:sldId id="403" r:id="rId13"/>
-    <p:sldId id="404" r:id="rId14"/>
-    <p:sldId id="405" r:id="rId15"/>
-    <p:sldId id="407" r:id="rId16"/>
-    <p:sldId id="408" r:id="rId17"/>
-    <p:sldId id="412" r:id="rId18"/>
-    <p:sldId id="398" r:id="rId19"/>
-    <p:sldId id="410" r:id="rId20"/>
-    <p:sldId id="411" r:id="rId21"/>
+    <p:sldId id="413" r:id="rId11"/>
+    <p:sldId id="385" r:id="rId12"/>
+    <p:sldId id="402" r:id="rId13"/>
+    <p:sldId id="442" r:id="rId14"/>
+    <p:sldId id="443" r:id="rId15"/>
+    <p:sldId id="414" r:id="rId16"/>
+    <p:sldId id="403" r:id="rId17"/>
+    <p:sldId id="404" r:id="rId18"/>
+    <p:sldId id="415" r:id="rId19"/>
+    <p:sldId id="422" r:id="rId20"/>
+    <p:sldId id="423" r:id="rId21"/>
+    <p:sldId id="417" r:id="rId22"/>
+    <p:sldId id="433" r:id="rId23"/>
+    <p:sldId id="431" r:id="rId24"/>
+    <p:sldId id="444" r:id="rId25"/>
+    <p:sldId id="445" r:id="rId26"/>
+    <p:sldId id="446" r:id="rId27"/>
+    <p:sldId id="447" r:id="rId28"/>
+    <p:sldId id="419" r:id="rId29"/>
+    <p:sldId id="436" r:id="rId30"/>
+    <p:sldId id="437" r:id="rId31"/>
+    <p:sldId id="439" r:id="rId32"/>
+    <p:sldId id="441" r:id="rId33"/>
+    <p:sldId id="440" r:id="rId34"/>
+    <p:sldId id="405" r:id="rId35"/>
+    <p:sldId id="424" r:id="rId36"/>
+    <p:sldId id="425" r:id="rId37"/>
+    <p:sldId id="426" r:id="rId38"/>
+    <p:sldId id="427" r:id="rId39"/>
+    <p:sldId id="407" r:id="rId40"/>
+    <p:sldId id="420" r:id="rId41"/>
+    <p:sldId id="421" r:id="rId42"/>
+    <p:sldId id="428" r:id="rId43"/>
+    <p:sldId id="429" r:id="rId44"/>
+    <p:sldId id="408" r:id="rId45"/>
+    <p:sldId id="412" r:id="rId46"/>
+    <p:sldId id="398" r:id="rId47"/>
+    <p:sldId id="410" r:id="rId48"/>
+    <p:sldId id="411" r:id="rId49"/>
   </p:sldIdLst>
   <p:sldSz cx="12192000" cy="6858000"/>
   <p:notesSz cx="6858000" cy="9144000"/>
@@ -137,6 +165,1534 @@
     <p1510:client id="{515A7CEF-948A-47DB-92D0-2C8FE1E728B3}" v="1" dt="2024-12-06T16:54:05.246"/>
   </p1510:revLst>
 </p1510:revInfo>
+</file>
+
+<file path=ppt/charts/chart1.xml><?xml version="1.0" encoding="utf-8"?>
+<c:chartSpace xmlns:c="http://schemas.openxmlformats.org/drawingml/2006/chart" xmlns:a="http://schemas.openxmlformats.org/drawingml/2006/main" xmlns:r="http://schemas.openxmlformats.org/officeDocument/2006/relationships" xmlns:c16r2="http://schemas.microsoft.com/office/drawing/2015/06/chart">
+  <c:date1904 val="0"/>
+  <c:lang val="en-US"/>
+  <c:roundedCorners val="0"/>
+  <mc:AlternateContent xmlns:mc="http://schemas.openxmlformats.org/markup-compatibility/2006">
+    <mc:Choice xmlns:c14="http://schemas.microsoft.com/office/drawing/2007/8/2/chart" Requires="c14">
+      <c14:style val="102"/>
+    </mc:Choice>
+    <mc:Fallback>
+      <c:style val="2"/>
+    </mc:Fallback>
+  </mc:AlternateContent>
+  <c:chart>
+    <c:autoTitleDeleted val="1"/>
+    <c:plotArea>
+      <c:layout/>
+      <c:pieChart>
+        <c:varyColors val="1"/>
+        <c:ser>
+          <c:idx val="0"/>
+          <c:order val="0"/>
+          <c:tx>
+            <c:strRef>
+              <c:f>Sheet1!$B$1</c:f>
+              <c:strCache>
+                <c:ptCount val="1"/>
+                <c:pt idx="0">
+                  <c:v>Rows</c:v>
+                </c:pt>
+              </c:strCache>
+            </c:strRef>
+          </c:tx>
+          <c:explosion val="2"/>
+          <c:dPt>
+            <c:idx val="0"/>
+            <c:bubble3D val="0"/>
+            <c:spPr>
+              <a:solidFill>
+                <a:srgbClr val="4B9B6E"/>
+              </a:solidFill>
+              <a:ln w="19050">
+                <a:solidFill>
+                  <a:schemeClr val="lt1"/>
+                </a:solidFill>
+              </a:ln>
+              <a:effectLst/>
+            </c:spPr>
+            <c:extLst>
+              <c:ext xmlns:c16="http://schemas.microsoft.com/office/drawing/2014/chart" uri="{C3380CC4-5D6E-409C-BE32-E72D297353CC}">
+                <c16:uniqueId val="{00000001-6623-4E93-8F41-ADEE6E570D42}"/>
+              </c:ext>
+            </c:extLst>
+          </c:dPt>
+          <c:dPt>
+            <c:idx val="1"/>
+            <c:bubble3D val="0"/>
+            <c:spPr>
+              <a:solidFill>
+                <a:srgbClr val="969696"/>
+              </a:solidFill>
+              <a:ln w="19050">
+                <a:solidFill>
+                  <a:schemeClr val="lt1"/>
+                </a:solidFill>
+              </a:ln>
+              <a:effectLst/>
+            </c:spPr>
+            <c:extLst>
+              <c:ext xmlns:c16="http://schemas.microsoft.com/office/drawing/2014/chart" uri="{C3380CC4-5D6E-409C-BE32-E72D297353CC}">
+                <c16:uniqueId val="{00000003-6623-4E93-8F41-ADEE6E570D42}"/>
+              </c:ext>
+            </c:extLst>
+          </c:dPt>
+          <c:dPt>
+            <c:idx val="2"/>
+            <c:bubble3D val="0"/>
+            <c:spPr>
+              <a:solidFill>
+                <a:schemeClr val="accent3"/>
+              </a:solidFill>
+              <a:ln w="19050">
+                <a:solidFill>
+                  <a:schemeClr val="lt1"/>
+                </a:solidFill>
+              </a:ln>
+              <a:effectLst/>
+            </c:spPr>
+            <c:extLst>
+              <c:ext xmlns:c16="http://schemas.microsoft.com/office/drawing/2014/chart" uri="{C3380CC4-5D6E-409C-BE32-E72D297353CC}">
+                <c16:uniqueId val="{00000005-6623-4E93-8F41-ADEE6E570D42}"/>
+              </c:ext>
+            </c:extLst>
+          </c:dPt>
+          <c:dPt>
+            <c:idx val="3"/>
+            <c:bubble3D val="0"/>
+            <c:spPr>
+              <a:solidFill>
+                <a:schemeClr val="accent4"/>
+              </a:solidFill>
+              <a:ln w="19050">
+                <a:solidFill>
+                  <a:schemeClr val="lt1"/>
+                </a:solidFill>
+              </a:ln>
+              <a:effectLst/>
+            </c:spPr>
+            <c:extLst>
+              <c:ext xmlns:c16="http://schemas.microsoft.com/office/drawing/2014/chart" uri="{C3380CC4-5D6E-409C-BE32-E72D297353CC}">
+                <c16:uniqueId val="{00000007-6623-4E93-8F41-ADEE6E570D42}"/>
+              </c:ext>
+            </c:extLst>
+          </c:dPt>
+          <c:cat>
+            <c:strRef>
+              <c:f>Sheet1!$A$2:$A$5</c:f>
+              <c:strCache>
+                <c:ptCount val="2"/>
+                <c:pt idx="0">
+                  <c:v>Normal</c:v>
+                </c:pt>
+                <c:pt idx="1">
+                  <c:v>Abnormal</c:v>
+                </c:pt>
+              </c:strCache>
+            </c:strRef>
+          </c:cat>
+          <c:val>
+            <c:numRef>
+              <c:f>Sheet1!$B$2:$B$5</c:f>
+              <c:numCache>
+                <c:formatCode>General</c:formatCode>
+                <c:ptCount val="4"/>
+                <c:pt idx="0">
+                  <c:v>100</c:v>
+                </c:pt>
+                <c:pt idx="1">
+                  <c:v>210</c:v>
+                </c:pt>
+              </c:numCache>
+            </c:numRef>
+          </c:val>
+          <c:extLst>
+            <c:ext xmlns:c16="http://schemas.microsoft.com/office/drawing/2014/chart" uri="{C3380CC4-5D6E-409C-BE32-E72D297353CC}">
+              <c16:uniqueId val="{00000000-2C99-44E4-A1C2-9E8FE513B0BF}"/>
+            </c:ext>
+          </c:extLst>
+        </c:ser>
+        <c:dLbls>
+          <c:showLegendKey val="0"/>
+          <c:showVal val="0"/>
+          <c:showCatName val="0"/>
+          <c:showSerName val="0"/>
+          <c:showPercent val="0"/>
+          <c:showBubbleSize val="0"/>
+          <c:showLeaderLines val="1"/>
+        </c:dLbls>
+        <c:firstSliceAng val="0"/>
+      </c:pieChart>
+      <c:spPr>
+        <a:noFill/>
+        <a:ln>
+          <a:noFill/>
+        </a:ln>
+        <a:effectLst/>
+      </c:spPr>
+    </c:plotArea>
+    <c:plotVisOnly val="1"/>
+    <c:dispBlanksAs val="gap"/>
+    <c:extLst>
+      <c:ext xmlns:c16r3="http://schemas.microsoft.com/office/drawing/2017/03/chart" uri="{56B9EC1D-385E-4148-901F-78D8002777C0}">
+        <c16r3:dataDisplayOptions16>
+          <c16r3:dispNaAsBlank val="1"/>
+        </c16r3:dataDisplayOptions16>
+      </c:ext>
+    </c:extLst>
+    <c:showDLblsOverMax val="0"/>
+  </c:chart>
+  <c:spPr>
+    <a:noFill/>
+    <a:ln>
+      <a:noFill/>
+    </a:ln>
+    <a:effectLst/>
+  </c:spPr>
+  <c:txPr>
+    <a:bodyPr/>
+    <a:lstStyle/>
+    <a:p>
+      <a:pPr>
+        <a:defRPr/>
+      </a:pPr>
+      <a:endParaRPr lang="en-US"/>
+    </a:p>
+  </c:txPr>
+  <c:externalData r:id="rId3">
+    <c:autoUpdate val="0"/>
+  </c:externalData>
+</c:chartSpace>
+</file>
+
+<file path=ppt/charts/chart2.xml><?xml version="1.0" encoding="utf-8"?>
+<c:chartSpace xmlns:c="http://schemas.openxmlformats.org/drawingml/2006/chart" xmlns:a="http://schemas.openxmlformats.org/drawingml/2006/main" xmlns:r="http://schemas.openxmlformats.org/officeDocument/2006/relationships" xmlns:c16r2="http://schemas.microsoft.com/office/drawing/2015/06/chart">
+  <c:date1904 val="0"/>
+  <c:lang val="en-US"/>
+  <c:roundedCorners val="0"/>
+  <mc:AlternateContent xmlns:mc="http://schemas.openxmlformats.org/markup-compatibility/2006">
+    <mc:Choice xmlns:c14="http://schemas.microsoft.com/office/drawing/2007/8/2/chart" Requires="c14">
+      <c14:style val="102"/>
+    </mc:Choice>
+    <mc:Fallback>
+      <c:style val="2"/>
+    </mc:Fallback>
+  </mc:AlternateContent>
+  <c:chart>
+    <c:autoTitleDeleted val="1"/>
+    <c:plotArea>
+      <c:layout/>
+      <c:pieChart>
+        <c:varyColors val="1"/>
+        <c:ser>
+          <c:idx val="0"/>
+          <c:order val="0"/>
+          <c:tx>
+            <c:strRef>
+              <c:f>Sheet1!$B$1</c:f>
+              <c:strCache>
+                <c:ptCount val="1"/>
+                <c:pt idx="0">
+                  <c:v>Rows</c:v>
+                </c:pt>
+              </c:strCache>
+            </c:strRef>
+          </c:tx>
+          <c:explosion val="2"/>
+          <c:dPt>
+            <c:idx val="0"/>
+            <c:bubble3D val="0"/>
+            <c:spPr>
+              <a:solidFill>
+                <a:srgbClr val="A8D5BA"/>
+              </a:solidFill>
+              <a:ln w="19050">
+                <a:solidFill>
+                  <a:schemeClr val="lt1"/>
+                </a:solidFill>
+              </a:ln>
+              <a:effectLst/>
+            </c:spPr>
+            <c:extLst>
+              <c:ext xmlns:c16="http://schemas.microsoft.com/office/drawing/2014/chart" uri="{C3380CC4-5D6E-409C-BE32-E72D297353CC}">
+                <c16:uniqueId val="{00000001-3AE0-43B8-92A5-C537E51A8A50}"/>
+              </c:ext>
+            </c:extLst>
+          </c:dPt>
+          <c:dPt>
+            <c:idx val="1"/>
+            <c:bubble3D val="0"/>
+            <c:spPr>
+              <a:solidFill>
+                <a:srgbClr val="4B9B6E"/>
+              </a:solidFill>
+              <a:ln w="19050">
+                <a:solidFill>
+                  <a:schemeClr val="lt1"/>
+                </a:solidFill>
+              </a:ln>
+              <a:effectLst/>
+            </c:spPr>
+            <c:extLst>
+              <c:ext xmlns:c16="http://schemas.microsoft.com/office/drawing/2014/chart" uri="{C3380CC4-5D6E-409C-BE32-E72D297353CC}">
+                <c16:uniqueId val="{00000003-3AE0-43B8-92A5-C537E51A8A50}"/>
+              </c:ext>
+            </c:extLst>
+          </c:dPt>
+          <c:dPt>
+            <c:idx val="2"/>
+            <c:bubble3D val="0"/>
+            <c:spPr>
+              <a:solidFill>
+                <a:srgbClr val="1B5E3A"/>
+              </a:solidFill>
+              <a:ln w="19050">
+                <a:solidFill>
+                  <a:schemeClr val="lt1"/>
+                </a:solidFill>
+              </a:ln>
+              <a:effectLst/>
+            </c:spPr>
+            <c:extLst>
+              <c:ext xmlns:c16="http://schemas.microsoft.com/office/drawing/2014/chart" uri="{C3380CC4-5D6E-409C-BE32-E72D297353CC}">
+                <c16:uniqueId val="{00000005-3AE0-43B8-92A5-C537E51A8A50}"/>
+              </c:ext>
+            </c:extLst>
+          </c:dPt>
+          <c:dPt>
+            <c:idx val="3"/>
+            <c:bubble3D val="0"/>
+            <c:spPr>
+              <a:solidFill>
+                <a:schemeClr val="accent4"/>
+              </a:solidFill>
+              <a:ln w="19050">
+                <a:solidFill>
+                  <a:schemeClr val="lt1"/>
+                </a:solidFill>
+              </a:ln>
+              <a:effectLst/>
+            </c:spPr>
+            <c:extLst>
+              <c:ext xmlns:c16="http://schemas.microsoft.com/office/drawing/2014/chart" uri="{C3380CC4-5D6E-409C-BE32-E72D297353CC}">
+                <c16:uniqueId val="{00000007-3AE0-43B8-92A5-C537E51A8A50}"/>
+              </c:ext>
+            </c:extLst>
+          </c:dPt>
+          <c:cat>
+            <c:strRef>
+              <c:f>Sheet1!$A$2:$A$5</c:f>
+              <c:strCache>
+                <c:ptCount val="3"/>
+                <c:pt idx="0">
+                  <c:v>Normal</c:v>
+                </c:pt>
+                <c:pt idx="1">
+                  <c:v>Hernia</c:v>
+                </c:pt>
+                <c:pt idx="2">
+                  <c:v>Spondylothesis</c:v>
+                </c:pt>
+              </c:strCache>
+            </c:strRef>
+          </c:cat>
+          <c:val>
+            <c:numRef>
+              <c:f>Sheet1!$B$2:$B$5</c:f>
+              <c:numCache>
+                <c:formatCode>General</c:formatCode>
+                <c:ptCount val="4"/>
+                <c:pt idx="0">
+                  <c:v>100</c:v>
+                </c:pt>
+                <c:pt idx="1">
+                  <c:v>60</c:v>
+                </c:pt>
+                <c:pt idx="2">
+                  <c:v>150</c:v>
+                </c:pt>
+              </c:numCache>
+            </c:numRef>
+          </c:val>
+          <c:extLst>
+            <c:ext xmlns:c16="http://schemas.microsoft.com/office/drawing/2014/chart" uri="{C3380CC4-5D6E-409C-BE32-E72D297353CC}">
+              <c16:uniqueId val="{00000008-3AE0-43B8-92A5-C537E51A8A50}"/>
+            </c:ext>
+          </c:extLst>
+        </c:ser>
+        <c:dLbls>
+          <c:showLegendKey val="0"/>
+          <c:showVal val="0"/>
+          <c:showCatName val="0"/>
+          <c:showSerName val="0"/>
+          <c:showPercent val="0"/>
+          <c:showBubbleSize val="0"/>
+          <c:showLeaderLines val="1"/>
+        </c:dLbls>
+        <c:firstSliceAng val="88"/>
+      </c:pieChart>
+      <c:spPr>
+        <a:noFill/>
+        <a:ln>
+          <a:noFill/>
+        </a:ln>
+        <a:effectLst/>
+      </c:spPr>
+    </c:plotArea>
+    <c:plotVisOnly val="1"/>
+    <c:dispBlanksAs val="gap"/>
+    <c:extLst>
+      <c:ext xmlns:c16r3="http://schemas.microsoft.com/office/drawing/2017/03/chart" uri="{56B9EC1D-385E-4148-901F-78D8002777C0}">
+        <c16r3:dataDisplayOptions16>
+          <c16r3:dispNaAsBlank val="1"/>
+        </c16r3:dataDisplayOptions16>
+      </c:ext>
+    </c:extLst>
+    <c:showDLblsOverMax val="0"/>
+  </c:chart>
+  <c:spPr>
+    <a:noFill/>
+    <a:ln>
+      <a:noFill/>
+    </a:ln>
+    <a:effectLst/>
+  </c:spPr>
+  <c:txPr>
+    <a:bodyPr/>
+    <a:lstStyle/>
+    <a:p>
+      <a:pPr>
+        <a:defRPr/>
+      </a:pPr>
+      <a:endParaRPr lang="en-US"/>
+    </a:p>
+  </c:txPr>
+  <c:externalData r:id="rId3">
+    <c:autoUpdate val="0"/>
+  </c:externalData>
+</c:chartSpace>
+</file>
+
+<file path=ppt/charts/colors1.xml><?xml version="1.0" encoding="utf-8"?>
+<cs:colorStyle xmlns:cs="http://schemas.microsoft.com/office/drawing/2012/chartStyle" xmlns:a="http://schemas.openxmlformats.org/drawingml/2006/main" meth="cycle" id="10">
+  <a:schemeClr val="accent1"/>
+  <a:schemeClr val="accent2"/>
+  <a:schemeClr val="accent3"/>
+  <a:schemeClr val="accent4"/>
+  <a:schemeClr val="accent5"/>
+  <a:schemeClr val="accent6"/>
+  <cs:variation/>
+  <cs:variation>
+    <a:lumMod val="60000"/>
+  </cs:variation>
+  <cs:variation>
+    <a:lumMod val="80000"/>
+    <a:lumOff val="20000"/>
+  </cs:variation>
+  <cs:variation>
+    <a:lumMod val="80000"/>
+  </cs:variation>
+  <cs:variation>
+    <a:lumMod val="60000"/>
+    <a:lumOff val="40000"/>
+  </cs:variation>
+  <cs:variation>
+    <a:lumMod val="50000"/>
+  </cs:variation>
+  <cs:variation>
+    <a:lumMod val="70000"/>
+    <a:lumOff val="30000"/>
+  </cs:variation>
+  <cs:variation>
+    <a:lumMod val="70000"/>
+  </cs:variation>
+  <cs:variation>
+    <a:lumMod val="50000"/>
+    <a:lumOff val="50000"/>
+  </cs:variation>
+</cs:colorStyle>
+</file>
+
+<file path=ppt/charts/colors2.xml><?xml version="1.0" encoding="utf-8"?>
+<cs:colorStyle xmlns:cs="http://schemas.microsoft.com/office/drawing/2012/chartStyle" xmlns:a="http://schemas.openxmlformats.org/drawingml/2006/main" meth="cycle" id="10">
+  <a:schemeClr val="accent1"/>
+  <a:schemeClr val="accent2"/>
+  <a:schemeClr val="accent3"/>
+  <a:schemeClr val="accent4"/>
+  <a:schemeClr val="accent5"/>
+  <a:schemeClr val="accent6"/>
+  <cs:variation/>
+  <cs:variation>
+    <a:lumMod val="60000"/>
+  </cs:variation>
+  <cs:variation>
+    <a:lumMod val="80000"/>
+    <a:lumOff val="20000"/>
+  </cs:variation>
+  <cs:variation>
+    <a:lumMod val="80000"/>
+  </cs:variation>
+  <cs:variation>
+    <a:lumMod val="60000"/>
+    <a:lumOff val="40000"/>
+  </cs:variation>
+  <cs:variation>
+    <a:lumMod val="50000"/>
+  </cs:variation>
+  <cs:variation>
+    <a:lumMod val="70000"/>
+    <a:lumOff val="30000"/>
+  </cs:variation>
+  <cs:variation>
+    <a:lumMod val="70000"/>
+  </cs:variation>
+  <cs:variation>
+    <a:lumMod val="50000"/>
+    <a:lumOff val="50000"/>
+  </cs:variation>
+</cs:colorStyle>
+</file>
+
+<file path=ppt/charts/style1.xml><?xml version="1.0" encoding="utf-8"?>
+<cs:chartStyle xmlns:cs="http://schemas.microsoft.com/office/drawing/2012/chartStyle" xmlns:a="http://schemas.openxmlformats.org/drawingml/2006/main" id="251">
+  <cs:axisTitle>
+    <cs:lnRef idx="0"/>
+    <cs:fillRef idx="0"/>
+    <cs:effectRef idx="0"/>
+    <cs:fontRef idx="minor">
+      <a:schemeClr val="tx1">
+        <a:lumMod val="65000"/>
+        <a:lumOff val="35000"/>
+      </a:schemeClr>
+    </cs:fontRef>
+    <cs:defRPr sz="1330" kern="1200"/>
+  </cs:axisTitle>
+  <cs:categoryAxis>
+    <cs:lnRef idx="0"/>
+    <cs:fillRef idx="0"/>
+    <cs:effectRef idx="0"/>
+    <cs:fontRef idx="minor">
+      <a:schemeClr val="tx1">
+        <a:lumMod val="65000"/>
+        <a:lumOff val="35000"/>
+      </a:schemeClr>
+    </cs:fontRef>
+    <cs:spPr>
+      <a:ln w="9525" cap="flat" cmpd="sng" algn="ctr">
+        <a:solidFill>
+          <a:schemeClr val="tx1">
+            <a:lumMod val="15000"/>
+            <a:lumOff val="85000"/>
+          </a:schemeClr>
+        </a:solidFill>
+        <a:round/>
+      </a:ln>
+    </cs:spPr>
+    <cs:defRPr sz="1197" kern="1200"/>
+  </cs:categoryAxis>
+  <cs:chartArea mods="allowNoFillOverride allowNoLineOverride">
+    <cs:lnRef idx="0"/>
+    <cs:fillRef idx="0"/>
+    <cs:effectRef idx="0"/>
+    <cs:fontRef idx="minor">
+      <a:schemeClr val="tx1"/>
+    </cs:fontRef>
+    <cs:spPr>
+      <a:solidFill>
+        <a:schemeClr val="bg1"/>
+      </a:solidFill>
+      <a:ln w="9525" cap="flat" cmpd="sng" algn="ctr">
+        <a:solidFill>
+          <a:schemeClr val="tx1">
+            <a:lumMod val="15000"/>
+            <a:lumOff val="85000"/>
+          </a:schemeClr>
+        </a:solidFill>
+        <a:round/>
+      </a:ln>
+    </cs:spPr>
+    <cs:defRPr sz="1197" kern="1200"/>
+  </cs:chartArea>
+  <cs:dataLabel>
+    <cs:lnRef idx="0"/>
+    <cs:fillRef idx="0"/>
+    <cs:effectRef idx="0"/>
+    <cs:fontRef idx="minor">
+      <a:schemeClr val="tx1">
+        <a:lumMod val="75000"/>
+        <a:lumOff val="25000"/>
+      </a:schemeClr>
+    </cs:fontRef>
+    <cs:defRPr sz="1197" kern="1200"/>
+  </cs:dataLabel>
+  <cs:dataLabelCallout>
+    <cs:lnRef idx="0"/>
+    <cs:fillRef idx="0"/>
+    <cs:effectRef idx="0"/>
+    <cs:fontRef idx="minor">
+      <a:schemeClr val="dk1">
+        <a:lumMod val="65000"/>
+        <a:lumOff val="35000"/>
+      </a:schemeClr>
+    </cs:fontRef>
+    <cs:spPr>
+      <a:solidFill>
+        <a:schemeClr val="lt1"/>
+      </a:solidFill>
+      <a:ln>
+        <a:solidFill>
+          <a:schemeClr val="dk1">
+            <a:lumMod val="25000"/>
+            <a:lumOff val="75000"/>
+          </a:schemeClr>
+        </a:solidFill>
+      </a:ln>
+    </cs:spPr>
+    <cs:defRPr sz="1197" kern="1200"/>
+    <cs:bodyPr rot="0" spcFirstLastPara="1" vertOverflow="clip" horzOverflow="clip" vert="horz" wrap="square" lIns="36576" tIns="18288" rIns="36576" bIns="18288" anchor="ctr" anchorCtr="1">
+      <a:spAutoFit/>
+    </cs:bodyPr>
+  </cs:dataLabelCallout>
+  <cs:dataPoint>
+    <cs:lnRef idx="0"/>
+    <cs:fillRef idx="1">
+      <cs:styleClr val="auto"/>
+    </cs:fillRef>
+    <cs:effectRef idx="0"/>
+    <cs:fontRef idx="minor">
+      <a:schemeClr val="tx1"/>
+    </cs:fontRef>
+    <cs:spPr>
+      <a:ln w="19050">
+        <a:solidFill>
+          <a:schemeClr val="lt1"/>
+        </a:solidFill>
+      </a:ln>
+    </cs:spPr>
+  </cs:dataPoint>
+  <cs:dataPoint3D>
+    <cs:lnRef idx="0"/>
+    <cs:fillRef idx="1">
+      <cs:styleClr val="auto"/>
+    </cs:fillRef>
+    <cs:effectRef idx="0"/>
+    <cs:fontRef idx="minor">
+      <a:schemeClr val="tx1"/>
+    </cs:fontRef>
+    <cs:spPr>
+      <a:ln w="25400">
+        <a:solidFill>
+          <a:schemeClr val="lt1"/>
+        </a:solidFill>
+      </a:ln>
+    </cs:spPr>
+  </cs:dataPoint3D>
+  <cs:dataPointLine>
+    <cs:lnRef idx="0">
+      <cs:styleClr val="auto"/>
+    </cs:lnRef>
+    <cs:fillRef idx="0"/>
+    <cs:effectRef idx="0"/>
+    <cs:fontRef idx="minor">
+      <a:schemeClr val="tx1"/>
+    </cs:fontRef>
+    <cs:spPr>
+      <a:ln w="28575" cap="rnd">
+        <a:solidFill>
+          <a:schemeClr val="phClr"/>
+        </a:solidFill>
+        <a:round/>
+      </a:ln>
+    </cs:spPr>
+  </cs:dataPointLine>
+  <cs:dataPointMarker>
+    <cs:lnRef idx="0">
+      <cs:styleClr val="auto"/>
+    </cs:lnRef>
+    <cs:fillRef idx="1">
+      <cs:styleClr val="auto"/>
+    </cs:fillRef>
+    <cs:effectRef idx="0"/>
+    <cs:fontRef idx="minor">
+      <a:schemeClr val="tx1"/>
+    </cs:fontRef>
+    <cs:spPr>
+      <a:ln w="9525">
+        <a:solidFill>
+          <a:schemeClr val="phClr"/>
+        </a:solidFill>
+      </a:ln>
+    </cs:spPr>
+  </cs:dataPointMarker>
+  <cs:dataPointMarkerLayout symbol="circle" size="5"/>
+  <cs:dataPointWireframe>
+    <cs:lnRef idx="0">
+      <cs:styleClr val="auto"/>
+    </cs:lnRef>
+    <cs:fillRef idx="0"/>
+    <cs:effectRef idx="0"/>
+    <cs:fontRef idx="minor">
+      <a:schemeClr val="tx1"/>
+    </cs:fontRef>
+    <cs:spPr>
+      <a:ln w="9525" cap="rnd">
+        <a:solidFill>
+          <a:schemeClr val="phClr"/>
+        </a:solidFill>
+        <a:round/>
+      </a:ln>
+    </cs:spPr>
+  </cs:dataPointWireframe>
+  <cs:dataTable>
+    <cs:lnRef idx="0"/>
+    <cs:fillRef idx="0"/>
+    <cs:effectRef idx="0"/>
+    <cs:fontRef idx="minor">
+      <a:schemeClr val="tx1">
+        <a:lumMod val="65000"/>
+        <a:lumOff val="35000"/>
+      </a:schemeClr>
+    </cs:fontRef>
+    <cs:spPr>
+      <a:noFill/>
+      <a:ln w="9525" cap="flat" cmpd="sng" algn="ctr">
+        <a:solidFill>
+          <a:schemeClr val="tx1">
+            <a:lumMod val="15000"/>
+            <a:lumOff val="85000"/>
+          </a:schemeClr>
+        </a:solidFill>
+        <a:round/>
+      </a:ln>
+    </cs:spPr>
+    <cs:defRPr sz="1197" kern="1200"/>
+  </cs:dataTable>
+  <cs:downBar>
+    <cs:lnRef idx="0"/>
+    <cs:fillRef idx="0"/>
+    <cs:effectRef idx="0"/>
+    <cs:fontRef idx="minor">
+      <a:schemeClr val="tx1"/>
+    </cs:fontRef>
+    <cs:spPr>
+      <a:solidFill>
+        <a:schemeClr val="dk1">
+          <a:lumMod val="75000"/>
+          <a:lumOff val="25000"/>
+        </a:schemeClr>
+      </a:solidFill>
+      <a:ln w="9525" cap="flat" cmpd="sng" algn="ctr">
+        <a:solidFill>
+          <a:schemeClr val="tx1">
+            <a:lumMod val="65000"/>
+            <a:lumOff val="35000"/>
+          </a:schemeClr>
+        </a:solidFill>
+        <a:round/>
+      </a:ln>
+    </cs:spPr>
+  </cs:downBar>
+  <cs:dropLine>
+    <cs:lnRef idx="0"/>
+    <cs:fillRef idx="0"/>
+    <cs:effectRef idx="0"/>
+    <cs:fontRef idx="minor">
+      <a:schemeClr val="tx1"/>
+    </cs:fontRef>
+    <cs:spPr>
+      <a:ln w="9525" cap="flat" cmpd="sng" algn="ctr">
+        <a:solidFill>
+          <a:schemeClr val="tx1">
+            <a:lumMod val="35000"/>
+            <a:lumOff val="65000"/>
+          </a:schemeClr>
+        </a:solidFill>
+        <a:round/>
+      </a:ln>
+    </cs:spPr>
+  </cs:dropLine>
+  <cs:errorBar>
+    <cs:lnRef idx="0"/>
+    <cs:fillRef idx="0"/>
+    <cs:effectRef idx="0"/>
+    <cs:fontRef idx="minor">
+      <a:schemeClr val="tx1"/>
+    </cs:fontRef>
+    <cs:spPr>
+      <a:ln w="9525" cap="flat" cmpd="sng" algn="ctr">
+        <a:solidFill>
+          <a:schemeClr val="tx1">
+            <a:lumMod val="65000"/>
+            <a:lumOff val="35000"/>
+          </a:schemeClr>
+        </a:solidFill>
+        <a:round/>
+      </a:ln>
+    </cs:spPr>
+  </cs:errorBar>
+  <cs:floor>
+    <cs:lnRef idx="0"/>
+    <cs:fillRef idx="0"/>
+    <cs:effectRef idx="0"/>
+    <cs:fontRef idx="minor">
+      <a:schemeClr val="tx1"/>
+    </cs:fontRef>
+    <cs:spPr>
+      <a:noFill/>
+      <a:ln>
+        <a:noFill/>
+      </a:ln>
+    </cs:spPr>
+  </cs:floor>
+  <cs:gridlineMajor>
+    <cs:lnRef idx="0"/>
+    <cs:fillRef idx="0"/>
+    <cs:effectRef idx="0"/>
+    <cs:fontRef idx="minor">
+      <a:schemeClr val="tx1"/>
+    </cs:fontRef>
+    <cs:spPr>
+      <a:ln w="9525" cap="flat" cmpd="sng" algn="ctr">
+        <a:solidFill>
+          <a:schemeClr val="tx1">
+            <a:lumMod val="15000"/>
+            <a:lumOff val="85000"/>
+          </a:schemeClr>
+        </a:solidFill>
+        <a:round/>
+      </a:ln>
+    </cs:spPr>
+  </cs:gridlineMajor>
+  <cs:gridlineMinor>
+    <cs:lnRef idx="0"/>
+    <cs:fillRef idx="0"/>
+    <cs:effectRef idx="0"/>
+    <cs:fontRef idx="minor">
+      <a:schemeClr val="tx1"/>
+    </cs:fontRef>
+    <cs:spPr>
+      <a:ln w="9525" cap="flat" cmpd="sng" algn="ctr">
+        <a:solidFill>
+          <a:schemeClr val="tx1">
+            <a:lumMod val="5000"/>
+            <a:lumOff val="95000"/>
+          </a:schemeClr>
+        </a:solidFill>
+        <a:round/>
+      </a:ln>
+    </cs:spPr>
+  </cs:gridlineMinor>
+  <cs:hiLoLine>
+    <cs:lnRef idx="0"/>
+    <cs:fillRef idx="0"/>
+    <cs:effectRef idx="0"/>
+    <cs:fontRef idx="minor">
+      <a:schemeClr val="tx1"/>
+    </cs:fontRef>
+    <cs:spPr>
+      <a:ln w="9525" cap="flat" cmpd="sng" algn="ctr">
+        <a:solidFill>
+          <a:schemeClr val="tx1">
+            <a:lumMod val="50000"/>
+            <a:lumOff val="50000"/>
+          </a:schemeClr>
+        </a:solidFill>
+        <a:round/>
+      </a:ln>
+    </cs:spPr>
+  </cs:hiLoLine>
+  <cs:leaderLine>
+    <cs:lnRef idx="0"/>
+    <cs:fillRef idx="0"/>
+    <cs:effectRef idx="0"/>
+    <cs:fontRef idx="minor">
+      <a:schemeClr val="tx1"/>
+    </cs:fontRef>
+    <cs:spPr>
+      <a:ln w="9525" cap="flat" cmpd="sng" algn="ctr">
+        <a:solidFill>
+          <a:schemeClr val="tx1">
+            <a:lumMod val="35000"/>
+            <a:lumOff val="65000"/>
+          </a:schemeClr>
+        </a:solidFill>
+        <a:round/>
+      </a:ln>
+    </cs:spPr>
+  </cs:leaderLine>
+  <cs:legend>
+    <cs:lnRef idx="0"/>
+    <cs:fillRef idx="0"/>
+    <cs:effectRef idx="0"/>
+    <cs:fontRef idx="minor">
+      <a:schemeClr val="tx1">
+        <a:lumMod val="65000"/>
+        <a:lumOff val="35000"/>
+      </a:schemeClr>
+    </cs:fontRef>
+    <cs:defRPr sz="1197" kern="1200"/>
+  </cs:legend>
+  <cs:plotArea mods="allowNoFillOverride allowNoLineOverride">
+    <cs:lnRef idx="0"/>
+    <cs:fillRef idx="0"/>
+    <cs:effectRef idx="0"/>
+    <cs:fontRef idx="minor">
+      <a:schemeClr val="tx1"/>
+    </cs:fontRef>
+  </cs:plotArea>
+  <cs:plotArea3D mods="allowNoFillOverride allowNoLineOverride">
+    <cs:lnRef idx="0"/>
+    <cs:fillRef idx="0"/>
+    <cs:effectRef idx="0"/>
+    <cs:fontRef idx="minor">
+      <a:schemeClr val="tx1"/>
+    </cs:fontRef>
+  </cs:plotArea3D>
+  <cs:seriesAxis>
+    <cs:lnRef idx="0"/>
+    <cs:fillRef idx="0"/>
+    <cs:effectRef idx="0"/>
+    <cs:fontRef idx="minor">
+      <a:schemeClr val="tx1">
+        <a:lumMod val="65000"/>
+        <a:lumOff val="35000"/>
+      </a:schemeClr>
+    </cs:fontRef>
+    <cs:defRPr sz="1197" kern="1200"/>
+  </cs:seriesAxis>
+  <cs:seriesLine>
+    <cs:lnRef idx="0"/>
+    <cs:fillRef idx="0"/>
+    <cs:effectRef idx="0"/>
+    <cs:fontRef idx="minor">
+      <a:schemeClr val="tx1"/>
+    </cs:fontRef>
+    <cs:spPr>
+      <a:ln w="9525" cap="flat" cmpd="sng" algn="ctr">
+        <a:solidFill>
+          <a:schemeClr val="tx1">
+            <a:lumMod val="35000"/>
+            <a:lumOff val="65000"/>
+          </a:schemeClr>
+        </a:solidFill>
+        <a:round/>
+      </a:ln>
+    </cs:spPr>
+  </cs:seriesLine>
+  <cs:title>
+    <cs:lnRef idx="0"/>
+    <cs:fillRef idx="0"/>
+    <cs:effectRef idx="0"/>
+    <cs:fontRef idx="minor">
+      <a:schemeClr val="tx1">
+        <a:lumMod val="65000"/>
+        <a:lumOff val="35000"/>
+      </a:schemeClr>
+    </cs:fontRef>
+    <cs:defRPr sz="1862" b="0" kern="1200" spc="0" baseline="0"/>
+  </cs:title>
+  <cs:trendline>
+    <cs:lnRef idx="0">
+      <cs:styleClr val="auto"/>
+    </cs:lnRef>
+    <cs:fillRef idx="0"/>
+    <cs:effectRef idx="0"/>
+    <cs:fontRef idx="minor">
+      <a:schemeClr val="tx1"/>
+    </cs:fontRef>
+    <cs:spPr>
+      <a:ln w="19050" cap="rnd">
+        <a:solidFill>
+          <a:schemeClr val="phClr"/>
+        </a:solidFill>
+        <a:prstDash val="sysDot"/>
+      </a:ln>
+    </cs:spPr>
+  </cs:trendline>
+  <cs:trendlineLabel>
+    <cs:lnRef idx="0"/>
+    <cs:fillRef idx="0"/>
+    <cs:effectRef idx="0"/>
+    <cs:fontRef idx="minor">
+      <a:schemeClr val="tx1">
+        <a:lumMod val="65000"/>
+        <a:lumOff val="35000"/>
+      </a:schemeClr>
+    </cs:fontRef>
+    <cs:defRPr sz="1197" kern="1200"/>
+  </cs:trendlineLabel>
+  <cs:upBar>
+    <cs:lnRef idx="0"/>
+    <cs:fillRef idx="0"/>
+    <cs:effectRef idx="0"/>
+    <cs:fontRef idx="minor">
+      <a:schemeClr val="tx1"/>
+    </cs:fontRef>
+    <cs:spPr>
+      <a:solidFill>
+        <a:schemeClr val="lt1"/>
+      </a:solidFill>
+      <a:ln w="9525" cap="flat" cmpd="sng" algn="ctr">
+        <a:solidFill>
+          <a:schemeClr val="tx1">
+            <a:lumMod val="65000"/>
+            <a:lumOff val="35000"/>
+          </a:schemeClr>
+        </a:solidFill>
+        <a:round/>
+      </a:ln>
+    </cs:spPr>
+  </cs:upBar>
+  <cs:valueAxis>
+    <cs:lnRef idx="0"/>
+    <cs:fillRef idx="0"/>
+    <cs:effectRef idx="0"/>
+    <cs:fontRef idx="minor">
+      <a:schemeClr val="tx1">
+        <a:lumMod val="65000"/>
+        <a:lumOff val="35000"/>
+      </a:schemeClr>
+    </cs:fontRef>
+    <cs:defRPr sz="1197" kern="1200"/>
+  </cs:valueAxis>
+  <cs:wall>
+    <cs:lnRef idx="0"/>
+    <cs:fillRef idx="0"/>
+    <cs:effectRef idx="0"/>
+    <cs:fontRef idx="minor">
+      <a:schemeClr val="tx1"/>
+    </cs:fontRef>
+    <cs:spPr>
+      <a:noFill/>
+      <a:ln>
+        <a:noFill/>
+      </a:ln>
+    </cs:spPr>
+  </cs:wall>
+</cs:chartStyle>
+</file>
+
+<file path=ppt/charts/style2.xml><?xml version="1.0" encoding="utf-8"?>
+<cs:chartStyle xmlns:cs="http://schemas.microsoft.com/office/drawing/2012/chartStyle" xmlns:a="http://schemas.openxmlformats.org/drawingml/2006/main" id="251">
+  <cs:axisTitle>
+    <cs:lnRef idx="0"/>
+    <cs:fillRef idx="0"/>
+    <cs:effectRef idx="0"/>
+    <cs:fontRef idx="minor">
+      <a:schemeClr val="tx1">
+        <a:lumMod val="65000"/>
+        <a:lumOff val="35000"/>
+      </a:schemeClr>
+    </cs:fontRef>
+    <cs:defRPr sz="1330" kern="1200"/>
+  </cs:axisTitle>
+  <cs:categoryAxis>
+    <cs:lnRef idx="0"/>
+    <cs:fillRef idx="0"/>
+    <cs:effectRef idx="0"/>
+    <cs:fontRef idx="minor">
+      <a:schemeClr val="tx1">
+        <a:lumMod val="65000"/>
+        <a:lumOff val="35000"/>
+      </a:schemeClr>
+    </cs:fontRef>
+    <cs:spPr>
+      <a:ln w="9525" cap="flat" cmpd="sng" algn="ctr">
+        <a:solidFill>
+          <a:schemeClr val="tx1">
+            <a:lumMod val="15000"/>
+            <a:lumOff val="85000"/>
+          </a:schemeClr>
+        </a:solidFill>
+        <a:round/>
+      </a:ln>
+    </cs:spPr>
+    <cs:defRPr sz="1197" kern="1200"/>
+  </cs:categoryAxis>
+  <cs:chartArea mods="allowNoFillOverride allowNoLineOverride">
+    <cs:lnRef idx="0"/>
+    <cs:fillRef idx="0"/>
+    <cs:effectRef idx="0"/>
+    <cs:fontRef idx="minor">
+      <a:schemeClr val="tx1"/>
+    </cs:fontRef>
+    <cs:spPr>
+      <a:solidFill>
+        <a:schemeClr val="bg1"/>
+      </a:solidFill>
+      <a:ln w="9525" cap="flat" cmpd="sng" algn="ctr">
+        <a:solidFill>
+          <a:schemeClr val="tx1">
+            <a:lumMod val="15000"/>
+            <a:lumOff val="85000"/>
+          </a:schemeClr>
+        </a:solidFill>
+        <a:round/>
+      </a:ln>
+    </cs:spPr>
+    <cs:defRPr sz="1197" kern="1200"/>
+  </cs:chartArea>
+  <cs:dataLabel>
+    <cs:lnRef idx="0"/>
+    <cs:fillRef idx="0"/>
+    <cs:effectRef idx="0"/>
+    <cs:fontRef idx="minor">
+      <a:schemeClr val="tx1">
+        <a:lumMod val="75000"/>
+        <a:lumOff val="25000"/>
+      </a:schemeClr>
+    </cs:fontRef>
+    <cs:defRPr sz="1197" kern="1200"/>
+  </cs:dataLabel>
+  <cs:dataLabelCallout>
+    <cs:lnRef idx="0"/>
+    <cs:fillRef idx="0"/>
+    <cs:effectRef idx="0"/>
+    <cs:fontRef idx="minor">
+      <a:schemeClr val="dk1">
+        <a:lumMod val="65000"/>
+        <a:lumOff val="35000"/>
+      </a:schemeClr>
+    </cs:fontRef>
+    <cs:spPr>
+      <a:solidFill>
+        <a:schemeClr val="lt1"/>
+      </a:solidFill>
+      <a:ln>
+        <a:solidFill>
+          <a:schemeClr val="dk1">
+            <a:lumMod val="25000"/>
+            <a:lumOff val="75000"/>
+          </a:schemeClr>
+        </a:solidFill>
+      </a:ln>
+    </cs:spPr>
+    <cs:defRPr sz="1197" kern="1200"/>
+    <cs:bodyPr rot="0" spcFirstLastPara="1" vertOverflow="clip" horzOverflow="clip" vert="horz" wrap="square" lIns="36576" tIns="18288" rIns="36576" bIns="18288" anchor="ctr" anchorCtr="1">
+      <a:spAutoFit/>
+    </cs:bodyPr>
+  </cs:dataLabelCallout>
+  <cs:dataPoint>
+    <cs:lnRef idx="0"/>
+    <cs:fillRef idx="1">
+      <cs:styleClr val="auto"/>
+    </cs:fillRef>
+    <cs:effectRef idx="0"/>
+    <cs:fontRef idx="minor">
+      <a:schemeClr val="tx1"/>
+    </cs:fontRef>
+    <cs:spPr>
+      <a:ln w="19050">
+        <a:solidFill>
+          <a:schemeClr val="lt1"/>
+        </a:solidFill>
+      </a:ln>
+    </cs:spPr>
+  </cs:dataPoint>
+  <cs:dataPoint3D>
+    <cs:lnRef idx="0"/>
+    <cs:fillRef idx="1">
+      <cs:styleClr val="auto"/>
+    </cs:fillRef>
+    <cs:effectRef idx="0"/>
+    <cs:fontRef idx="minor">
+      <a:schemeClr val="tx1"/>
+    </cs:fontRef>
+    <cs:spPr>
+      <a:ln w="25400">
+        <a:solidFill>
+          <a:schemeClr val="lt1"/>
+        </a:solidFill>
+      </a:ln>
+    </cs:spPr>
+  </cs:dataPoint3D>
+  <cs:dataPointLine>
+    <cs:lnRef idx="0">
+      <cs:styleClr val="auto"/>
+    </cs:lnRef>
+    <cs:fillRef idx="0"/>
+    <cs:effectRef idx="0"/>
+    <cs:fontRef idx="minor">
+      <a:schemeClr val="tx1"/>
+    </cs:fontRef>
+    <cs:spPr>
+      <a:ln w="28575" cap="rnd">
+        <a:solidFill>
+          <a:schemeClr val="phClr"/>
+        </a:solidFill>
+        <a:round/>
+      </a:ln>
+    </cs:spPr>
+  </cs:dataPointLine>
+  <cs:dataPointMarker>
+    <cs:lnRef idx="0">
+      <cs:styleClr val="auto"/>
+    </cs:lnRef>
+    <cs:fillRef idx="1">
+      <cs:styleClr val="auto"/>
+    </cs:fillRef>
+    <cs:effectRef idx="0"/>
+    <cs:fontRef idx="minor">
+      <a:schemeClr val="tx1"/>
+    </cs:fontRef>
+    <cs:spPr>
+      <a:ln w="9525">
+        <a:solidFill>
+          <a:schemeClr val="phClr"/>
+        </a:solidFill>
+      </a:ln>
+    </cs:spPr>
+  </cs:dataPointMarker>
+  <cs:dataPointMarkerLayout symbol="circle" size="5"/>
+  <cs:dataPointWireframe>
+    <cs:lnRef idx="0">
+      <cs:styleClr val="auto"/>
+    </cs:lnRef>
+    <cs:fillRef idx="0"/>
+    <cs:effectRef idx="0"/>
+    <cs:fontRef idx="minor">
+      <a:schemeClr val="tx1"/>
+    </cs:fontRef>
+    <cs:spPr>
+      <a:ln w="9525" cap="rnd">
+        <a:solidFill>
+          <a:schemeClr val="phClr"/>
+        </a:solidFill>
+        <a:round/>
+      </a:ln>
+    </cs:spPr>
+  </cs:dataPointWireframe>
+  <cs:dataTable>
+    <cs:lnRef idx="0"/>
+    <cs:fillRef idx="0"/>
+    <cs:effectRef idx="0"/>
+    <cs:fontRef idx="minor">
+      <a:schemeClr val="tx1">
+        <a:lumMod val="65000"/>
+        <a:lumOff val="35000"/>
+      </a:schemeClr>
+    </cs:fontRef>
+    <cs:spPr>
+      <a:noFill/>
+      <a:ln w="9525" cap="flat" cmpd="sng" algn="ctr">
+        <a:solidFill>
+          <a:schemeClr val="tx1">
+            <a:lumMod val="15000"/>
+            <a:lumOff val="85000"/>
+          </a:schemeClr>
+        </a:solidFill>
+        <a:round/>
+      </a:ln>
+    </cs:spPr>
+    <cs:defRPr sz="1197" kern="1200"/>
+  </cs:dataTable>
+  <cs:downBar>
+    <cs:lnRef idx="0"/>
+    <cs:fillRef idx="0"/>
+    <cs:effectRef idx="0"/>
+    <cs:fontRef idx="minor">
+      <a:schemeClr val="tx1"/>
+    </cs:fontRef>
+    <cs:spPr>
+      <a:solidFill>
+        <a:schemeClr val="dk1">
+          <a:lumMod val="75000"/>
+          <a:lumOff val="25000"/>
+        </a:schemeClr>
+      </a:solidFill>
+      <a:ln w="9525" cap="flat" cmpd="sng" algn="ctr">
+        <a:solidFill>
+          <a:schemeClr val="tx1">
+            <a:lumMod val="65000"/>
+            <a:lumOff val="35000"/>
+          </a:schemeClr>
+        </a:solidFill>
+        <a:round/>
+      </a:ln>
+    </cs:spPr>
+  </cs:downBar>
+  <cs:dropLine>
+    <cs:lnRef idx="0"/>
+    <cs:fillRef idx="0"/>
+    <cs:effectRef idx="0"/>
+    <cs:fontRef idx="minor">
+      <a:schemeClr val="tx1"/>
+    </cs:fontRef>
+    <cs:spPr>
+      <a:ln w="9525" cap="flat" cmpd="sng" algn="ctr">
+        <a:solidFill>
+          <a:schemeClr val="tx1">
+            <a:lumMod val="35000"/>
+            <a:lumOff val="65000"/>
+          </a:schemeClr>
+        </a:solidFill>
+        <a:round/>
+      </a:ln>
+    </cs:spPr>
+  </cs:dropLine>
+  <cs:errorBar>
+    <cs:lnRef idx="0"/>
+    <cs:fillRef idx="0"/>
+    <cs:effectRef idx="0"/>
+    <cs:fontRef idx="minor">
+      <a:schemeClr val="tx1"/>
+    </cs:fontRef>
+    <cs:spPr>
+      <a:ln w="9525" cap="flat" cmpd="sng" algn="ctr">
+        <a:solidFill>
+          <a:schemeClr val="tx1">
+            <a:lumMod val="65000"/>
+            <a:lumOff val="35000"/>
+          </a:schemeClr>
+        </a:solidFill>
+        <a:round/>
+      </a:ln>
+    </cs:spPr>
+  </cs:errorBar>
+  <cs:floor>
+    <cs:lnRef idx="0"/>
+    <cs:fillRef idx="0"/>
+    <cs:effectRef idx="0"/>
+    <cs:fontRef idx="minor">
+      <a:schemeClr val="tx1"/>
+    </cs:fontRef>
+    <cs:spPr>
+      <a:noFill/>
+      <a:ln>
+        <a:noFill/>
+      </a:ln>
+    </cs:spPr>
+  </cs:floor>
+  <cs:gridlineMajor>
+    <cs:lnRef idx="0"/>
+    <cs:fillRef idx="0"/>
+    <cs:effectRef idx="0"/>
+    <cs:fontRef idx="minor">
+      <a:schemeClr val="tx1"/>
+    </cs:fontRef>
+    <cs:spPr>
+      <a:ln w="9525" cap="flat" cmpd="sng" algn="ctr">
+        <a:solidFill>
+          <a:schemeClr val="tx1">
+            <a:lumMod val="15000"/>
+            <a:lumOff val="85000"/>
+          </a:schemeClr>
+        </a:solidFill>
+        <a:round/>
+      </a:ln>
+    </cs:spPr>
+  </cs:gridlineMajor>
+  <cs:gridlineMinor>
+    <cs:lnRef idx="0"/>
+    <cs:fillRef idx="0"/>
+    <cs:effectRef idx="0"/>
+    <cs:fontRef idx="minor">
+      <a:schemeClr val="tx1"/>
+    </cs:fontRef>
+    <cs:spPr>
+      <a:ln w="9525" cap="flat" cmpd="sng" algn="ctr">
+        <a:solidFill>
+          <a:schemeClr val="tx1">
+            <a:lumMod val="5000"/>
+            <a:lumOff val="95000"/>
+          </a:schemeClr>
+        </a:solidFill>
+        <a:round/>
+      </a:ln>
+    </cs:spPr>
+  </cs:gridlineMinor>
+  <cs:hiLoLine>
+    <cs:lnRef idx="0"/>
+    <cs:fillRef idx="0"/>
+    <cs:effectRef idx="0"/>
+    <cs:fontRef idx="minor">
+      <a:schemeClr val="tx1"/>
+    </cs:fontRef>
+    <cs:spPr>
+      <a:ln w="9525" cap="flat" cmpd="sng" algn="ctr">
+        <a:solidFill>
+          <a:schemeClr val="tx1">
+            <a:lumMod val="50000"/>
+            <a:lumOff val="50000"/>
+          </a:schemeClr>
+        </a:solidFill>
+        <a:round/>
+      </a:ln>
+    </cs:spPr>
+  </cs:hiLoLine>
+  <cs:leaderLine>
+    <cs:lnRef idx="0"/>
+    <cs:fillRef idx="0"/>
+    <cs:effectRef idx="0"/>
+    <cs:fontRef idx="minor">
+      <a:schemeClr val="tx1"/>
+    </cs:fontRef>
+    <cs:spPr>
+      <a:ln w="9525" cap="flat" cmpd="sng" algn="ctr">
+        <a:solidFill>
+          <a:schemeClr val="tx1">
+            <a:lumMod val="35000"/>
+            <a:lumOff val="65000"/>
+          </a:schemeClr>
+        </a:solidFill>
+        <a:round/>
+      </a:ln>
+    </cs:spPr>
+  </cs:leaderLine>
+  <cs:legend>
+    <cs:lnRef idx="0"/>
+    <cs:fillRef idx="0"/>
+    <cs:effectRef idx="0"/>
+    <cs:fontRef idx="minor">
+      <a:schemeClr val="tx1">
+        <a:lumMod val="65000"/>
+        <a:lumOff val="35000"/>
+      </a:schemeClr>
+    </cs:fontRef>
+    <cs:defRPr sz="1197" kern="1200"/>
+  </cs:legend>
+  <cs:plotArea mods="allowNoFillOverride allowNoLineOverride">
+    <cs:lnRef idx="0"/>
+    <cs:fillRef idx="0"/>
+    <cs:effectRef idx="0"/>
+    <cs:fontRef idx="minor">
+      <a:schemeClr val="tx1"/>
+    </cs:fontRef>
+  </cs:plotArea>
+  <cs:plotArea3D mods="allowNoFillOverride allowNoLineOverride">
+    <cs:lnRef idx="0"/>
+    <cs:fillRef idx="0"/>
+    <cs:effectRef idx="0"/>
+    <cs:fontRef idx="minor">
+      <a:schemeClr val="tx1"/>
+    </cs:fontRef>
+  </cs:plotArea3D>
+  <cs:seriesAxis>
+    <cs:lnRef idx="0"/>
+    <cs:fillRef idx="0"/>
+    <cs:effectRef idx="0"/>
+    <cs:fontRef idx="minor">
+      <a:schemeClr val="tx1">
+        <a:lumMod val="65000"/>
+        <a:lumOff val="35000"/>
+      </a:schemeClr>
+    </cs:fontRef>
+    <cs:defRPr sz="1197" kern="1200"/>
+  </cs:seriesAxis>
+  <cs:seriesLine>
+    <cs:lnRef idx="0"/>
+    <cs:fillRef idx="0"/>
+    <cs:effectRef idx="0"/>
+    <cs:fontRef idx="minor">
+      <a:schemeClr val="tx1"/>
+    </cs:fontRef>
+    <cs:spPr>
+      <a:ln w="9525" cap="flat" cmpd="sng" algn="ctr">
+        <a:solidFill>
+          <a:schemeClr val="tx1">
+            <a:lumMod val="35000"/>
+            <a:lumOff val="65000"/>
+          </a:schemeClr>
+        </a:solidFill>
+        <a:round/>
+      </a:ln>
+    </cs:spPr>
+  </cs:seriesLine>
+  <cs:title>
+    <cs:lnRef idx="0"/>
+    <cs:fillRef idx="0"/>
+    <cs:effectRef idx="0"/>
+    <cs:fontRef idx="minor">
+      <a:schemeClr val="tx1">
+        <a:lumMod val="65000"/>
+        <a:lumOff val="35000"/>
+      </a:schemeClr>
+    </cs:fontRef>
+    <cs:defRPr sz="1862" b="0" kern="1200" spc="0" baseline="0"/>
+  </cs:title>
+  <cs:trendline>
+    <cs:lnRef idx="0">
+      <cs:styleClr val="auto"/>
+    </cs:lnRef>
+    <cs:fillRef idx="0"/>
+    <cs:effectRef idx="0"/>
+    <cs:fontRef idx="minor">
+      <a:schemeClr val="tx1"/>
+    </cs:fontRef>
+    <cs:spPr>
+      <a:ln w="19050" cap="rnd">
+        <a:solidFill>
+          <a:schemeClr val="phClr"/>
+        </a:solidFill>
+        <a:prstDash val="sysDot"/>
+      </a:ln>
+    </cs:spPr>
+  </cs:trendline>
+  <cs:trendlineLabel>
+    <cs:lnRef idx="0"/>
+    <cs:fillRef idx="0"/>
+    <cs:effectRef idx="0"/>
+    <cs:fontRef idx="minor">
+      <a:schemeClr val="tx1">
+        <a:lumMod val="65000"/>
+        <a:lumOff val="35000"/>
+      </a:schemeClr>
+    </cs:fontRef>
+    <cs:defRPr sz="1197" kern="1200"/>
+  </cs:trendlineLabel>
+  <cs:upBar>
+    <cs:lnRef idx="0"/>
+    <cs:fillRef idx="0"/>
+    <cs:effectRef idx="0"/>
+    <cs:fontRef idx="minor">
+      <a:schemeClr val="tx1"/>
+    </cs:fontRef>
+    <cs:spPr>
+      <a:solidFill>
+        <a:schemeClr val="lt1"/>
+      </a:solidFill>
+      <a:ln w="9525" cap="flat" cmpd="sng" algn="ctr">
+        <a:solidFill>
+          <a:schemeClr val="tx1">
+            <a:lumMod val="65000"/>
+            <a:lumOff val="35000"/>
+          </a:schemeClr>
+        </a:solidFill>
+        <a:round/>
+      </a:ln>
+    </cs:spPr>
+  </cs:upBar>
+  <cs:valueAxis>
+    <cs:lnRef idx="0"/>
+    <cs:fillRef idx="0"/>
+    <cs:effectRef idx="0"/>
+    <cs:fontRef idx="minor">
+      <a:schemeClr val="tx1">
+        <a:lumMod val="65000"/>
+        <a:lumOff val="35000"/>
+      </a:schemeClr>
+    </cs:fontRef>
+    <cs:defRPr sz="1197" kern="1200"/>
+  </cs:valueAxis>
+  <cs:wall>
+    <cs:lnRef idx="0"/>
+    <cs:fillRef idx="0"/>
+    <cs:effectRef idx="0"/>
+    <cs:fontRef idx="minor">
+      <a:schemeClr val="tx1"/>
+    </cs:fontRef>
+    <cs:spPr>
+      <a:noFill/>
+      <a:ln>
+        <a:noFill/>
+      </a:ln>
+    </cs:spPr>
+  </cs:wall>
+</cs:chartStyle>
 </file>
 
 <file path=ppt/notesMasters/notesMaster1.xml><?xml version="1.0" encoding="utf-8"?>
@@ -629,6 +2185,174 @@
     <p:extLst>
       <p:ext uri="{BB962C8B-B14F-4D97-AF65-F5344CB8AC3E}">
         <p14:creationId xmlns:p14="http://schemas.microsoft.com/office/powerpoint/2010/main" val="769293009"/>
+      </p:ext>
+    </p:extLst>
+  </p:cSld>
+  <p:clrMapOvr>
+    <a:masterClrMapping/>
+  </p:clrMapOvr>
+</p:notes>
+</file>
+
+<file path=ppt/notesSlides/notesSlide2.xml><?xml version="1.0" encoding="utf-8"?>
+<p:notes xmlns:a="http://schemas.openxmlformats.org/drawingml/2006/main" xmlns:r="http://schemas.openxmlformats.org/officeDocument/2006/relationships" xmlns:p="http://schemas.openxmlformats.org/presentationml/2006/main">
+  <p:cSld>
+    <p:spTree>
+      <p:nvGrpSpPr>
+        <p:cNvPr id="1" name=""/>
+        <p:cNvGrpSpPr/>
+        <p:nvPr/>
+      </p:nvGrpSpPr>
+      <p:grpSpPr>
+        <a:xfrm>
+          <a:off x="0" y="0"/>
+          <a:ext cx="0" cy="0"/>
+          <a:chOff x="0" y="0"/>
+          <a:chExt cx="0" cy="0"/>
+        </a:xfrm>
+      </p:grpSpPr>
+      <p:sp>
+        <p:nvSpPr>
+          <p:cNvPr id="2" name="Slide Image Placeholder 1"/>
+          <p:cNvSpPr>
+            <a:spLocks noGrp="1" noRot="1" noChangeAspect="1"/>
+          </p:cNvSpPr>
+          <p:nvPr>
+            <p:ph type="sldImg"/>
+          </p:nvPr>
+        </p:nvSpPr>
+        <p:spPr/>
+      </p:sp>
+      <p:sp>
+        <p:nvSpPr>
+          <p:cNvPr id="3" name="Notes Placeholder 2"/>
+          <p:cNvSpPr>
+            <a:spLocks noGrp="1"/>
+          </p:cNvSpPr>
+          <p:nvPr>
+            <p:ph type="body" idx="1"/>
+          </p:nvPr>
+        </p:nvSpPr>
+        <p:spPr/>
+        <p:txBody>
+          <a:bodyPr/>
+          <a:lstStyle/>
+          <a:p>
+            <a:endParaRPr lang="en-GB" dirty="0"/>
+          </a:p>
+        </p:txBody>
+      </p:sp>
+      <p:sp>
+        <p:nvSpPr>
+          <p:cNvPr id="4" name="Slide Number Placeholder 3"/>
+          <p:cNvSpPr>
+            <a:spLocks noGrp="1"/>
+          </p:cNvSpPr>
+          <p:nvPr>
+            <p:ph type="sldNum" sz="quarter" idx="5"/>
+          </p:nvPr>
+        </p:nvSpPr>
+        <p:spPr/>
+        <p:txBody>
+          <a:bodyPr/>
+          <a:lstStyle/>
+          <a:p>
+            <a:fld id="{2EE0E20E-84DF-4BD3-9AB4-27F4012DB69F}" type="slidenum">
+              <a:rPr lang="en-GB" smtClean="0"/>
+              <a:t>9</a:t>
+            </a:fld>
+            <a:endParaRPr lang="en-GB"/>
+          </a:p>
+        </p:txBody>
+      </p:sp>
+    </p:spTree>
+    <p:extLst>
+      <p:ext uri="{BB962C8B-B14F-4D97-AF65-F5344CB8AC3E}">
+        <p14:creationId xmlns:p14="http://schemas.microsoft.com/office/powerpoint/2010/main" val="797154457"/>
+      </p:ext>
+    </p:extLst>
+  </p:cSld>
+  <p:clrMapOvr>
+    <a:masterClrMapping/>
+  </p:clrMapOvr>
+</p:notes>
+</file>
+
+<file path=ppt/notesSlides/notesSlide3.xml><?xml version="1.0" encoding="utf-8"?>
+<p:notes xmlns:a="http://schemas.openxmlformats.org/drawingml/2006/main" xmlns:r="http://schemas.openxmlformats.org/officeDocument/2006/relationships" xmlns:p="http://schemas.openxmlformats.org/presentationml/2006/main">
+  <p:cSld>
+    <p:spTree>
+      <p:nvGrpSpPr>
+        <p:cNvPr id="1" name=""/>
+        <p:cNvGrpSpPr/>
+        <p:nvPr/>
+      </p:nvGrpSpPr>
+      <p:grpSpPr>
+        <a:xfrm>
+          <a:off x="0" y="0"/>
+          <a:ext cx="0" cy="0"/>
+          <a:chOff x="0" y="0"/>
+          <a:chExt cx="0" cy="0"/>
+        </a:xfrm>
+      </p:grpSpPr>
+      <p:sp>
+        <p:nvSpPr>
+          <p:cNvPr id="2" name="Slide Image Placeholder 1"/>
+          <p:cNvSpPr>
+            <a:spLocks noGrp="1" noRot="1" noChangeAspect="1"/>
+          </p:cNvSpPr>
+          <p:nvPr>
+            <p:ph type="sldImg"/>
+          </p:nvPr>
+        </p:nvSpPr>
+        <p:spPr/>
+      </p:sp>
+      <p:sp>
+        <p:nvSpPr>
+          <p:cNvPr id="3" name="Notes Placeholder 2"/>
+          <p:cNvSpPr>
+            <a:spLocks noGrp="1"/>
+          </p:cNvSpPr>
+          <p:nvPr>
+            <p:ph type="body" idx="1"/>
+          </p:nvPr>
+        </p:nvSpPr>
+        <p:spPr/>
+        <p:txBody>
+          <a:bodyPr/>
+          <a:lstStyle/>
+          <a:p>
+            <a:endParaRPr lang="en-GB" dirty="0"/>
+          </a:p>
+        </p:txBody>
+      </p:sp>
+      <p:sp>
+        <p:nvSpPr>
+          <p:cNvPr id="4" name="Slide Number Placeholder 3"/>
+          <p:cNvSpPr>
+            <a:spLocks noGrp="1"/>
+          </p:cNvSpPr>
+          <p:nvPr>
+            <p:ph type="sldNum" sz="quarter" idx="5"/>
+          </p:nvPr>
+        </p:nvSpPr>
+        <p:spPr/>
+        <p:txBody>
+          <a:bodyPr/>
+          <a:lstStyle/>
+          <a:p>
+            <a:fld id="{2EE0E20E-84DF-4BD3-9AB4-27F4012DB69F}" type="slidenum">
+              <a:rPr lang="en-GB" smtClean="0"/>
+              <a:t>16</a:t>
+            </a:fld>
+            <a:endParaRPr lang="en-GB"/>
+          </a:p>
+        </p:txBody>
+      </p:sp>
+    </p:spTree>
+    <p:extLst>
+      <p:ext uri="{BB962C8B-B14F-4D97-AF65-F5344CB8AC3E}">
+        <p14:creationId xmlns:p14="http://schemas.microsoft.com/office/powerpoint/2010/main" val="2934021421"/>
       </p:ext>
     </p:extLst>
   </p:cSld>
@@ -4853,7 +6577,7 @@
         <p:cNvPr id="1" name="">
           <a:extLst>
             <a:ext uri="{FF2B5EF4-FFF2-40B4-BE49-F238E27FC236}">
-              <a16:creationId xmlns:a16="http://schemas.microsoft.com/office/drawing/2014/main" id="{E7EB8AD7-C07D-11FA-F75A-096B9ECB966F}"/>
+              <a16:creationId xmlns:a16="http://schemas.microsoft.com/office/drawing/2014/main" id="{50D03D85-1CA0-C644-3C4F-C5A89B8E1139}"/>
             </a:ext>
           </a:extLst>
         </p:cNvPr>
@@ -4873,7 +6597,7 @@
           <p:cNvPr id="2" name="Title 1">
             <a:extLst>
               <a:ext uri="{FF2B5EF4-FFF2-40B4-BE49-F238E27FC236}">
-                <a16:creationId xmlns:a16="http://schemas.microsoft.com/office/drawing/2014/main" id="{08236995-BC21-4CA4-28C1-FCD7E5798EC6}"/>
+                <a16:creationId xmlns:a16="http://schemas.microsoft.com/office/drawing/2014/main" id="{E80563B4-B6C8-1F6E-EF2F-5619997B9E8C}"/>
               </a:ext>
             </a:extLst>
           </p:cNvPr>
@@ -4884,12 +6608,7 @@
             <p:ph type="title"/>
           </p:nvPr>
         </p:nvSpPr>
-        <p:spPr>
-          <a:xfrm>
-            <a:off x="911424" y="404664"/>
-            <a:ext cx="10515600" cy="1325563"/>
-          </a:xfrm>
-        </p:spPr>
+        <p:spPr/>
         <p:txBody>
           <a:bodyPr/>
           <a:lstStyle/>
@@ -4898,31 +6617,31 @@
               <a:rPr lang="en-GB" dirty="0">
                 <a:ea typeface="Cambria" panose="02040503050406030204" pitchFamily="18" charset="0"/>
               </a:rPr>
-              <a:t>Exploratory Data Analysis (EDA)</a:t>
-            </a:r>
-          </a:p>
-        </p:txBody>
-      </p:sp>
-      <p:sp>
-        <p:nvSpPr>
-          <p:cNvPr id="3" name="Content Placeholder 2">
-            <a:extLst>
-              <a:ext uri="{FF2B5EF4-FFF2-40B4-BE49-F238E27FC236}">
-                <a16:creationId xmlns:a16="http://schemas.microsoft.com/office/drawing/2014/main" id="{8C39444F-8697-EA78-3255-AB06029CF571}"/>
-              </a:ext>
-            </a:extLst>
-          </p:cNvPr>
-          <p:cNvSpPr>
-            <a:spLocks noGrp="1"/>
-          </p:cNvSpPr>
-          <p:nvPr>
-            <p:ph idx="1"/>
+              <a:t>Problem Context</a:t>
+            </a:r>
+          </a:p>
+        </p:txBody>
+      </p:sp>
+      <p:sp>
+        <p:nvSpPr>
+          <p:cNvPr id="5" name="Text Placeholder 4">
+            <a:extLst>
+              <a:ext uri="{FF2B5EF4-FFF2-40B4-BE49-F238E27FC236}">
+                <a16:creationId xmlns:a16="http://schemas.microsoft.com/office/drawing/2014/main" id="{447EA540-8F76-4AFC-D9DD-59AE4747327B}"/>
+              </a:ext>
+            </a:extLst>
+          </p:cNvPr>
+          <p:cNvSpPr>
+            <a:spLocks noGrp="1"/>
+          </p:cNvSpPr>
+          <p:nvPr>
+            <p:ph type="body" idx="1"/>
           </p:nvPr>
         </p:nvSpPr>
         <p:spPr>
           <a:xfrm>
-            <a:off x="764976" y="1772816"/>
-            <a:ext cx="10515600" cy="4351338"/>
+            <a:off x="839788" y="1681163"/>
+            <a:ext cx="5616251" cy="823912"/>
           </a:xfrm>
         </p:spPr>
         <p:txBody>
@@ -4931,39 +6650,197 @@
           <a:p>
             <a:r>
               <a:rPr lang="en-GB" dirty="0"/>
-              <a:t>Description of Dataset</a:t>
-            </a:r>
-          </a:p>
+              <a:t>Shortcomings of the Current Approach</a:t>
+            </a:r>
+          </a:p>
+        </p:txBody>
+      </p:sp>
+      <p:sp>
+        <p:nvSpPr>
+          <p:cNvPr id="6" name="Text Placeholder 5">
+            <a:extLst>
+              <a:ext uri="{FF2B5EF4-FFF2-40B4-BE49-F238E27FC236}">
+                <a16:creationId xmlns:a16="http://schemas.microsoft.com/office/drawing/2014/main" id="{12F5A3E9-4B7D-94D8-1595-4616C9C72AEA}"/>
+              </a:ext>
+            </a:extLst>
+          </p:cNvPr>
+          <p:cNvSpPr>
+            <a:spLocks noGrp="1"/>
+          </p:cNvSpPr>
+          <p:nvPr>
+            <p:ph type="body" sz="quarter" idx="3"/>
+          </p:nvPr>
+        </p:nvSpPr>
+        <p:spPr>
+          <a:xfrm>
+            <a:off x="6290131" y="1681163"/>
+            <a:ext cx="5183188" cy="823912"/>
+          </a:xfrm>
+        </p:spPr>
+        <p:txBody>
+          <a:bodyPr/>
+          <a:lstStyle/>
           <a:p>
             <a:r>
               <a:rPr lang="en-GB" dirty="0"/>
-              <a:t>Nulls</a:t>
-            </a:r>
-          </a:p>
-          <a:p>
-            <a:r>
-              <a:rPr lang="en-GB" dirty="0"/>
-              <a:t>Exploring the 6 Numeric Features</a:t>
-            </a:r>
-          </a:p>
-          <a:p>
-            <a:r>
-              <a:rPr lang="en-GB" dirty="0"/>
-              <a:t>Distribution of target Class</a:t>
-            </a:r>
-          </a:p>
-          <a:p>
-            <a:r>
-              <a:rPr lang="en-GB" dirty="0"/>
-              <a:t>Correlation Analysis and Principal Component Analysis</a:t>
-            </a:r>
+              <a:t>How AI could fit into this</a:t>
+            </a:r>
+          </a:p>
+        </p:txBody>
+      </p:sp>
+      <p:sp>
+        <p:nvSpPr>
+          <p:cNvPr id="7" name="Content Placeholder 6">
+            <a:extLst>
+              <a:ext uri="{FF2B5EF4-FFF2-40B4-BE49-F238E27FC236}">
+                <a16:creationId xmlns:a16="http://schemas.microsoft.com/office/drawing/2014/main" id="{3B0BEC63-9774-A9C1-DCFE-9287A36E49F8}"/>
+              </a:ext>
+            </a:extLst>
+          </p:cNvPr>
+          <p:cNvSpPr>
+            <a:spLocks noGrp="1"/>
+          </p:cNvSpPr>
+          <p:nvPr>
+            <p:ph sz="quarter" idx="4"/>
+          </p:nvPr>
+        </p:nvSpPr>
+        <p:spPr/>
+        <p:txBody>
+          <a:bodyPr>
+            <a:normAutofit/>
+          </a:bodyPr>
+          <a:lstStyle/>
+          <a:p>
+            <a:pPr marL="0" indent="0">
+              <a:buNone/>
+            </a:pPr>
+            <a:r>
+              <a:rPr lang="en-GB" sz="2000" b="1" dirty="0"/>
+              <a:t>AI in Specialist Decision-Making:</a:t>
+            </a:r>
+          </a:p>
+          <a:p>
+            <a:pPr marL="742950" lvl="1" indent="-285750">
+              <a:buFont typeface="Arial" panose="020B0604020202020204" pitchFamily="34" charset="0"/>
+              <a:buChar char="•"/>
+            </a:pPr>
+            <a:r>
+              <a:rPr lang="en-GB" sz="1800" dirty="0"/>
+              <a:t>Facilitates faster and more accurate diagnoses, simplifying the specialist's role to verifying AI outputs.</a:t>
+            </a:r>
+          </a:p>
+          <a:p>
+            <a:pPr marL="742950" lvl="1" indent="-285750">
+              <a:buFont typeface="Arial" panose="020B0604020202020204" pitchFamily="34" charset="0"/>
+              <a:buChar char="•"/>
+            </a:pPr>
+            <a:r>
+              <a:rPr lang="en-GB" sz="1800" dirty="0"/>
+              <a:t>Used alongside clinical context (patient history, physical examination findings etc)</a:t>
+            </a:r>
+          </a:p>
+          <a:p>
+            <a:pPr marL="0" indent="0">
+              <a:buNone/>
+            </a:pPr>
+            <a:r>
+              <a:rPr lang="en-GB" sz="2000" b="1" dirty="0"/>
+              <a:t>AI in GP Consultations:</a:t>
+            </a:r>
+          </a:p>
+          <a:p>
+            <a:pPr marL="742950" lvl="1" indent="-285750">
+              <a:buFont typeface="Arial" panose="020B0604020202020204" pitchFamily="34" charset="0"/>
+              <a:buChar char="•"/>
+            </a:pPr>
+            <a:r>
+              <a:rPr lang="en-GB" sz="1800" dirty="0"/>
+              <a:t>Supports earlier diagnosis and treatment initiation without requiring immediate specialist referral.</a:t>
+            </a:r>
+          </a:p>
+        </p:txBody>
+      </p:sp>
+      <p:sp>
+        <p:nvSpPr>
+          <p:cNvPr id="9" name="Content Placeholder 8">
+            <a:extLst>
+              <a:ext uri="{FF2B5EF4-FFF2-40B4-BE49-F238E27FC236}">
+                <a16:creationId xmlns:a16="http://schemas.microsoft.com/office/drawing/2014/main" id="{255667A9-696B-DD8D-BD17-9D8BAF294718}"/>
+              </a:ext>
+            </a:extLst>
+          </p:cNvPr>
+          <p:cNvSpPr>
+            <a:spLocks noGrp="1"/>
+          </p:cNvSpPr>
+          <p:nvPr>
+            <p:ph sz="half" idx="2"/>
+          </p:nvPr>
+        </p:nvSpPr>
+        <p:spPr/>
+        <p:txBody>
+          <a:bodyPr>
+            <a:normAutofit/>
+          </a:bodyPr>
+          <a:lstStyle/>
+          <a:p>
+            <a:pPr marL="0" indent="0">
+              <a:buNone/>
+            </a:pPr>
+            <a:r>
+              <a:rPr lang="en-GB" sz="2000" b="1" dirty="0"/>
+              <a:t>Resource Strain on the NHS:</a:t>
+            </a:r>
+            <a:endParaRPr lang="en-GB" sz="2000" dirty="0"/>
+          </a:p>
+          <a:p>
+            <a:pPr marL="742950" lvl="1" indent="-285750">
+              <a:buFont typeface="Arial" panose="020B0604020202020204" pitchFamily="34" charset="0"/>
+              <a:buChar char="•"/>
+            </a:pPr>
+            <a:r>
+              <a:rPr lang="en-GB" sz="1800" dirty="0"/>
+              <a:t>High costs of surgeries and prolonged rehabilitation.</a:t>
+            </a:r>
+          </a:p>
+          <a:p>
+            <a:pPr marL="742950" lvl="1" indent="-285750">
+              <a:buFont typeface="Arial" panose="020B0604020202020204" pitchFamily="34" charset="0"/>
+              <a:buChar char="•"/>
+            </a:pPr>
+            <a:r>
+              <a:rPr lang="en-GB" sz="1800" dirty="0"/>
+              <a:t>Significant physiotherapy expenses.</a:t>
+            </a:r>
+          </a:p>
+          <a:p>
+            <a:pPr marL="0" indent="0">
+              <a:buNone/>
+            </a:pPr>
+            <a:r>
+              <a:rPr lang="en-GB" sz="2000" b="1" dirty="0"/>
+              <a:t>Delays in Diagnosis and Treatment:</a:t>
+            </a:r>
+            <a:endParaRPr lang="en-GB" sz="2000" dirty="0"/>
+          </a:p>
+          <a:p>
+            <a:pPr marL="742950" lvl="1" indent="-285750">
+              <a:buFont typeface="Arial" panose="020B0604020202020204" pitchFamily="34" charset="0"/>
+              <a:buChar char="•"/>
+            </a:pPr>
+            <a:r>
+              <a:rPr lang="en-GB" sz="1800" dirty="0"/>
+              <a:t>Long patient wait times and delayed specialist referrals exacerbate the risk of emergency escalation</a:t>
+            </a:r>
+          </a:p>
+          <a:p>
+            <a:endParaRPr lang="en-GB" dirty="0"/>
           </a:p>
         </p:txBody>
       </p:sp>
     </p:spTree>
     <p:extLst>
       <p:ext uri="{BB962C8B-B14F-4D97-AF65-F5344CB8AC3E}">
-        <p14:creationId xmlns:p14="http://schemas.microsoft.com/office/powerpoint/2010/main" val="1747347241"/>
+        <p14:creationId xmlns:p14="http://schemas.microsoft.com/office/powerpoint/2010/main" val="1481077712"/>
       </p:ext>
     </p:extLst>
   </p:cSld>
@@ -4981,7 +6858,7 @@
         <p:cNvPr id="1" name="">
           <a:extLst>
             <a:ext uri="{FF2B5EF4-FFF2-40B4-BE49-F238E27FC236}">
-              <a16:creationId xmlns:a16="http://schemas.microsoft.com/office/drawing/2014/main" id="{DB4A91D1-E902-5200-F253-9123B1B757B6}"/>
+              <a16:creationId xmlns:a16="http://schemas.microsoft.com/office/drawing/2014/main" id="{6C7CAEB7-E303-74A8-148C-D8DD009EB6F1}"/>
             </a:ext>
           </a:extLst>
         </p:cNvPr>
@@ -5001,7 +6878,7 @@
           <p:cNvPr id="2" name="Title 1">
             <a:extLst>
               <a:ext uri="{FF2B5EF4-FFF2-40B4-BE49-F238E27FC236}">
-                <a16:creationId xmlns:a16="http://schemas.microsoft.com/office/drawing/2014/main" id="{CE9EFEEA-DF7F-F1D5-10D1-F25AEE4BC7A8}"/>
+                <a16:creationId xmlns:a16="http://schemas.microsoft.com/office/drawing/2014/main" id="{DAD1578F-CA0D-45DE-E20F-635997A44981}"/>
               </a:ext>
             </a:extLst>
           </p:cNvPr>
@@ -5012,12 +6889,7 @@
             <p:ph type="title"/>
           </p:nvPr>
         </p:nvSpPr>
-        <p:spPr>
-          <a:xfrm>
-            <a:off x="911424" y="404664"/>
-            <a:ext cx="10515600" cy="1325563"/>
-          </a:xfrm>
-        </p:spPr>
+        <p:spPr/>
         <p:txBody>
           <a:bodyPr/>
           <a:lstStyle/>
@@ -5026,108 +6898,140 @@
               <a:rPr lang="en-GB" dirty="0">
                 <a:ea typeface="Cambria" panose="02040503050406030204" pitchFamily="18" charset="0"/>
               </a:rPr>
-              <a:t>Modelling</a:t>
-            </a:r>
-          </a:p>
-        </p:txBody>
-      </p:sp>
-      <p:sp>
-        <p:nvSpPr>
-          <p:cNvPr id="3" name="Content Placeholder 2">
-            <a:extLst>
-              <a:ext uri="{FF2B5EF4-FFF2-40B4-BE49-F238E27FC236}">
-                <a16:creationId xmlns:a16="http://schemas.microsoft.com/office/drawing/2014/main" id="{E8FAFD6B-5CDC-082F-B588-1F54A2E94D95}"/>
-              </a:ext>
-            </a:extLst>
-          </p:cNvPr>
-          <p:cNvSpPr>
-            <a:spLocks noGrp="1"/>
-          </p:cNvSpPr>
-          <p:nvPr>
-            <p:ph idx="1"/>
+              <a:t>Problem Context</a:t>
+            </a:r>
+          </a:p>
+        </p:txBody>
+      </p:sp>
+      <p:sp>
+        <p:nvSpPr>
+          <p:cNvPr id="5" name="Text Placeholder 4">
+            <a:extLst>
+              <a:ext uri="{FF2B5EF4-FFF2-40B4-BE49-F238E27FC236}">
+                <a16:creationId xmlns:a16="http://schemas.microsoft.com/office/drawing/2014/main" id="{3BDC96C7-F758-E3F3-75D7-8A81FEE43962}"/>
+              </a:ext>
+            </a:extLst>
+          </p:cNvPr>
+          <p:cNvSpPr>
+            <a:spLocks noGrp="1"/>
+          </p:cNvSpPr>
+          <p:nvPr>
+            <p:ph type="body" idx="1"/>
           </p:nvPr>
         </p:nvSpPr>
         <p:spPr>
           <a:xfrm>
-            <a:off x="764976" y="1772816"/>
-            <a:ext cx="10515600" cy="4351338"/>
+            <a:off x="839788" y="1681163"/>
+            <a:ext cx="6912395" cy="823912"/>
           </a:xfrm>
         </p:spPr>
         <p:txBody>
+          <a:bodyPr/>
+          <a:lstStyle/>
+          <a:p>
+            <a:r>
+              <a:rPr lang="en-GB" sz="2400" b="1" dirty="0"/>
+              <a:t>Benefits of integrating AI into the process</a:t>
+            </a:r>
+          </a:p>
+        </p:txBody>
+      </p:sp>
+      <p:sp>
+        <p:nvSpPr>
+          <p:cNvPr id="9" name="Content Placeholder 8">
+            <a:extLst>
+              <a:ext uri="{FF2B5EF4-FFF2-40B4-BE49-F238E27FC236}">
+                <a16:creationId xmlns:a16="http://schemas.microsoft.com/office/drawing/2014/main" id="{6F0CAF10-66F7-7DBB-BD6E-059F9114A398}"/>
+              </a:ext>
+            </a:extLst>
+          </p:cNvPr>
+          <p:cNvSpPr>
+            <a:spLocks noGrp="1"/>
+          </p:cNvSpPr>
+          <p:nvPr>
+            <p:ph sz="half" idx="2"/>
+          </p:nvPr>
+        </p:nvSpPr>
+        <p:spPr>
+          <a:xfrm>
+            <a:off x="839788" y="2505075"/>
+            <a:ext cx="8712596" cy="3684588"/>
+          </a:xfrm>
+        </p:spPr>
+        <p:txBody>
           <a:bodyPr>
-            <a:normAutofit lnSpcReduction="10000"/>
+            <a:normAutofit/>
           </a:bodyPr>
           <a:lstStyle/>
           <a:p>
-            <a:r>
-              <a:rPr lang="en-GB" dirty="0"/>
-              <a:t>Pre-Processing</a:t>
-            </a:r>
-          </a:p>
-          <a:p>
-            <a:pPr lvl="1"/>
-            <a:r>
-              <a:rPr lang="en-GB" dirty="0"/>
-              <a:t>Outlier Handling</a:t>
-            </a:r>
-          </a:p>
-          <a:p>
-            <a:pPr lvl="1"/>
-            <a:r>
-              <a:rPr lang="en-GB" dirty="0"/>
-              <a:t>Data scaling</a:t>
-            </a:r>
-          </a:p>
-          <a:p>
-            <a:pPr lvl="1"/>
-            <a:r>
-              <a:rPr lang="en-GB" dirty="0"/>
-              <a:t>Principal Components</a:t>
-            </a:r>
-          </a:p>
-          <a:p>
-            <a:pPr lvl="1"/>
-            <a:r>
-              <a:rPr lang="en-GB" dirty="0"/>
-              <a:t>Feature Redundancy</a:t>
-            </a:r>
-          </a:p>
-          <a:p>
-            <a:r>
-              <a:rPr lang="en-GB" dirty="0"/>
-              <a:t>Logistic Regression</a:t>
-            </a:r>
-          </a:p>
-          <a:p>
-            <a:r>
-              <a:rPr lang="en-GB" dirty="0"/>
-              <a:t>SVM</a:t>
-            </a:r>
-          </a:p>
-          <a:p>
-            <a:r>
-              <a:rPr lang="en-GB" dirty="0"/>
-              <a:t>Decision Tree</a:t>
-            </a:r>
-          </a:p>
-          <a:p>
-            <a:r>
-              <a:rPr lang="en-GB" dirty="0"/>
-              <a:t>Random Forest</a:t>
-            </a:r>
-          </a:p>
-          <a:p>
-            <a:r>
-              <a:rPr lang="en-GB" dirty="0"/>
-              <a:t>AdaBoost</a:t>
-            </a:r>
+            <a:pPr marL="0" indent="0">
+              <a:buNone/>
+            </a:pPr>
+            <a:r>
+              <a:rPr lang="en-GB" sz="2000" b="1" dirty="0"/>
+              <a:t>Enhanced Efficiency:</a:t>
+            </a:r>
+            <a:endParaRPr lang="en-GB" sz="2000" dirty="0"/>
+          </a:p>
+          <a:p>
+            <a:pPr marL="742950" lvl="1" indent="-285750">
+              <a:buFont typeface="Arial" panose="020B0604020202020204" pitchFamily="34" charset="0"/>
+              <a:buChar char="•"/>
+            </a:pPr>
+            <a:r>
+              <a:rPr lang="en-GB" sz="1800" dirty="0"/>
+              <a:t>Reduces patient wait times by streamlining the diagnostic process.</a:t>
+            </a:r>
+          </a:p>
+          <a:p>
+            <a:pPr marL="742950" lvl="1" indent="-285750">
+              <a:buFont typeface="Arial" panose="020B0604020202020204" pitchFamily="34" charset="0"/>
+              <a:buChar char="•"/>
+            </a:pPr>
+            <a:r>
+              <a:rPr lang="en-GB" sz="1800" dirty="0"/>
+              <a:t>Decreases unnecessary specialist referrals, conserving NHS resources.</a:t>
+            </a:r>
+          </a:p>
+          <a:p>
+            <a:pPr marL="0" indent="0">
+              <a:buNone/>
+            </a:pPr>
+            <a:r>
+              <a:rPr lang="en-GB" sz="2000" b="1" dirty="0"/>
+              <a:t>Prevention of Escalation:</a:t>
+            </a:r>
+            <a:endParaRPr lang="en-GB" sz="2000" dirty="0"/>
+          </a:p>
+          <a:p>
+            <a:pPr marL="742950" lvl="1" indent="-285750">
+              <a:buFont typeface="Arial" panose="020B0604020202020204" pitchFamily="34" charset="0"/>
+              <a:buChar char="•"/>
+            </a:pPr>
+            <a:r>
+              <a:rPr lang="en-GB" sz="1800" dirty="0"/>
+              <a:t>Enables earlier interventions, preventing elective cases from becoming emergencies.</a:t>
+            </a:r>
+          </a:p>
+          <a:p>
+            <a:pPr marL="742950" lvl="1" indent="-285750">
+              <a:buFont typeface="Arial" panose="020B0604020202020204" pitchFamily="34" charset="0"/>
+              <a:buChar char="•"/>
+            </a:pPr>
+            <a:r>
+              <a:rPr lang="en-GB" sz="1800" dirty="0"/>
+              <a:t>Reduces reliance on surgeries, which are costly, risky, and resource-intensive.</a:t>
+            </a:r>
+          </a:p>
+          <a:p>
+            <a:endParaRPr lang="en-GB" dirty="0"/>
           </a:p>
         </p:txBody>
       </p:sp>
     </p:spTree>
     <p:extLst>
       <p:ext uri="{BB962C8B-B14F-4D97-AF65-F5344CB8AC3E}">
-        <p14:creationId xmlns:p14="http://schemas.microsoft.com/office/powerpoint/2010/main" val="828245224"/>
+        <p14:creationId xmlns:p14="http://schemas.microsoft.com/office/powerpoint/2010/main" val="1390893368"/>
       </p:ext>
     </p:extLst>
   </p:cSld>
@@ -5145,7 +7049,7 @@
         <p:cNvPr id="1" name="">
           <a:extLst>
             <a:ext uri="{FF2B5EF4-FFF2-40B4-BE49-F238E27FC236}">
-              <a16:creationId xmlns:a16="http://schemas.microsoft.com/office/drawing/2014/main" id="{6C85ED7F-DCA2-68C9-F1FC-B216377126E3}"/>
+              <a16:creationId xmlns:a16="http://schemas.microsoft.com/office/drawing/2014/main" id="{252A8433-1829-1DCB-BCEB-CA9F507C6D66}"/>
             </a:ext>
           </a:extLst>
         </p:cNvPr>
@@ -5165,7 +7069,7 @@
           <p:cNvPr id="2" name="Title 1">
             <a:extLst>
               <a:ext uri="{FF2B5EF4-FFF2-40B4-BE49-F238E27FC236}">
-                <a16:creationId xmlns:a16="http://schemas.microsoft.com/office/drawing/2014/main" id="{005943FD-7A39-35A8-51B3-6206A40969A2}"/>
+                <a16:creationId xmlns:a16="http://schemas.microsoft.com/office/drawing/2014/main" id="{D4E49378-FCC5-F2B3-CFD2-7AC7FE5836B1}"/>
               </a:ext>
             </a:extLst>
           </p:cNvPr>
@@ -5176,72 +7080,14 @@
             <p:ph type="title"/>
           </p:nvPr>
         </p:nvSpPr>
-        <p:spPr>
-          <a:xfrm>
-            <a:off x="911424" y="404664"/>
-            <a:ext cx="10515600" cy="1325563"/>
-          </a:xfrm>
-        </p:spPr>
+        <p:spPr/>
         <p:txBody>
           <a:bodyPr/>
           <a:lstStyle/>
           <a:p>
             <a:r>
-              <a:rPr lang="en-GB" dirty="0">
-                <a:ea typeface="Cambria" panose="02040503050406030204" pitchFamily="18" charset="0"/>
-              </a:rPr>
-              <a:t>Evaluation</a:t>
-            </a:r>
-          </a:p>
-        </p:txBody>
-      </p:sp>
-      <p:sp>
-        <p:nvSpPr>
-          <p:cNvPr id="3" name="Content Placeholder 2">
-            <a:extLst>
-              <a:ext uri="{FF2B5EF4-FFF2-40B4-BE49-F238E27FC236}">
-                <a16:creationId xmlns:a16="http://schemas.microsoft.com/office/drawing/2014/main" id="{4D8C57A8-4EC9-60CC-6405-B583A353AC79}"/>
-              </a:ext>
-            </a:extLst>
-          </p:cNvPr>
-          <p:cNvSpPr>
-            <a:spLocks noGrp="1"/>
-          </p:cNvSpPr>
-          <p:nvPr>
-            <p:ph idx="1"/>
-          </p:nvPr>
-        </p:nvSpPr>
-        <p:spPr>
-          <a:xfrm>
-            <a:off x="764976" y="1772816"/>
-            <a:ext cx="10515600" cy="4351338"/>
-          </a:xfrm>
-        </p:spPr>
-        <p:txBody>
-          <a:bodyPr/>
-          <a:lstStyle/>
-          <a:p>
-            <a:r>
               <a:rPr lang="en-GB" dirty="0"/>
-              <a:t>Accuracy vs Precision vs Recall vs F1</a:t>
-            </a:r>
-          </a:p>
-          <a:p>
-            <a:r>
-              <a:rPr lang="en-GB" dirty="0"/>
-              <a:t>Recall vs F1</a:t>
-            </a:r>
-          </a:p>
-          <a:p>
-            <a:r>
-              <a:rPr lang="en-GB" dirty="0"/>
-              <a:t>Confusion Matrix Description</a:t>
-            </a:r>
-          </a:p>
-          <a:p>
-            <a:r>
-              <a:rPr lang="en-GB" dirty="0"/>
-              <a:t>Results of each model</a:t>
+              <a:t>Notebook Walkthrough</a:t>
             </a:r>
           </a:p>
         </p:txBody>
@@ -5249,7 +7095,7 @@
     </p:spTree>
     <p:extLst>
       <p:ext uri="{BB962C8B-B14F-4D97-AF65-F5344CB8AC3E}">
-        <p14:creationId xmlns:p14="http://schemas.microsoft.com/office/powerpoint/2010/main" val="1008373500"/>
+        <p14:creationId xmlns:p14="http://schemas.microsoft.com/office/powerpoint/2010/main" val="3191624773"/>
       </p:ext>
     </p:extLst>
   </p:cSld>
@@ -5267,7 +7113,7 @@
         <p:cNvPr id="1" name="">
           <a:extLst>
             <a:ext uri="{FF2B5EF4-FFF2-40B4-BE49-F238E27FC236}">
-              <a16:creationId xmlns:a16="http://schemas.microsoft.com/office/drawing/2014/main" id="{CC2DD1A6-4939-3318-BC96-A958CF2C3D3B}"/>
+              <a16:creationId xmlns:a16="http://schemas.microsoft.com/office/drawing/2014/main" id="{2FCD514B-7E23-74AC-4576-8B5FDD7F9F9F}"/>
             </a:ext>
           </a:extLst>
         </p:cNvPr>
@@ -5287,7 +7133,7 @@
           <p:cNvPr id="2" name="Title 1">
             <a:extLst>
               <a:ext uri="{FF2B5EF4-FFF2-40B4-BE49-F238E27FC236}">
-                <a16:creationId xmlns:a16="http://schemas.microsoft.com/office/drawing/2014/main" id="{77ABCE43-944B-1242-A7FE-1CCD8F6DE0CC}"/>
+                <a16:creationId xmlns:a16="http://schemas.microsoft.com/office/drawing/2014/main" id="{C18C88A0-0637-C0E1-79E8-267E333D095E}"/>
               </a:ext>
             </a:extLst>
           </p:cNvPr>
@@ -5300,7 +7146,7 @@
         </p:nvSpPr>
         <p:spPr>
           <a:xfrm>
-            <a:off x="911424" y="404664"/>
+            <a:off x="908992" y="404664"/>
             <a:ext cx="10515600" cy="1325563"/>
           </a:xfrm>
         </p:spPr>
@@ -5312,31 +7158,31 @@
               <a:rPr lang="en-GB" dirty="0">
                 <a:ea typeface="Cambria" panose="02040503050406030204" pitchFamily="18" charset="0"/>
               </a:rPr>
-              <a:t>Analysis</a:t>
-            </a:r>
-          </a:p>
-        </p:txBody>
-      </p:sp>
-      <p:sp>
-        <p:nvSpPr>
-          <p:cNvPr id="3" name="Content Placeholder 2">
-            <a:extLst>
-              <a:ext uri="{FF2B5EF4-FFF2-40B4-BE49-F238E27FC236}">
-                <a16:creationId xmlns:a16="http://schemas.microsoft.com/office/drawing/2014/main" id="{0C92F173-DD71-B627-2B2B-E640629C8B5A}"/>
-              </a:ext>
-            </a:extLst>
-          </p:cNvPr>
-          <p:cNvSpPr>
-            <a:spLocks noGrp="1"/>
-          </p:cNvSpPr>
-          <p:nvPr>
-            <p:ph idx="1"/>
+              <a:t>Imports</a:t>
+            </a:r>
+          </a:p>
+        </p:txBody>
+      </p:sp>
+      <p:sp>
+        <p:nvSpPr>
+          <p:cNvPr id="8" name="Text Placeholder 7">
+            <a:extLst>
+              <a:ext uri="{FF2B5EF4-FFF2-40B4-BE49-F238E27FC236}">
+                <a16:creationId xmlns:a16="http://schemas.microsoft.com/office/drawing/2014/main" id="{BDBFD9B8-D107-9437-2F3C-F57A01DDB61D}"/>
+              </a:ext>
+            </a:extLst>
+          </p:cNvPr>
+          <p:cNvSpPr>
+            <a:spLocks noGrp="1"/>
+          </p:cNvSpPr>
+          <p:nvPr>
+            <p:ph type="body" idx="1"/>
           </p:nvPr>
         </p:nvSpPr>
         <p:spPr>
           <a:xfrm>
-            <a:off x="764976" y="1772816"/>
-            <a:ext cx="10515600" cy="4351338"/>
+            <a:off x="862024" y="1484784"/>
+            <a:ext cx="10512424" cy="823912"/>
           </a:xfrm>
         </p:spPr>
         <p:txBody>
@@ -5344,22 +7190,274 @@
           <a:lstStyle/>
           <a:p>
             <a:r>
-              <a:rPr lang="en-GB" dirty="0"/>
-              <a:t>What model performed best and why Standard Challenge</a:t>
-            </a:r>
-          </a:p>
-          <a:p>
-            <a:r>
-              <a:rPr lang="en-GB" dirty="0"/>
-              <a:t>Bonus challenge</a:t>
-            </a:r>
+              <a:rPr lang="en-GB" b="0" dirty="0"/>
+              <a:t>The following libraries are utilised in our project. A brief description of each of their roles is provided. </a:t>
+            </a:r>
+          </a:p>
+        </p:txBody>
+      </p:sp>
+      <p:sp>
+        <p:nvSpPr>
+          <p:cNvPr id="3" name="Content Placeholder 2">
+            <a:extLst>
+              <a:ext uri="{FF2B5EF4-FFF2-40B4-BE49-F238E27FC236}">
+                <a16:creationId xmlns:a16="http://schemas.microsoft.com/office/drawing/2014/main" id="{03E5B830-108D-3D4B-EDC6-A26204C4BFC3}"/>
+              </a:ext>
+            </a:extLst>
+          </p:cNvPr>
+          <p:cNvSpPr>
+            <a:spLocks noGrp="1"/>
+          </p:cNvSpPr>
+          <p:nvPr>
+            <p:ph sz="half" idx="2"/>
+          </p:nvPr>
+        </p:nvSpPr>
+        <p:spPr/>
+        <p:txBody>
+          <a:bodyPr>
+            <a:normAutofit fontScale="70000" lnSpcReduction="20000"/>
+          </a:bodyPr>
+          <a:lstStyle/>
+          <a:p>
+            <a:pPr marL="0" indent="0">
+              <a:buNone/>
+            </a:pPr>
+            <a:r>
+              <a:rPr lang="en-GB" sz="2900" b="1" dirty="0"/>
+              <a:t>1. Pandas</a:t>
+            </a:r>
+          </a:p>
+          <a:p>
+            <a:pPr marL="457200" lvl="1" indent="0">
+              <a:buNone/>
+            </a:pPr>
+            <a:r>
+              <a:rPr lang="en-GB" sz="2500" dirty="0"/>
+              <a:t>Data manipulation and analysis.</a:t>
+            </a:r>
+          </a:p>
+          <a:p>
+            <a:pPr marL="457200" lvl="1" indent="0">
+              <a:buNone/>
+            </a:pPr>
+            <a:r>
+              <a:rPr lang="en-GB" sz="2500" dirty="0"/>
+              <a:t>Handles structured data with </a:t>
+            </a:r>
+            <a:r>
+              <a:rPr lang="en-GB" sz="2500" dirty="0" err="1"/>
+              <a:t>DataFrames</a:t>
+            </a:r>
+            <a:r>
+              <a:rPr lang="en-GB" sz="2500" dirty="0"/>
+              <a:t> for cleaning, exploration, and preprocessing.</a:t>
+            </a:r>
+          </a:p>
+          <a:p>
+            <a:pPr marL="0" indent="0">
+              <a:buNone/>
+            </a:pPr>
+            <a:r>
+              <a:rPr lang="en-GB" sz="2900" b="1" dirty="0"/>
+              <a:t>2. NumPy</a:t>
+            </a:r>
+          </a:p>
+          <a:p>
+            <a:pPr marL="457200" lvl="1" indent="0">
+              <a:buNone/>
+            </a:pPr>
+            <a:r>
+              <a:rPr lang="en-GB" sz="2500" dirty="0"/>
+              <a:t>Efficient numerical computations with arrays and matrices.</a:t>
+            </a:r>
+          </a:p>
+          <a:p>
+            <a:pPr marL="457200" lvl="1" indent="0">
+              <a:buNone/>
+            </a:pPr>
+            <a:r>
+              <a:rPr lang="en-GB" sz="2500" dirty="0"/>
+              <a:t>Supports mathematical operations crucial for ML algorithms.</a:t>
+            </a:r>
+          </a:p>
+          <a:p>
+            <a:pPr marL="0" indent="0">
+              <a:buNone/>
+            </a:pPr>
+            <a:r>
+              <a:rPr lang="en-GB" sz="2900" b="1" dirty="0"/>
+              <a:t>3. Matplotlib and Seaborn</a:t>
+            </a:r>
+          </a:p>
+          <a:p>
+            <a:pPr marL="457200" lvl="1" indent="0">
+              <a:buNone/>
+            </a:pPr>
+            <a:r>
+              <a:rPr lang="en-GB" sz="2500" dirty="0"/>
+              <a:t>Creates static, interactive, and animated visualisations.</a:t>
+            </a:r>
+          </a:p>
+          <a:p>
+            <a:pPr marL="457200" lvl="1" indent="0">
+              <a:buNone/>
+            </a:pPr>
+            <a:r>
+              <a:rPr lang="en-GB" sz="2500" dirty="0"/>
+              <a:t>Essential for plotting trends, relationships, and model outputs.</a:t>
+            </a:r>
+          </a:p>
+          <a:p>
+            <a:pPr marL="0" indent="0">
+              <a:buNone/>
+            </a:pPr>
+            <a:endParaRPr lang="en-GB" sz="2000" dirty="0"/>
+          </a:p>
+        </p:txBody>
+      </p:sp>
+      <p:sp>
+        <p:nvSpPr>
+          <p:cNvPr id="10" name="Content Placeholder 9">
+            <a:extLst>
+              <a:ext uri="{FF2B5EF4-FFF2-40B4-BE49-F238E27FC236}">
+                <a16:creationId xmlns:a16="http://schemas.microsoft.com/office/drawing/2014/main" id="{2C660976-3A68-30BE-984E-430A2F5A0BC4}"/>
+              </a:ext>
+            </a:extLst>
+          </p:cNvPr>
+          <p:cNvSpPr>
+            <a:spLocks noGrp="1"/>
+          </p:cNvSpPr>
+          <p:nvPr>
+            <p:ph sz="quarter" idx="4"/>
+          </p:nvPr>
+        </p:nvSpPr>
+        <p:spPr/>
+        <p:txBody>
+          <a:bodyPr>
+            <a:normAutofit fontScale="70000" lnSpcReduction="20000"/>
+          </a:bodyPr>
+          <a:lstStyle/>
+          <a:p>
+            <a:pPr marL="0" indent="0">
+              <a:buNone/>
+            </a:pPr>
+            <a:r>
+              <a:rPr lang="en-GB" b="1" dirty="0"/>
+              <a:t>4</a:t>
+            </a:r>
+            <a:r>
+              <a:rPr lang="en-GB" sz="2800" b="1" dirty="0"/>
+              <a:t>. SciPy</a:t>
+            </a:r>
+          </a:p>
+          <a:p>
+            <a:pPr marL="457200" lvl="1" indent="0">
+              <a:buNone/>
+            </a:pPr>
+            <a:r>
+              <a:rPr lang="en-GB" sz="2600" dirty="0"/>
+              <a:t>Advanced mathematical functions for optimisation, integration, and statistics.</a:t>
+            </a:r>
+          </a:p>
+          <a:p>
+            <a:pPr marL="457200" lvl="1" indent="0">
+              <a:buNone/>
+            </a:pPr>
+            <a:r>
+              <a:rPr lang="en-GB" sz="2600" dirty="0"/>
+              <a:t>Supports tasks like hypothesis testing and clustering.</a:t>
+            </a:r>
+          </a:p>
+          <a:p>
+            <a:pPr marL="0" indent="0">
+              <a:buNone/>
+            </a:pPr>
+            <a:r>
+              <a:rPr lang="en-GB" b="1" dirty="0"/>
+              <a:t>5</a:t>
+            </a:r>
+            <a:r>
+              <a:rPr lang="en-GB" sz="2800" b="1" dirty="0"/>
+              <a:t>. Scikit-learn (</a:t>
+            </a:r>
+            <a:r>
+              <a:rPr lang="en-GB" sz="2800" b="1" dirty="0" err="1"/>
+              <a:t>sklearn</a:t>
+            </a:r>
+            <a:r>
+              <a:rPr lang="en-GB" sz="2800" b="1" dirty="0"/>
+              <a:t>)</a:t>
+            </a:r>
+          </a:p>
+          <a:p>
+            <a:pPr marL="457200" lvl="1" indent="0">
+              <a:buNone/>
+            </a:pPr>
+            <a:r>
+              <a:rPr lang="en-GB" sz="2600" dirty="0"/>
+              <a:t>Comprehensive machine learning toolkit.</a:t>
+            </a:r>
+          </a:p>
+          <a:p>
+            <a:pPr marL="457200" lvl="1" indent="0">
+              <a:buNone/>
+            </a:pPr>
+            <a:r>
+              <a:rPr lang="en-GB" sz="2600" dirty="0"/>
+              <a:t>Includes tools for preprocessing, model selection, training, evaluation, and metrics.</a:t>
+            </a:r>
+          </a:p>
+          <a:p>
+            <a:pPr marL="0" indent="0">
+              <a:buNone/>
+            </a:pPr>
+            <a:r>
+              <a:rPr lang="en-GB" b="1" dirty="0"/>
+              <a:t>6</a:t>
+            </a:r>
+            <a:r>
+              <a:rPr lang="en-GB" sz="2800" b="1" dirty="0"/>
+              <a:t>. </a:t>
+            </a:r>
+            <a:r>
+              <a:rPr lang="en-GB" b="1" dirty="0" err="1"/>
+              <a:t>fetch_ucirepo</a:t>
+            </a:r>
+            <a:r>
+              <a:rPr lang="en-GB" sz="2800" b="1" dirty="0"/>
+              <a:t> </a:t>
+            </a:r>
+          </a:p>
+          <a:p>
+            <a:pPr marL="457200" lvl="1" indent="0">
+              <a:buNone/>
+            </a:pPr>
+            <a:r>
+              <a:rPr lang="en-GB" sz="2600" dirty="0"/>
+              <a:t>Used to import the dataset from UCI.</a:t>
+            </a:r>
+          </a:p>
+          <a:p>
+            <a:pPr marL="457200" lvl="1" indent="0">
+              <a:buNone/>
+            </a:pPr>
+            <a:endParaRPr lang="en-GB" dirty="0"/>
+          </a:p>
+          <a:p>
+            <a:pPr marL="457200" lvl="1" indent="0">
+              <a:buNone/>
+            </a:pPr>
+            <a:endParaRPr lang="en-GB" dirty="0"/>
+          </a:p>
+          <a:p>
+            <a:endParaRPr lang="en-GB" dirty="0"/>
           </a:p>
         </p:txBody>
       </p:sp>
     </p:spTree>
     <p:extLst>
       <p:ext uri="{BB962C8B-B14F-4D97-AF65-F5344CB8AC3E}">
-        <p14:creationId xmlns:p14="http://schemas.microsoft.com/office/powerpoint/2010/main" val="1141348560"/>
+        <p14:creationId xmlns:p14="http://schemas.microsoft.com/office/powerpoint/2010/main" val="1372294377"/>
       </p:ext>
     </p:extLst>
   </p:cSld>
@@ -5377,7 +7475,7 @@
         <p:cNvPr id="1" name="">
           <a:extLst>
             <a:ext uri="{FF2B5EF4-FFF2-40B4-BE49-F238E27FC236}">
-              <a16:creationId xmlns:a16="http://schemas.microsoft.com/office/drawing/2014/main" id="{CB345B64-CB2B-A980-F6DF-DB55F7CC990E}"/>
+              <a16:creationId xmlns:a16="http://schemas.microsoft.com/office/drawing/2014/main" id="{E7EB8AD7-C07D-11FA-F75A-096B9ECB966F}"/>
             </a:ext>
           </a:extLst>
         </p:cNvPr>
@@ -5397,7 +7495,7 @@
           <p:cNvPr id="2" name="Title 1">
             <a:extLst>
               <a:ext uri="{FF2B5EF4-FFF2-40B4-BE49-F238E27FC236}">
-                <a16:creationId xmlns:a16="http://schemas.microsoft.com/office/drawing/2014/main" id="{6BE6D4D8-2516-397B-02CA-1F0F958D6C0B}"/>
+                <a16:creationId xmlns:a16="http://schemas.microsoft.com/office/drawing/2014/main" id="{08236995-BC21-4CA4-28C1-FCD7E5798EC6}"/>
               </a:ext>
             </a:extLst>
           </p:cNvPr>
@@ -5422,7 +7520,7 @@
               <a:rPr lang="en-GB" dirty="0">
                 <a:ea typeface="Cambria" panose="02040503050406030204" pitchFamily="18" charset="0"/>
               </a:rPr>
-              <a:t>Further Work</a:t>
+              <a:t>Exploratory Data Analysis (EDA)</a:t>
             </a:r>
           </a:p>
         </p:txBody>
@@ -5432,7 +7530,7 @@
           <p:cNvPr id="3" name="Content Placeholder 2">
             <a:extLst>
               <a:ext uri="{FF2B5EF4-FFF2-40B4-BE49-F238E27FC236}">
-                <a16:creationId xmlns:a16="http://schemas.microsoft.com/office/drawing/2014/main" id="{5FEA7575-38D9-32F1-942F-62B3030745A0}"/>
+                <a16:creationId xmlns:a16="http://schemas.microsoft.com/office/drawing/2014/main" id="{8C39444F-8697-EA78-3255-AB06029CF571}"/>
               </a:ext>
             </a:extLst>
           </p:cNvPr>
@@ -5455,13 +7553,25 @@
           <a:p>
             <a:r>
               <a:rPr lang="en-GB" dirty="0"/>
-              <a:t>Extra models</a:t>
+              <a:t>Data Overview</a:t>
             </a:r>
           </a:p>
           <a:p>
             <a:r>
               <a:rPr lang="en-GB" dirty="0"/>
-              <a:t>Clustering</a:t>
+              <a:t>Exploring the 6 Numeric Features</a:t>
+            </a:r>
+          </a:p>
+          <a:p>
+            <a:r>
+              <a:rPr lang="en-GB" dirty="0"/>
+              <a:t>Outlier Handling</a:t>
+            </a:r>
+          </a:p>
+          <a:p>
+            <a:r>
+              <a:rPr lang="en-GB" dirty="0"/>
+              <a:t>Correlation Analysis and Principal Component Analysis</a:t>
             </a:r>
           </a:p>
         </p:txBody>
@@ -5469,7 +7579,7 @@
     </p:spTree>
     <p:extLst>
       <p:ext uri="{BB962C8B-B14F-4D97-AF65-F5344CB8AC3E}">
-        <p14:creationId xmlns:p14="http://schemas.microsoft.com/office/powerpoint/2010/main" val="1805654343"/>
+        <p14:creationId xmlns:p14="http://schemas.microsoft.com/office/powerpoint/2010/main" val="1747347241"/>
       </p:ext>
     </p:extLst>
   </p:cSld>
@@ -5487,7 +7597,7 @@
         <p:cNvPr id="1" name="">
           <a:extLst>
             <a:ext uri="{FF2B5EF4-FFF2-40B4-BE49-F238E27FC236}">
-              <a16:creationId xmlns:a16="http://schemas.microsoft.com/office/drawing/2014/main" id="{0C6F2E16-F7AC-7696-D23E-948B7E26450B}"/>
+              <a16:creationId xmlns:a16="http://schemas.microsoft.com/office/drawing/2014/main" id="{08CF3EC6-F94A-05EE-1728-9CF8B6447977}"/>
             </a:ext>
           </a:extLst>
         </p:cNvPr>
@@ -5507,7 +7617,7 @@
           <p:cNvPr id="2" name="Title 1">
             <a:extLst>
               <a:ext uri="{FF2B5EF4-FFF2-40B4-BE49-F238E27FC236}">
-                <a16:creationId xmlns:a16="http://schemas.microsoft.com/office/drawing/2014/main" id="{BB092EC3-E47A-01F5-8CF2-EAE2CC9CDA9C}"/>
+                <a16:creationId xmlns:a16="http://schemas.microsoft.com/office/drawing/2014/main" id="{A24BC719-0F24-82E3-DB6C-1AE942C0D0A9}"/>
               </a:ext>
             </a:extLst>
           </p:cNvPr>
@@ -5518,14 +7628,77 @@
             <p:ph type="title"/>
           </p:nvPr>
         </p:nvSpPr>
-        <p:spPr/>
+        <p:spPr>
+          <a:xfrm>
+            <a:off x="911424" y="404664"/>
+            <a:ext cx="10515600" cy="1325563"/>
+          </a:xfrm>
+        </p:spPr>
         <p:txBody>
           <a:bodyPr/>
           <a:lstStyle/>
           <a:p>
             <a:r>
+              <a:rPr lang="en-GB" dirty="0">
+                <a:ea typeface="Cambria" panose="02040503050406030204" pitchFamily="18" charset="0"/>
+              </a:rPr>
+              <a:t>Exploratory Data Analysis (EDA)</a:t>
+            </a:r>
+          </a:p>
+        </p:txBody>
+      </p:sp>
+      <p:sp>
+        <p:nvSpPr>
+          <p:cNvPr id="3" name="Content Placeholder 2">
+            <a:extLst>
+              <a:ext uri="{FF2B5EF4-FFF2-40B4-BE49-F238E27FC236}">
+                <a16:creationId xmlns:a16="http://schemas.microsoft.com/office/drawing/2014/main" id="{E200F09D-5431-2E3E-EB04-271BD0AD820C}"/>
+              </a:ext>
+            </a:extLst>
+          </p:cNvPr>
+          <p:cNvSpPr>
+            <a:spLocks noGrp="1"/>
+          </p:cNvSpPr>
+          <p:nvPr>
+            <p:ph idx="1"/>
+          </p:nvPr>
+        </p:nvSpPr>
+        <p:spPr>
+          <a:xfrm>
+            <a:off x="764976" y="1772816"/>
+            <a:ext cx="10515600" cy="4351338"/>
+          </a:xfrm>
+        </p:spPr>
+        <p:txBody>
+          <a:bodyPr>
+            <a:normAutofit/>
+          </a:bodyPr>
+          <a:lstStyle/>
+          <a:p>
+            <a:r>
               <a:rPr lang="en-GB" dirty="0"/>
-              <a:t>Clinical Implementation</a:t>
+              <a:t>Data Overview</a:t>
+            </a:r>
+          </a:p>
+          <a:p>
+            <a:endParaRPr lang="en-GB" dirty="0"/>
+          </a:p>
+          <a:p>
+            <a:r>
+              <a:rPr lang="en-GB" dirty="0"/>
+              <a:t>7 Rows, 6 Numerical Features 1 Categorical Output class</a:t>
+            </a:r>
+          </a:p>
+          <a:p>
+            <a:r>
+              <a:rPr lang="en-GB" dirty="0"/>
+              <a:t>310 rows- Small dataset -&gt; Possible to overfit to training data</a:t>
+            </a:r>
+          </a:p>
+          <a:p>
+            <a:r>
+              <a:rPr lang="en-GB" dirty="0"/>
+              <a:t>No Nulls- Clean</a:t>
             </a:r>
           </a:p>
         </p:txBody>
@@ -5533,7 +7706,7 @@
     </p:spTree>
     <p:extLst>
       <p:ext uri="{BB962C8B-B14F-4D97-AF65-F5344CB8AC3E}">
-        <p14:creationId xmlns:p14="http://schemas.microsoft.com/office/powerpoint/2010/main" val="2142250244"/>
+        <p14:creationId xmlns:p14="http://schemas.microsoft.com/office/powerpoint/2010/main" val="880567819"/>
       </p:ext>
     </p:extLst>
   </p:cSld>
@@ -5551,7 +7724,7 @@
         <p:cNvPr id="1" name="">
           <a:extLst>
             <a:ext uri="{FF2B5EF4-FFF2-40B4-BE49-F238E27FC236}">
-              <a16:creationId xmlns:a16="http://schemas.microsoft.com/office/drawing/2014/main" id="{74181A43-D0C3-3B7B-966C-A926B069395E}"/>
+              <a16:creationId xmlns:a16="http://schemas.microsoft.com/office/drawing/2014/main" id="{A076EFDA-04A5-CDB1-25F9-E4BB6C09EE16}"/>
             </a:ext>
           </a:extLst>
         </p:cNvPr>
@@ -5571,7 +7744,7 @@
           <p:cNvPr id="2" name="Title 1">
             <a:extLst>
               <a:ext uri="{FF2B5EF4-FFF2-40B4-BE49-F238E27FC236}">
-                <a16:creationId xmlns:a16="http://schemas.microsoft.com/office/drawing/2014/main" id="{49FB984D-A6AB-6A18-0061-56CF0263CE78}"/>
+                <a16:creationId xmlns:a16="http://schemas.microsoft.com/office/drawing/2014/main" id="{5CEC7822-1FDB-29B3-5A65-43FDBEF88AB9}"/>
               </a:ext>
             </a:extLst>
           </p:cNvPr>
@@ -5596,7 +7769,7 @@
               <a:rPr lang="en-GB" dirty="0">
                 <a:ea typeface="Cambria" panose="02040503050406030204" pitchFamily="18" charset="0"/>
               </a:rPr>
-              <a:t>Contents</a:t>
+              <a:t>Exploratory Data Analysis (EDA)</a:t>
             </a:r>
           </a:p>
         </p:txBody>
@@ -5606,7 +7779,7 @@
           <p:cNvPr id="3" name="Content Placeholder 2">
             <a:extLst>
               <a:ext uri="{FF2B5EF4-FFF2-40B4-BE49-F238E27FC236}">
-                <a16:creationId xmlns:a16="http://schemas.microsoft.com/office/drawing/2014/main" id="{D8211819-A2B8-AC6B-3D22-C194D3A5D47A}"/>
+                <a16:creationId xmlns:a16="http://schemas.microsoft.com/office/drawing/2014/main" id="{8890C491-4CFA-6A4B-A7FB-E8795A12AB74}"/>
               </a:ext>
             </a:extLst>
           </p:cNvPr>
@@ -5625,25 +7798,244 @@
         </p:spPr>
         <p:txBody>
           <a:bodyPr>
-            <a:normAutofit/>
+            <a:normAutofit lnSpcReduction="10000"/>
           </a:bodyPr>
           <a:lstStyle/>
           <a:p>
             <a:r>
-              <a:rPr lang="en-GB" sz="2000" dirty="0"/>
-              <a:t>Clinical Implementation Documentation: ‘ClinicalImplementation.pdf’ </a:t>
-            </a:r>
-          </a:p>
-          <a:p>
-            <a:r>
-              <a:rPr lang="en-GB" sz="2000" dirty="0"/>
-              <a:t>Clinical Implementation PowerPoint: ‘ClinicalImplementationPowerPoint.ppt’</a:t>
-            </a:r>
-          </a:p>
-          <a:p>
-            <a:r>
-              <a:rPr lang="en-GB" sz="2000" dirty="0"/>
-              <a:t>Clinical Implementation Proof of Concept Design.</a:t>
+              <a:rPr lang="en-GB" dirty="0"/>
+              <a:t>Data Overview</a:t>
+            </a:r>
+          </a:p>
+          <a:p>
+            <a:endParaRPr lang="en-GB" dirty="0"/>
+          </a:p>
+          <a:p>
+            <a:r>
+              <a:rPr lang="en-GB" dirty="0"/>
+              <a:t>Class imbalance present</a:t>
+            </a:r>
+          </a:p>
+          <a:p>
+            <a:pPr marL="0" indent="0">
+              <a:buNone/>
+            </a:pPr>
+            <a:endParaRPr lang="en-GB" dirty="0"/>
+          </a:p>
+          <a:p>
+            <a:r>
+              <a:rPr lang="en-GB" dirty="0"/>
+              <a:t>Standard Challenge:</a:t>
+            </a:r>
+          </a:p>
+          <a:p>
+            <a:pPr lvl="1"/>
+            <a:r>
+              <a:rPr lang="en-GB" dirty="0"/>
+              <a:t>100 Normal data points</a:t>
+            </a:r>
+          </a:p>
+          <a:p>
+            <a:pPr lvl="1"/>
+            <a:r>
+              <a:rPr lang="en-GB" dirty="0"/>
+              <a:t>210 Abnormal data points</a:t>
+            </a:r>
+          </a:p>
+          <a:p>
+            <a:endParaRPr lang="en-GB" dirty="0"/>
+          </a:p>
+          <a:p>
+            <a:r>
+              <a:rPr lang="en-GB" dirty="0"/>
+              <a:t>Minority class likely to be misclassified as majority class if care is not taken during modelling</a:t>
+            </a:r>
+          </a:p>
+          <a:p>
+            <a:endParaRPr lang="en-GB" dirty="0"/>
+          </a:p>
+        </p:txBody>
+      </p:sp>
+      <p:graphicFrame>
+        <p:nvGraphicFramePr>
+          <p:cNvPr id="6" name="Chart 5">
+            <a:extLst>
+              <a:ext uri="{FF2B5EF4-FFF2-40B4-BE49-F238E27FC236}">
+                <a16:creationId xmlns:a16="http://schemas.microsoft.com/office/drawing/2014/main" id="{731AA813-53BE-5720-0F9C-95BB80985315}"/>
+              </a:ext>
+            </a:extLst>
+          </p:cNvPr>
+          <p:cNvGraphicFramePr/>
+          <p:nvPr>
+            <p:extLst>
+              <p:ext uri="{D42A27DB-BD31-4B8C-83A1-F6EECF244321}">
+                <p14:modId xmlns:p14="http://schemas.microsoft.com/office/powerpoint/2010/main" val="4244648657"/>
+              </p:ext>
+            </p:extLst>
+          </p:nvPr>
+        </p:nvGraphicFramePr>
+        <p:xfrm>
+          <a:off x="4655840" y="1726015"/>
+          <a:ext cx="6440264" cy="3546560"/>
+        </p:xfrm>
+        <a:graphic>
+          <a:graphicData uri="http://schemas.openxmlformats.org/drawingml/2006/chart">
+            <c:chart xmlns:c="http://schemas.openxmlformats.org/drawingml/2006/chart" xmlns:r="http://schemas.openxmlformats.org/officeDocument/2006/relationships" r:id="rId3"/>
+          </a:graphicData>
+        </a:graphic>
+      </p:graphicFrame>
+      <p:sp>
+        <p:nvSpPr>
+          <p:cNvPr id="4" name="TextBox 3">
+            <a:extLst>
+              <a:ext uri="{FF2B5EF4-FFF2-40B4-BE49-F238E27FC236}">
+                <a16:creationId xmlns:a16="http://schemas.microsoft.com/office/drawing/2014/main" id="{76E310A4-3839-1F8A-EC0B-F358D64E2F3D}"/>
+              </a:ext>
+            </a:extLst>
+          </p:cNvPr>
+          <p:cNvSpPr txBox="1"/>
+          <p:nvPr/>
+        </p:nvSpPr>
+        <p:spPr>
+          <a:xfrm>
+            <a:off x="7842190" y="2907985"/>
+            <a:ext cx="1681336" cy="584775"/>
+          </a:xfrm>
+          <a:prstGeom prst="rect">
+            <a:avLst/>
+          </a:prstGeom>
+          <a:noFill/>
+        </p:spPr>
+        <p:txBody>
+          <a:bodyPr wrap="square" rtlCol="0">
+            <a:spAutoFit/>
+          </a:bodyPr>
+          <a:lstStyle/>
+          <a:p>
+            <a:r>
+              <a:rPr lang="en-GB" sz="3200" b="1" dirty="0">
+                <a:solidFill>
+                  <a:srgbClr val="FFFFFF"/>
+                </a:solidFill>
+              </a:rPr>
+              <a:t>Normal</a:t>
+            </a:r>
+          </a:p>
+        </p:txBody>
+      </p:sp>
+      <p:sp>
+        <p:nvSpPr>
+          <p:cNvPr id="5" name="TextBox 4">
+            <a:extLst>
+              <a:ext uri="{FF2B5EF4-FFF2-40B4-BE49-F238E27FC236}">
+                <a16:creationId xmlns:a16="http://schemas.microsoft.com/office/drawing/2014/main" id="{B077485B-FCC6-3B49-326C-5C003992C820}"/>
+              </a:ext>
+            </a:extLst>
+          </p:cNvPr>
+          <p:cNvSpPr txBox="1"/>
+          <p:nvPr/>
+        </p:nvSpPr>
+        <p:spPr>
+          <a:xfrm>
+            <a:off x="6312024" y="3618817"/>
+            <a:ext cx="2016224" cy="584775"/>
+          </a:xfrm>
+          <a:prstGeom prst="rect">
+            <a:avLst/>
+          </a:prstGeom>
+          <a:noFill/>
+        </p:spPr>
+        <p:txBody>
+          <a:bodyPr wrap="square" rtlCol="0">
+            <a:spAutoFit/>
+          </a:bodyPr>
+          <a:lstStyle/>
+          <a:p>
+            <a:r>
+              <a:rPr lang="en-GB" sz="3200" b="1" dirty="0">
+                <a:solidFill>
+                  <a:srgbClr val="FFFFFF"/>
+                </a:solidFill>
+              </a:rPr>
+              <a:t>Abnormal</a:t>
+            </a:r>
+          </a:p>
+        </p:txBody>
+      </p:sp>
+      <p:sp>
+        <p:nvSpPr>
+          <p:cNvPr id="8" name="TextBox 7">
+            <a:extLst>
+              <a:ext uri="{FF2B5EF4-FFF2-40B4-BE49-F238E27FC236}">
+                <a16:creationId xmlns:a16="http://schemas.microsoft.com/office/drawing/2014/main" id="{65E6833D-94EC-D09F-CB59-83CF576B1C0F}"/>
+              </a:ext>
+            </a:extLst>
+          </p:cNvPr>
+          <p:cNvSpPr txBox="1"/>
+          <p:nvPr/>
+        </p:nvSpPr>
+        <p:spPr>
+          <a:xfrm>
+            <a:off x="6834078" y="3260069"/>
+            <a:ext cx="2016224" cy="584775"/>
+          </a:xfrm>
+          <a:prstGeom prst="rect">
+            <a:avLst/>
+          </a:prstGeom>
+          <a:noFill/>
+        </p:spPr>
+        <p:txBody>
+          <a:bodyPr wrap="square" rtlCol="0">
+            <a:spAutoFit/>
+          </a:bodyPr>
+          <a:lstStyle/>
+          <a:p>
+            <a:r>
+              <a:rPr lang="en-GB" sz="3200" b="1" dirty="0">
+                <a:solidFill>
+                  <a:srgbClr val="FFFFFF"/>
+                </a:solidFill>
+              </a:rPr>
+              <a:t>210</a:t>
+            </a:r>
+          </a:p>
+        </p:txBody>
+      </p:sp>
+      <p:sp>
+        <p:nvSpPr>
+          <p:cNvPr id="9" name="TextBox 8">
+            <a:extLst>
+              <a:ext uri="{FF2B5EF4-FFF2-40B4-BE49-F238E27FC236}">
+                <a16:creationId xmlns:a16="http://schemas.microsoft.com/office/drawing/2014/main" id="{6546E79F-5033-65FD-1FAA-3A6837C8E4A9}"/>
+              </a:ext>
+            </a:extLst>
+          </p:cNvPr>
+          <p:cNvSpPr txBox="1"/>
+          <p:nvPr/>
+        </p:nvSpPr>
+        <p:spPr>
+          <a:xfrm>
+            <a:off x="8040216" y="2499222"/>
+            <a:ext cx="2016224" cy="584775"/>
+          </a:xfrm>
+          <a:prstGeom prst="rect">
+            <a:avLst/>
+          </a:prstGeom>
+          <a:noFill/>
+        </p:spPr>
+        <p:txBody>
+          <a:bodyPr wrap="square" rtlCol="0">
+            <a:spAutoFit/>
+          </a:bodyPr>
+          <a:lstStyle/>
+          <a:p>
+            <a:r>
+              <a:rPr lang="en-GB" sz="3200" b="1" dirty="0">
+                <a:solidFill>
+                  <a:srgbClr val="FFFFFF"/>
+                </a:solidFill>
+              </a:rPr>
+              <a:t>100</a:t>
             </a:r>
           </a:p>
         </p:txBody>
@@ -5651,7 +8043,7 @@
     </p:spTree>
     <p:extLst>
       <p:ext uri="{BB962C8B-B14F-4D97-AF65-F5344CB8AC3E}">
-        <p14:creationId xmlns:p14="http://schemas.microsoft.com/office/powerpoint/2010/main" val="3089393067"/>
+        <p14:creationId xmlns:p14="http://schemas.microsoft.com/office/powerpoint/2010/main" val="2438253130"/>
       </p:ext>
     </p:extLst>
   </p:cSld>
@@ -5669,7 +8061,7 @@
         <p:cNvPr id="1" name="">
           <a:extLst>
             <a:ext uri="{FF2B5EF4-FFF2-40B4-BE49-F238E27FC236}">
-              <a16:creationId xmlns:a16="http://schemas.microsoft.com/office/drawing/2014/main" id="{7DC35D66-BE5F-053C-2DCE-89C776BCDF80}"/>
+              <a16:creationId xmlns:a16="http://schemas.microsoft.com/office/drawing/2014/main" id="{6A80FFAE-C2A3-9FC8-D99B-1A9C239213E7}"/>
             </a:ext>
           </a:extLst>
         </p:cNvPr>
@@ -5689,7 +8081,7 @@
           <p:cNvPr id="2" name="Title 1">
             <a:extLst>
               <a:ext uri="{FF2B5EF4-FFF2-40B4-BE49-F238E27FC236}">
-                <a16:creationId xmlns:a16="http://schemas.microsoft.com/office/drawing/2014/main" id="{1B936015-DC78-5848-8DD4-A6CE920DB71A}"/>
+                <a16:creationId xmlns:a16="http://schemas.microsoft.com/office/drawing/2014/main" id="{A5C17957-65E0-79DB-A1B5-E33784FD0D10}"/>
               </a:ext>
             </a:extLst>
           </p:cNvPr>
@@ -5714,17 +8106,409 @@
               <a:rPr lang="en-GB" dirty="0">
                 <a:ea typeface="Cambria" panose="02040503050406030204" pitchFamily="18" charset="0"/>
               </a:rPr>
-              <a:t>Contents</a:t>
+              <a:t>Exploratory Data Analysis (EDA)</a:t>
+            </a:r>
+          </a:p>
+        </p:txBody>
+      </p:sp>
+      <p:sp>
+        <p:nvSpPr>
+          <p:cNvPr id="3" name="Content Placeholder 2">
+            <a:extLst>
+              <a:ext uri="{FF2B5EF4-FFF2-40B4-BE49-F238E27FC236}">
+                <a16:creationId xmlns:a16="http://schemas.microsoft.com/office/drawing/2014/main" id="{8819630E-8A9D-2BA4-A449-2FEE38A51051}"/>
+              </a:ext>
+            </a:extLst>
+          </p:cNvPr>
+          <p:cNvSpPr>
+            <a:spLocks noGrp="1"/>
+          </p:cNvSpPr>
+          <p:nvPr>
+            <p:ph idx="1"/>
+          </p:nvPr>
+        </p:nvSpPr>
+        <p:spPr>
+          <a:xfrm>
+            <a:off x="764976" y="1772816"/>
+            <a:ext cx="10662048" cy="4608512"/>
+          </a:xfrm>
+        </p:spPr>
+        <p:txBody>
+          <a:bodyPr>
+            <a:normAutofit fontScale="92500" lnSpcReduction="10000"/>
+          </a:bodyPr>
+          <a:lstStyle/>
+          <a:p>
+            <a:r>
+              <a:rPr lang="en-GB" sz="3000" dirty="0"/>
+              <a:t>Data Overview</a:t>
+            </a:r>
+          </a:p>
+          <a:p>
+            <a:endParaRPr lang="en-GB" dirty="0"/>
+          </a:p>
+          <a:p>
+            <a:r>
+              <a:rPr lang="en-GB" sz="3000" dirty="0"/>
+              <a:t>Class imbalance present</a:t>
+            </a:r>
+          </a:p>
+          <a:p>
+            <a:pPr marL="0" indent="0">
+              <a:buNone/>
+            </a:pPr>
+            <a:endParaRPr lang="en-GB" dirty="0"/>
+          </a:p>
+          <a:p>
+            <a:r>
+              <a:rPr lang="en-GB" sz="3000" dirty="0"/>
+              <a:t>Bonus Challenge:</a:t>
+            </a:r>
+          </a:p>
+          <a:p>
+            <a:pPr lvl="1"/>
+            <a:r>
+              <a:rPr lang="en-GB" sz="2600" dirty="0"/>
+              <a:t>100 Normal datapoints</a:t>
+            </a:r>
+          </a:p>
+          <a:p>
+            <a:pPr lvl="1"/>
+            <a:r>
+              <a:rPr lang="en-GB" sz="2600" dirty="0"/>
+              <a:t>60 Hernia datapoints</a:t>
+            </a:r>
+          </a:p>
+          <a:p>
+            <a:pPr lvl="1"/>
+            <a:r>
+              <a:rPr lang="en-GB" sz="2600" dirty="0"/>
+              <a:t>150 Spondylolisthesis datapoints</a:t>
+            </a:r>
+          </a:p>
+          <a:p>
+            <a:pPr marL="457200" lvl="1" indent="0">
+              <a:buNone/>
+            </a:pPr>
+            <a:endParaRPr lang="en-GB" sz="2600" dirty="0"/>
+          </a:p>
+          <a:p>
+            <a:r>
+              <a:rPr lang="en-GB" sz="3000" dirty="0"/>
+              <a:t>Minority class likely to be misclassified as majority class if care is not taken during modelling</a:t>
+            </a:r>
+          </a:p>
+        </p:txBody>
+      </p:sp>
+      <p:graphicFrame>
+        <p:nvGraphicFramePr>
+          <p:cNvPr id="7" name="Chart 6">
+            <a:extLst>
+              <a:ext uri="{FF2B5EF4-FFF2-40B4-BE49-F238E27FC236}">
+                <a16:creationId xmlns:a16="http://schemas.microsoft.com/office/drawing/2014/main" id="{010B51F8-727E-2C05-E7A9-EA30085264EC}"/>
+              </a:ext>
+            </a:extLst>
+          </p:cNvPr>
+          <p:cNvGraphicFramePr/>
+          <p:nvPr>
+            <p:extLst>
+              <p:ext uri="{D42A27DB-BD31-4B8C-83A1-F6EECF244321}">
+                <p14:modId xmlns:p14="http://schemas.microsoft.com/office/powerpoint/2010/main" val="2697123723"/>
+              </p:ext>
+            </p:extLst>
+          </p:nvPr>
+        </p:nvGraphicFramePr>
+        <p:xfrm>
+          <a:off x="4583832" y="1772816"/>
+          <a:ext cx="6611150" cy="3586914"/>
+        </p:xfrm>
+        <a:graphic>
+          <a:graphicData uri="http://schemas.openxmlformats.org/drawingml/2006/chart">
+            <c:chart xmlns:c="http://schemas.openxmlformats.org/drawingml/2006/chart" xmlns:r="http://schemas.openxmlformats.org/officeDocument/2006/relationships" r:id="rId2"/>
+          </a:graphicData>
+        </a:graphic>
+      </p:graphicFrame>
+      <p:sp>
+        <p:nvSpPr>
+          <p:cNvPr id="4" name="TextBox 3">
+            <a:extLst>
+              <a:ext uri="{FF2B5EF4-FFF2-40B4-BE49-F238E27FC236}">
+                <a16:creationId xmlns:a16="http://schemas.microsoft.com/office/drawing/2014/main" id="{94CBB884-5C75-167C-E03D-7F9AA661AFC4}"/>
+              </a:ext>
+            </a:extLst>
+          </p:cNvPr>
+          <p:cNvSpPr txBox="1"/>
+          <p:nvPr/>
+        </p:nvSpPr>
+        <p:spPr>
+          <a:xfrm>
+            <a:off x="7572164" y="3789040"/>
+            <a:ext cx="1800200" cy="830997"/>
+          </a:xfrm>
+          <a:prstGeom prst="rect">
+            <a:avLst/>
+          </a:prstGeom>
+          <a:noFill/>
+        </p:spPr>
+        <p:txBody>
+          <a:bodyPr wrap="square" rtlCol="0">
+            <a:spAutoFit/>
+          </a:bodyPr>
+          <a:lstStyle/>
+          <a:p>
+            <a:pPr algn="ctr"/>
+            <a:r>
+              <a:rPr lang="en-GB" sz="2400" b="1" dirty="0">
+                <a:solidFill>
+                  <a:srgbClr val="FFFFFF"/>
+                </a:solidFill>
+              </a:rPr>
+              <a:t>100</a:t>
+            </a:r>
+          </a:p>
+          <a:p>
+            <a:pPr algn="ctr"/>
+            <a:r>
+              <a:rPr lang="en-GB" sz="2400" b="1" dirty="0">
+                <a:solidFill>
+                  <a:srgbClr val="FFFFFF"/>
+                </a:solidFill>
+              </a:rPr>
+              <a:t>Normal</a:t>
+            </a:r>
+          </a:p>
+        </p:txBody>
+      </p:sp>
+      <p:sp>
+        <p:nvSpPr>
+          <p:cNvPr id="5" name="TextBox 4">
+            <a:extLst>
+              <a:ext uri="{FF2B5EF4-FFF2-40B4-BE49-F238E27FC236}">
+                <a16:creationId xmlns:a16="http://schemas.microsoft.com/office/drawing/2014/main" id="{C2039261-9742-0D52-C6DC-A68146964456}"/>
+              </a:ext>
+            </a:extLst>
+          </p:cNvPr>
+          <p:cNvSpPr txBox="1"/>
+          <p:nvPr/>
+        </p:nvSpPr>
+        <p:spPr>
+          <a:xfrm>
+            <a:off x="6672064" y="2432947"/>
+            <a:ext cx="2700300" cy="830997"/>
+          </a:xfrm>
+          <a:prstGeom prst="rect">
+            <a:avLst/>
+          </a:prstGeom>
+          <a:noFill/>
+        </p:spPr>
+        <p:txBody>
+          <a:bodyPr wrap="square" rtlCol="0">
+            <a:spAutoFit/>
+          </a:bodyPr>
+          <a:lstStyle/>
+          <a:p>
+            <a:pPr algn="ctr"/>
+            <a:r>
+              <a:rPr lang="en-GB" sz="2400" b="1" dirty="0">
+                <a:solidFill>
+                  <a:srgbClr val="FFFFFF"/>
+                </a:solidFill>
+              </a:rPr>
+              <a:t>150</a:t>
+            </a:r>
+          </a:p>
+          <a:p>
+            <a:pPr algn="ctr"/>
+            <a:r>
+              <a:rPr lang="en-GB" sz="2400" b="1" dirty="0">
+                <a:solidFill>
+                  <a:srgbClr val="FFFFFF"/>
+                </a:solidFill>
+              </a:rPr>
+              <a:t>Spondylolisthesis</a:t>
+            </a:r>
+          </a:p>
+        </p:txBody>
+      </p:sp>
+      <p:sp>
+        <p:nvSpPr>
+          <p:cNvPr id="8" name="TextBox 7">
+            <a:extLst>
+              <a:ext uri="{FF2B5EF4-FFF2-40B4-BE49-F238E27FC236}">
+                <a16:creationId xmlns:a16="http://schemas.microsoft.com/office/drawing/2014/main" id="{FC37ED25-D2B1-2F54-AD8C-A0F7BD146C0A}"/>
+              </a:ext>
+            </a:extLst>
+          </p:cNvPr>
+          <p:cNvSpPr txBox="1"/>
+          <p:nvPr/>
+        </p:nvSpPr>
+        <p:spPr>
+          <a:xfrm>
+            <a:off x="6089207" y="3594057"/>
+            <a:ext cx="1800200" cy="830997"/>
+          </a:xfrm>
+          <a:prstGeom prst="rect">
+            <a:avLst/>
+          </a:prstGeom>
+          <a:noFill/>
+        </p:spPr>
+        <p:txBody>
+          <a:bodyPr wrap="square" rtlCol="0">
+            <a:spAutoFit/>
+          </a:bodyPr>
+          <a:lstStyle/>
+          <a:p>
+            <a:pPr algn="ctr"/>
+            <a:r>
+              <a:rPr lang="en-GB" sz="2400" b="1" dirty="0">
+                <a:solidFill>
+                  <a:srgbClr val="FFFFFF"/>
+                </a:solidFill>
+              </a:rPr>
+              <a:t>60 </a:t>
+            </a:r>
+          </a:p>
+          <a:p>
+            <a:pPr algn="ctr"/>
+            <a:r>
+              <a:rPr lang="en-GB" sz="2400" b="1" dirty="0">
+                <a:solidFill>
+                  <a:srgbClr val="FFFFFF"/>
+                </a:solidFill>
+              </a:rPr>
+              <a:t>Hernia</a:t>
+            </a:r>
+          </a:p>
+        </p:txBody>
+      </p:sp>
+    </p:spTree>
+    <p:extLst>
+      <p:ext uri="{BB962C8B-B14F-4D97-AF65-F5344CB8AC3E}">
+        <p14:creationId xmlns:p14="http://schemas.microsoft.com/office/powerpoint/2010/main" val="1445397598"/>
+      </p:ext>
+    </p:extLst>
+  </p:cSld>
+  <p:clrMapOvr>
+    <a:masterClrMapping/>
+  </p:clrMapOvr>
+</p:sld>
+</file>
+
+<file path=ppt/slides/slide18.xml><?xml version="1.0" encoding="utf-8"?>
+<p:sld xmlns:a="http://schemas.openxmlformats.org/drawingml/2006/main" xmlns:r="http://schemas.openxmlformats.org/officeDocument/2006/relationships" xmlns:p="http://schemas.openxmlformats.org/presentationml/2006/main">
+  <p:cSld>
+    <p:spTree>
+      <p:nvGrpSpPr>
+        <p:cNvPr id="1" name="">
+          <a:extLst>
+            <a:ext uri="{FF2B5EF4-FFF2-40B4-BE49-F238E27FC236}">
+              <a16:creationId xmlns:a16="http://schemas.microsoft.com/office/drawing/2014/main" id="{2038756F-8156-4276-64B9-B8136A1305B5}"/>
+            </a:ext>
+          </a:extLst>
+        </p:cNvPr>
+        <p:cNvGrpSpPr/>
+        <p:nvPr/>
+      </p:nvGrpSpPr>
+      <p:grpSpPr>
+        <a:xfrm>
+          <a:off x="0" y="0"/>
+          <a:ext cx="0" cy="0"/>
+          <a:chOff x="0" y="0"/>
+          <a:chExt cx="0" cy="0"/>
+        </a:xfrm>
+      </p:grpSpPr>
+      <p:sp>
+        <p:nvSpPr>
+          <p:cNvPr id="3" name="Content Placeholder 2">
+            <a:extLst>
+              <a:ext uri="{FF2B5EF4-FFF2-40B4-BE49-F238E27FC236}">
+                <a16:creationId xmlns:a16="http://schemas.microsoft.com/office/drawing/2014/main" id="{58655776-9799-90EA-84A2-D4D9781A1080}"/>
+              </a:ext>
+            </a:extLst>
+          </p:cNvPr>
+          <p:cNvSpPr>
+            <a:spLocks noGrp="1"/>
+          </p:cNvSpPr>
+          <p:nvPr>
+            <p:ph idx="1"/>
+          </p:nvPr>
+        </p:nvSpPr>
+        <p:spPr>
+          <a:xfrm>
+            <a:off x="764976" y="1772816"/>
+            <a:ext cx="10515600" cy="4351338"/>
+          </a:xfrm>
+        </p:spPr>
+        <p:txBody>
+          <a:bodyPr/>
+          <a:lstStyle/>
+          <a:p>
+            <a:r>
+              <a:rPr lang="en-GB" dirty="0"/>
+              <a:t>Exploring the 6 Numeric Features</a:t>
+            </a:r>
+          </a:p>
+          <a:p>
+            <a:endParaRPr lang="en-GB" dirty="0"/>
+          </a:p>
+          <a:p>
+            <a:r>
+              <a:rPr lang="en-GB" dirty="0"/>
+              <a:t>Plotted histograms, box plots and other plots to better understand the behaviour of each individual feature</a:t>
+            </a:r>
+          </a:p>
+          <a:p>
+            <a:endParaRPr lang="en-GB" dirty="0"/>
+          </a:p>
+          <a:p>
+            <a:endParaRPr lang="en-GB" dirty="0"/>
+          </a:p>
+          <a:p>
+            <a:endParaRPr lang="en-GB" dirty="0"/>
+          </a:p>
+        </p:txBody>
+      </p:sp>
+      <p:sp>
+        <p:nvSpPr>
+          <p:cNvPr id="2" name="Title 1">
+            <a:extLst>
+              <a:ext uri="{FF2B5EF4-FFF2-40B4-BE49-F238E27FC236}">
+                <a16:creationId xmlns:a16="http://schemas.microsoft.com/office/drawing/2014/main" id="{F980DB12-D04C-65ED-2004-E476CA931564}"/>
+              </a:ext>
+            </a:extLst>
+          </p:cNvPr>
+          <p:cNvSpPr>
+            <a:spLocks noGrp="1"/>
+          </p:cNvSpPr>
+          <p:nvPr>
+            <p:ph type="title"/>
+          </p:nvPr>
+        </p:nvSpPr>
+        <p:spPr>
+          <a:xfrm>
+            <a:off x="911424" y="404664"/>
+            <a:ext cx="10515600" cy="1325563"/>
+          </a:xfrm>
+        </p:spPr>
+        <p:txBody>
+          <a:bodyPr/>
+          <a:lstStyle/>
+          <a:p>
+            <a:r>
+              <a:rPr lang="en-GB" dirty="0">
+                <a:ea typeface="Cambria" panose="02040503050406030204" pitchFamily="18" charset="0"/>
+              </a:rPr>
+              <a:t>Exploratory Data Analysis (EDA)</a:t>
             </a:r>
           </a:p>
         </p:txBody>
       </p:sp>
       <p:pic>
         <p:nvPicPr>
-          <p:cNvPr id="13" name="Picture 12" descr="A screenshot of a test&#10;&#10;Description automatically generated">
-            <a:extLst>
-              <a:ext uri="{FF2B5EF4-FFF2-40B4-BE49-F238E27FC236}">
-                <a16:creationId xmlns:a16="http://schemas.microsoft.com/office/drawing/2014/main" id="{60208D4D-3262-9DB7-C190-BEB97FEF4D8F}"/>
+          <p:cNvPr id="5" name="Picture 4">
+            <a:extLst>
+              <a:ext uri="{FF2B5EF4-FFF2-40B4-BE49-F238E27FC236}">
+                <a16:creationId xmlns:a16="http://schemas.microsoft.com/office/drawing/2014/main" id="{995C6C06-581A-26E2-EB02-7379F40F7ABA}"/>
               </a:ext>
             </a:extLst>
           </p:cNvPr>
@@ -5734,129 +8518,15 @@
           <p:nvPr/>
         </p:nvPicPr>
         <p:blipFill>
-          <a:blip r:embed="rId2">
-            <a:extLst>
-              <a:ext uri="{28A0092B-C50C-407E-A947-70E740481C1C}">
-                <a14:useLocalDpi xmlns:a14="http://schemas.microsoft.com/office/drawing/2010/main" val="0"/>
-              </a:ext>
-            </a:extLst>
-          </a:blip>
+          <a:blip r:embed="rId2"/>
           <a:stretch>
             <a:fillRect/>
           </a:stretch>
         </p:blipFill>
         <p:spPr>
           <a:xfrm>
-            <a:off x="2457147" y="0"/>
-            <a:ext cx="7277706" cy="6858000"/>
-          </a:xfrm>
-          <a:prstGeom prst="rect">
-            <a:avLst/>
-          </a:prstGeom>
-        </p:spPr>
-      </p:pic>
-      <p:pic>
-        <p:nvPicPr>
-          <p:cNvPr id="15" name="Picture 14" descr="A screenshot of a computer&#10;&#10;Description automatically generated">
-            <a:extLst>
-              <a:ext uri="{FF2B5EF4-FFF2-40B4-BE49-F238E27FC236}">
-                <a16:creationId xmlns:a16="http://schemas.microsoft.com/office/drawing/2014/main" id="{E3F8FC26-2B9E-26E7-0323-F19E8F65CB19}"/>
-              </a:ext>
-            </a:extLst>
-          </p:cNvPr>
-          <p:cNvPicPr>
-            <a:picLocks noChangeAspect="1"/>
-          </p:cNvPicPr>
-          <p:nvPr/>
-        </p:nvPicPr>
-        <p:blipFill>
-          <a:blip r:embed="rId3">
-            <a:extLst>
-              <a:ext uri="{28A0092B-C50C-407E-A947-70E740481C1C}">
-                <a14:useLocalDpi xmlns:a14="http://schemas.microsoft.com/office/drawing/2010/main" val="0"/>
-              </a:ext>
-            </a:extLst>
-          </a:blip>
-          <a:stretch>
-            <a:fillRect/>
-          </a:stretch>
-        </p:blipFill>
-        <p:spPr>
-          <a:xfrm>
-            <a:off x="3785644" y="150000"/>
-            <a:ext cx="4920712" cy="6858000"/>
-          </a:xfrm>
-          <a:prstGeom prst="rect">
-            <a:avLst/>
-          </a:prstGeom>
-        </p:spPr>
-      </p:pic>
-      <p:pic>
-        <p:nvPicPr>
-          <p:cNvPr id="17" name="Picture 16" descr="A screenshot of a medical survey&#10;&#10;Description automatically generated">
-            <a:extLst>
-              <a:ext uri="{FF2B5EF4-FFF2-40B4-BE49-F238E27FC236}">
-                <a16:creationId xmlns:a16="http://schemas.microsoft.com/office/drawing/2014/main" id="{44355EB8-3B1A-CB5A-2374-CF547E3EBC05}"/>
-              </a:ext>
-            </a:extLst>
-          </p:cNvPr>
-          <p:cNvPicPr>
-            <a:picLocks noChangeAspect="1"/>
-          </p:cNvPicPr>
-          <p:nvPr/>
-        </p:nvPicPr>
-        <p:blipFill>
-          <a:blip r:embed="rId4">
-            <a:extLst>
-              <a:ext uri="{28A0092B-C50C-407E-A947-70E740481C1C}">
-                <a14:useLocalDpi xmlns:a14="http://schemas.microsoft.com/office/drawing/2010/main" val="0"/>
-              </a:ext>
-            </a:extLst>
-          </a:blip>
-          <a:stretch>
-            <a:fillRect/>
-          </a:stretch>
-        </p:blipFill>
-        <p:spPr>
-          <a:xfrm>
-            <a:off x="3420990" y="300000"/>
-            <a:ext cx="5950020" cy="6858000"/>
-          </a:xfrm>
-          <a:prstGeom prst="rect">
-            <a:avLst/>
-          </a:prstGeom>
-        </p:spPr>
-      </p:pic>
-      <p:pic>
-        <p:nvPicPr>
-          <p:cNvPr id="19" name="Picture 18" descr="A screenshot of a medical application&#10;&#10;Description automatically generated">
-            <a:extLst>
-              <a:ext uri="{FF2B5EF4-FFF2-40B4-BE49-F238E27FC236}">
-                <a16:creationId xmlns:a16="http://schemas.microsoft.com/office/drawing/2014/main" id="{9AE251D5-3BEA-4FB1-0ED1-E88D5F8ADBA7}"/>
-              </a:ext>
-            </a:extLst>
-          </p:cNvPr>
-          <p:cNvPicPr>
-            <a:picLocks noChangeAspect="1"/>
-          </p:cNvPicPr>
-          <p:nvPr/>
-        </p:nvPicPr>
-        <p:blipFill>
-          <a:blip r:embed="rId5">
-            <a:extLst>
-              <a:ext uri="{28A0092B-C50C-407E-A947-70E740481C1C}">
-                <a14:useLocalDpi xmlns:a14="http://schemas.microsoft.com/office/drawing/2010/main" val="0"/>
-              </a:ext>
-            </a:extLst>
-          </a:blip>
-          <a:stretch>
-            <a:fillRect/>
-          </a:stretch>
-        </p:blipFill>
-        <p:spPr>
-          <a:xfrm>
-            <a:off x="3567204" y="450000"/>
-            <a:ext cx="5957591" cy="6858000"/>
+            <a:off x="983432" y="3835560"/>
+            <a:ext cx="9291464" cy="2621722"/>
           </a:xfrm>
           <a:prstGeom prst="rect">
             <a:avLst/>
@@ -5866,7 +8536,159 @@
     </p:spTree>
     <p:extLst>
       <p:ext uri="{BB962C8B-B14F-4D97-AF65-F5344CB8AC3E}">
-        <p14:creationId xmlns:p14="http://schemas.microsoft.com/office/powerpoint/2010/main" val="1877703523"/>
+        <p14:creationId xmlns:p14="http://schemas.microsoft.com/office/powerpoint/2010/main" val="420419808"/>
+      </p:ext>
+    </p:extLst>
+  </p:cSld>
+  <p:clrMapOvr>
+    <a:masterClrMapping/>
+  </p:clrMapOvr>
+</p:sld>
+</file>
+
+<file path=ppt/slides/slide19.xml><?xml version="1.0" encoding="utf-8"?>
+<p:sld xmlns:a="http://schemas.openxmlformats.org/drawingml/2006/main" xmlns:r="http://schemas.openxmlformats.org/officeDocument/2006/relationships" xmlns:p="http://schemas.openxmlformats.org/presentationml/2006/main">
+  <p:cSld>
+    <p:spTree>
+      <p:nvGrpSpPr>
+        <p:cNvPr id="1" name="">
+          <a:extLst>
+            <a:ext uri="{FF2B5EF4-FFF2-40B4-BE49-F238E27FC236}">
+              <a16:creationId xmlns:a16="http://schemas.microsoft.com/office/drawing/2014/main" id="{236AD189-DD40-F2F2-4510-0CD05CA2FCC2}"/>
+            </a:ext>
+          </a:extLst>
+        </p:cNvPr>
+        <p:cNvGrpSpPr/>
+        <p:nvPr/>
+      </p:nvGrpSpPr>
+      <p:grpSpPr>
+        <a:xfrm>
+          <a:off x="0" y="0"/>
+          <a:ext cx="0" cy="0"/>
+          <a:chOff x="0" y="0"/>
+          <a:chExt cx="0" cy="0"/>
+        </a:xfrm>
+      </p:grpSpPr>
+      <p:sp>
+        <p:nvSpPr>
+          <p:cNvPr id="3" name="Content Placeholder 2">
+            <a:extLst>
+              <a:ext uri="{FF2B5EF4-FFF2-40B4-BE49-F238E27FC236}">
+                <a16:creationId xmlns:a16="http://schemas.microsoft.com/office/drawing/2014/main" id="{95E5D238-432C-5460-FFEF-7683F58C9B33}"/>
+              </a:ext>
+            </a:extLst>
+          </p:cNvPr>
+          <p:cNvSpPr>
+            <a:spLocks noGrp="1"/>
+          </p:cNvSpPr>
+          <p:nvPr>
+            <p:ph idx="1"/>
+          </p:nvPr>
+        </p:nvSpPr>
+        <p:spPr>
+          <a:xfrm>
+            <a:off x="764976" y="1772816"/>
+            <a:ext cx="10515600" cy="4351338"/>
+          </a:xfrm>
+        </p:spPr>
+        <p:txBody>
+          <a:bodyPr/>
+          <a:lstStyle/>
+          <a:p>
+            <a:r>
+              <a:rPr lang="en-GB" dirty="0"/>
+              <a:t>Exploring the 6 Numeric Features</a:t>
+            </a:r>
+          </a:p>
+          <a:p>
+            <a:endParaRPr lang="en-GB" dirty="0"/>
+          </a:p>
+          <a:p>
+            <a:r>
+              <a:rPr lang="en-GB" dirty="0"/>
+              <a:t>Plotted histograms, box plots and other plots to better understand the behaviour of each individual feature</a:t>
+            </a:r>
+          </a:p>
+          <a:p>
+            <a:endParaRPr lang="en-GB" dirty="0"/>
+          </a:p>
+          <a:p>
+            <a:endParaRPr lang="en-GB" dirty="0"/>
+          </a:p>
+          <a:p>
+            <a:endParaRPr lang="en-GB" dirty="0"/>
+          </a:p>
+        </p:txBody>
+      </p:sp>
+      <p:sp>
+        <p:nvSpPr>
+          <p:cNvPr id="2" name="Title 1">
+            <a:extLst>
+              <a:ext uri="{FF2B5EF4-FFF2-40B4-BE49-F238E27FC236}">
+                <a16:creationId xmlns:a16="http://schemas.microsoft.com/office/drawing/2014/main" id="{78DC8FD5-6569-CC06-BFE0-0C3FCF17E2B8}"/>
+              </a:ext>
+            </a:extLst>
+          </p:cNvPr>
+          <p:cNvSpPr>
+            <a:spLocks noGrp="1"/>
+          </p:cNvSpPr>
+          <p:nvPr>
+            <p:ph type="title"/>
+          </p:nvPr>
+        </p:nvSpPr>
+        <p:spPr>
+          <a:xfrm>
+            <a:off x="911424" y="404664"/>
+            <a:ext cx="10515600" cy="1325563"/>
+          </a:xfrm>
+        </p:spPr>
+        <p:txBody>
+          <a:bodyPr/>
+          <a:lstStyle/>
+          <a:p>
+            <a:r>
+              <a:rPr lang="en-GB" dirty="0">
+                <a:ea typeface="Cambria" panose="02040503050406030204" pitchFamily="18" charset="0"/>
+              </a:rPr>
+              <a:t>Exploratory Data Analysis (EDA)</a:t>
+            </a:r>
+          </a:p>
+        </p:txBody>
+      </p:sp>
+      <p:pic>
+        <p:nvPicPr>
+          <p:cNvPr id="7" name="Picture 6">
+            <a:extLst>
+              <a:ext uri="{FF2B5EF4-FFF2-40B4-BE49-F238E27FC236}">
+                <a16:creationId xmlns:a16="http://schemas.microsoft.com/office/drawing/2014/main" id="{0A03AE44-6B14-1C8A-438F-6375BD579FD6}"/>
+              </a:ext>
+            </a:extLst>
+          </p:cNvPr>
+          <p:cNvPicPr>
+            <a:picLocks noChangeAspect="1"/>
+          </p:cNvPicPr>
+          <p:nvPr/>
+        </p:nvPicPr>
+        <p:blipFill>
+          <a:blip r:embed="rId2"/>
+          <a:stretch>
+            <a:fillRect/>
+          </a:stretch>
+        </p:blipFill>
+        <p:spPr>
+          <a:xfrm>
+            <a:off x="2351584" y="3789040"/>
+            <a:ext cx="5800725" cy="2924175"/>
+          </a:xfrm>
+          <a:prstGeom prst="rect">
+            <a:avLst/>
+          </a:prstGeom>
+        </p:spPr>
+      </p:pic>
+    </p:spTree>
+    <p:extLst>
+      <p:ext uri="{BB962C8B-B14F-4D97-AF65-F5344CB8AC3E}">
+        <p14:creationId xmlns:p14="http://schemas.microsoft.com/office/powerpoint/2010/main" val="2106615522"/>
       </p:ext>
     </p:extLst>
   </p:cSld>
@@ -6042,6 +8864,1739 @@
 </p:sld>
 </file>
 
+<file path=ppt/slides/slide20.xml><?xml version="1.0" encoding="utf-8"?>
+<p:sld xmlns:a="http://schemas.openxmlformats.org/drawingml/2006/main" xmlns:r="http://schemas.openxmlformats.org/officeDocument/2006/relationships" xmlns:p="http://schemas.openxmlformats.org/presentationml/2006/main">
+  <p:cSld>
+    <p:spTree>
+      <p:nvGrpSpPr>
+        <p:cNvPr id="1" name="">
+          <a:extLst>
+            <a:ext uri="{FF2B5EF4-FFF2-40B4-BE49-F238E27FC236}">
+              <a16:creationId xmlns:a16="http://schemas.microsoft.com/office/drawing/2014/main" id="{61FECFDB-B8EA-AF42-3F16-FABBF04EF95A}"/>
+            </a:ext>
+          </a:extLst>
+        </p:cNvPr>
+        <p:cNvGrpSpPr/>
+        <p:nvPr/>
+      </p:nvGrpSpPr>
+      <p:grpSpPr>
+        <a:xfrm>
+          <a:off x="0" y="0"/>
+          <a:ext cx="0" cy="0"/>
+          <a:chOff x="0" y="0"/>
+          <a:chExt cx="0" cy="0"/>
+        </a:xfrm>
+      </p:grpSpPr>
+      <p:sp>
+        <p:nvSpPr>
+          <p:cNvPr id="3" name="Content Placeholder 2">
+            <a:extLst>
+              <a:ext uri="{FF2B5EF4-FFF2-40B4-BE49-F238E27FC236}">
+                <a16:creationId xmlns:a16="http://schemas.microsoft.com/office/drawing/2014/main" id="{7F29D464-4B55-87FA-2B2B-3F3B371CD155}"/>
+              </a:ext>
+            </a:extLst>
+          </p:cNvPr>
+          <p:cNvSpPr>
+            <a:spLocks noGrp="1"/>
+          </p:cNvSpPr>
+          <p:nvPr>
+            <p:ph idx="1"/>
+          </p:nvPr>
+        </p:nvSpPr>
+        <p:spPr>
+          <a:xfrm>
+            <a:off x="764976" y="1772816"/>
+            <a:ext cx="10515600" cy="4351338"/>
+          </a:xfrm>
+        </p:spPr>
+        <p:txBody>
+          <a:bodyPr/>
+          <a:lstStyle/>
+          <a:p>
+            <a:r>
+              <a:rPr lang="en-GB" dirty="0"/>
+              <a:t>Exploring the 6 Numeric Features</a:t>
+            </a:r>
+          </a:p>
+          <a:p>
+            <a:endParaRPr lang="en-GB" dirty="0"/>
+          </a:p>
+          <a:p>
+            <a:r>
+              <a:rPr lang="en-GB" dirty="0"/>
+              <a:t>Plotted histograms, box plots and swarm plots to better understand the behaviour of each individual feature</a:t>
+            </a:r>
+          </a:p>
+          <a:p>
+            <a:r>
+              <a:rPr lang="en-GB" dirty="0"/>
+              <a:t>From these plots the following conclusions were made:</a:t>
+            </a:r>
+          </a:p>
+          <a:p>
+            <a:pPr lvl="1"/>
+            <a:r>
+              <a:rPr lang="en-GB" dirty="0"/>
+              <a:t>The data is not normally distributed</a:t>
+            </a:r>
+          </a:p>
+          <a:p>
+            <a:pPr lvl="1"/>
+            <a:r>
+              <a:rPr lang="en-GB" dirty="0"/>
+              <a:t>The data is generally skewed to the right</a:t>
+            </a:r>
+          </a:p>
+          <a:p>
+            <a:pPr lvl="1"/>
+            <a:r>
+              <a:rPr lang="en-GB" dirty="0"/>
+              <a:t>There are some extreme outliers present in the dataset</a:t>
+            </a:r>
+          </a:p>
+          <a:p>
+            <a:endParaRPr lang="en-GB" dirty="0"/>
+          </a:p>
+          <a:p>
+            <a:endParaRPr lang="en-GB" dirty="0"/>
+          </a:p>
+          <a:p>
+            <a:endParaRPr lang="en-GB" dirty="0"/>
+          </a:p>
+        </p:txBody>
+      </p:sp>
+      <p:sp>
+        <p:nvSpPr>
+          <p:cNvPr id="2" name="Title 1">
+            <a:extLst>
+              <a:ext uri="{FF2B5EF4-FFF2-40B4-BE49-F238E27FC236}">
+                <a16:creationId xmlns:a16="http://schemas.microsoft.com/office/drawing/2014/main" id="{718A7F80-608D-3C77-7DD1-A7342B82607C}"/>
+              </a:ext>
+            </a:extLst>
+          </p:cNvPr>
+          <p:cNvSpPr>
+            <a:spLocks noGrp="1"/>
+          </p:cNvSpPr>
+          <p:nvPr>
+            <p:ph type="title"/>
+          </p:nvPr>
+        </p:nvSpPr>
+        <p:spPr>
+          <a:xfrm>
+            <a:off x="911424" y="404664"/>
+            <a:ext cx="10515600" cy="1325563"/>
+          </a:xfrm>
+        </p:spPr>
+        <p:txBody>
+          <a:bodyPr/>
+          <a:lstStyle/>
+          <a:p>
+            <a:r>
+              <a:rPr lang="en-GB" dirty="0">
+                <a:ea typeface="Cambria" panose="02040503050406030204" pitchFamily="18" charset="0"/>
+              </a:rPr>
+              <a:t>Exploratory Data Analysis (EDA)</a:t>
+            </a:r>
+          </a:p>
+        </p:txBody>
+      </p:sp>
+    </p:spTree>
+    <p:extLst>
+      <p:ext uri="{BB962C8B-B14F-4D97-AF65-F5344CB8AC3E}">
+        <p14:creationId xmlns:p14="http://schemas.microsoft.com/office/powerpoint/2010/main" val="980936251"/>
+      </p:ext>
+    </p:extLst>
+  </p:cSld>
+  <p:clrMapOvr>
+    <a:masterClrMapping/>
+  </p:clrMapOvr>
+</p:sld>
+</file>
+
+<file path=ppt/slides/slide21.xml><?xml version="1.0" encoding="utf-8"?>
+<p:sld xmlns:a="http://schemas.openxmlformats.org/drawingml/2006/main" xmlns:r="http://schemas.openxmlformats.org/officeDocument/2006/relationships" xmlns:p="http://schemas.openxmlformats.org/presentationml/2006/main">
+  <p:cSld>
+    <p:spTree>
+      <p:nvGrpSpPr>
+        <p:cNvPr id="1" name="">
+          <a:extLst>
+            <a:ext uri="{FF2B5EF4-FFF2-40B4-BE49-F238E27FC236}">
+              <a16:creationId xmlns:a16="http://schemas.microsoft.com/office/drawing/2014/main" id="{8084B4D3-3DC3-3F0C-D588-D542088F699B}"/>
+            </a:ext>
+          </a:extLst>
+        </p:cNvPr>
+        <p:cNvGrpSpPr/>
+        <p:nvPr/>
+      </p:nvGrpSpPr>
+      <p:grpSpPr>
+        <a:xfrm>
+          <a:off x="0" y="0"/>
+          <a:ext cx="0" cy="0"/>
+          <a:chOff x="0" y="0"/>
+          <a:chExt cx="0" cy="0"/>
+        </a:xfrm>
+      </p:grpSpPr>
+      <p:sp>
+        <p:nvSpPr>
+          <p:cNvPr id="2" name="Title 1">
+            <a:extLst>
+              <a:ext uri="{FF2B5EF4-FFF2-40B4-BE49-F238E27FC236}">
+                <a16:creationId xmlns:a16="http://schemas.microsoft.com/office/drawing/2014/main" id="{503482C9-C9F5-BC09-227F-40E96672EB9D}"/>
+              </a:ext>
+            </a:extLst>
+          </p:cNvPr>
+          <p:cNvSpPr>
+            <a:spLocks noGrp="1"/>
+          </p:cNvSpPr>
+          <p:nvPr>
+            <p:ph type="title"/>
+          </p:nvPr>
+        </p:nvSpPr>
+        <p:spPr>
+          <a:xfrm>
+            <a:off x="911424" y="404664"/>
+            <a:ext cx="10515600" cy="1325563"/>
+          </a:xfrm>
+        </p:spPr>
+        <p:txBody>
+          <a:bodyPr/>
+          <a:lstStyle/>
+          <a:p>
+            <a:r>
+              <a:rPr lang="en-GB" dirty="0">
+                <a:ea typeface="Cambria" panose="02040503050406030204" pitchFamily="18" charset="0"/>
+              </a:rPr>
+              <a:t>Exploratory Data Analysis (EDA)</a:t>
+            </a:r>
+          </a:p>
+        </p:txBody>
+      </p:sp>
+      <p:sp>
+        <p:nvSpPr>
+          <p:cNvPr id="3" name="Content Placeholder 2">
+            <a:extLst>
+              <a:ext uri="{FF2B5EF4-FFF2-40B4-BE49-F238E27FC236}">
+                <a16:creationId xmlns:a16="http://schemas.microsoft.com/office/drawing/2014/main" id="{76CACFAE-3037-9CDD-C597-0A29B67AE8E5}"/>
+              </a:ext>
+            </a:extLst>
+          </p:cNvPr>
+          <p:cNvSpPr>
+            <a:spLocks noGrp="1"/>
+          </p:cNvSpPr>
+          <p:nvPr>
+            <p:ph idx="1"/>
+          </p:nvPr>
+        </p:nvSpPr>
+        <p:spPr>
+          <a:xfrm>
+            <a:off x="764976" y="1772816"/>
+            <a:ext cx="10515600" cy="4351338"/>
+          </a:xfrm>
+        </p:spPr>
+        <p:txBody>
+          <a:bodyPr/>
+          <a:lstStyle/>
+          <a:p>
+            <a:r>
+              <a:rPr lang="en-GB" dirty="0"/>
+              <a:t>Outlier Handling</a:t>
+            </a:r>
+          </a:p>
+          <a:p>
+            <a:endParaRPr lang="en-GB" dirty="0"/>
+          </a:p>
+          <a:p>
+            <a:r>
+              <a:rPr lang="en-GB" dirty="0"/>
+              <a:t>As previously mentioned, the Boxplots and Scatter plots reveal several outliers both per class, and in the overall dataset.</a:t>
+            </a:r>
+          </a:p>
+        </p:txBody>
+      </p:sp>
+      <p:pic>
+        <p:nvPicPr>
+          <p:cNvPr id="7" name="Picture 6">
+            <a:extLst>
+              <a:ext uri="{FF2B5EF4-FFF2-40B4-BE49-F238E27FC236}">
+                <a16:creationId xmlns:a16="http://schemas.microsoft.com/office/drawing/2014/main" id="{1C8F4206-0766-A5A3-6477-5BD75A2C8188}"/>
+              </a:ext>
+            </a:extLst>
+          </p:cNvPr>
+          <p:cNvPicPr>
+            <a:picLocks noChangeAspect="1"/>
+          </p:cNvPicPr>
+          <p:nvPr/>
+        </p:nvPicPr>
+        <p:blipFill>
+          <a:blip r:embed="rId2"/>
+          <a:stretch>
+            <a:fillRect/>
+          </a:stretch>
+        </p:blipFill>
+        <p:spPr>
+          <a:xfrm>
+            <a:off x="479376" y="3789040"/>
+            <a:ext cx="5800725" cy="2924175"/>
+          </a:xfrm>
+          <a:prstGeom prst="rect">
+            <a:avLst/>
+          </a:prstGeom>
+        </p:spPr>
+      </p:pic>
+      <p:pic>
+        <p:nvPicPr>
+          <p:cNvPr id="9" name="Picture 8">
+            <a:extLst>
+              <a:ext uri="{FF2B5EF4-FFF2-40B4-BE49-F238E27FC236}">
+                <a16:creationId xmlns:a16="http://schemas.microsoft.com/office/drawing/2014/main" id="{C40DC601-74D0-FAFD-1251-DEC7E5638BBD}"/>
+              </a:ext>
+            </a:extLst>
+          </p:cNvPr>
+          <p:cNvPicPr>
+            <a:picLocks noChangeAspect="1"/>
+          </p:cNvPicPr>
+          <p:nvPr/>
+        </p:nvPicPr>
+        <p:blipFill>
+          <a:blip r:embed="rId3"/>
+          <a:stretch>
+            <a:fillRect/>
+          </a:stretch>
+        </p:blipFill>
+        <p:spPr>
+          <a:xfrm>
+            <a:off x="6255048" y="3665686"/>
+            <a:ext cx="5800725" cy="2924175"/>
+          </a:xfrm>
+          <a:prstGeom prst="rect">
+            <a:avLst/>
+          </a:prstGeom>
+        </p:spPr>
+      </p:pic>
+    </p:spTree>
+    <p:extLst>
+      <p:ext uri="{BB962C8B-B14F-4D97-AF65-F5344CB8AC3E}">
+        <p14:creationId xmlns:p14="http://schemas.microsoft.com/office/powerpoint/2010/main" val="1595438943"/>
+      </p:ext>
+    </p:extLst>
+  </p:cSld>
+  <p:clrMapOvr>
+    <a:masterClrMapping/>
+  </p:clrMapOvr>
+</p:sld>
+</file>
+
+<file path=ppt/slides/slide22.xml><?xml version="1.0" encoding="utf-8"?>
+<p:sld xmlns:a="http://schemas.openxmlformats.org/drawingml/2006/main" xmlns:r="http://schemas.openxmlformats.org/officeDocument/2006/relationships" xmlns:p="http://schemas.openxmlformats.org/presentationml/2006/main">
+  <p:cSld>
+    <p:spTree>
+      <p:nvGrpSpPr>
+        <p:cNvPr id="1" name="">
+          <a:extLst>
+            <a:ext uri="{FF2B5EF4-FFF2-40B4-BE49-F238E27FC236}">
+              <a16:creationId xmlns:a16="http://schemas.microsoft.com/office/drawing/2014/main" id="{806B47D6-875C-835A-BC3B-DE1764C4C971}"/>
+            </a:ext>
+          </a:extLst>
+        </p:cNvPr>
+        <p:cNvGrpSpPr/>
+        <p:nvPr/>
+      </p:nvGrpSpPr>
+      <p:grpSpPr>
+        <a:xfrm>
+          <a:off x="0" y="0"/>
+          <a:ext cx="0" cy="0"/>
+          <a:chOff x="0" y="0"/>
+          <a:chExt cx="0" cy="0"/>
+        </a:xfrm>
+      </p:grpSpPr>
+      <p:sp>
+        <p:nvSpPr>
+          <p:cNvPr id="2" name="Title 1">
+            <a:extLst>
+              <a:ext uri="{FF2B5EF4-FFF2-40B4-BE49-F238E27FC236}">
+                <a16:creationId xmlns:a16="http://schemas.microsoft.com/office/drawing/2014/main" id="{ED221588-0E80-7670-7CCA-212DC9795B18}"/>
+              </a:ext>
+            </a:extLst>
+          </p:cNvPr>
+          <p:cNvSpPr>
+            <a:spLocks noGrp="1"/>
+          </p:cNvSpPr>
+          <p:nvPr>
+            <p:ph type="title"/>
+          </p:nvPr>
+        </p:nvSpPr>
+        <p:spPr>
+          <a:xfrm>
+            <a:off x="911424" y="404664"/>
+            <a:ext cx="10515600" cy="1325563"/>
+          </a:xfrm>
+        </p:spPr>
+        <p:txBody>
+          <a:bodyPr/>
+          <a:lstStyle/>
+          <a:p>
+            <a:r>
+              <a:rPr lang="en-GB" dirty="0">
+                <a:ea typeface="Cambria" panose="02040503050406030204" pitchFamily="18" charset="0"/>
+              </a:rPr>
+              <a:t>Exploratory Data Analysis (EDA)</a:t>
+            </a:r>
+          </a:p>
+        </p:txBody>
+      </p:sp>
+      <p:sp>
+        <p:nvSpPr>
+          <p:cNvPr id="3" name="Content Placeholder 2">
+            <a:extLst>
+              <a:ext uri="{FF2B5EF4-FFF2-40B4-BE49-F238E27FC236}">
+                <a16:creationId xmlns:a16="http://schemas.microsoft.com/office/drawing/2014/main" id="{C76E9BA0-9B13-D565-B726-59FD562076C2}"/>
+              </a:ext>
+            </a:extLst>
+          </p:cNvPr>
+          <p:cNvSpPr>
+            <a:spLocks noGrp="1"/>
+          </p:cNvSpPr>
+          <p:nvPr>
+            <p:ph idx="1"/>
+          </p:nvPr>
+        </p:nvSpPr>
+        <p:spPr>
+          <a:xfrm>
+            <a:off x="764976" y="1772816"/>
+            <a:ext cx="10515600" cy="4351338"/>
+          </a:xfrm>
+        </p:spPr>
+        <p:txBody>
+          <a:bodyPr/>
+          <a:lstStyle/>
+          <a:p>
+            <a:r>
+              <a:rPr lang="en-GB" dirty="0"/>
+              <a:t>Outlier Handling</a:t>
+            </a:r>
+          </a:p>
+          <a:p>
+            <a:endParaRPr lang="en-GB" dirty="0"/>
+          </a:p>
+          <a:p>
+            <a:r>
+              <a:rPr lang="en-GB" dirty="0"/>
+              <a:t>As previously mentioned, the Boxplots and Scatter plots reveal several outliers both per class, and in the overall dataset.</a:t>
+            </a:r>
+          </a:p>
+          <a:p>
+            <a:r>
+              <a:rPr lang="en-GB" dirty="0"/>
+              <a:t>Several methods of detecting outliers were trialled:</a:t>
+            </a:r>
+          </a:p>
+          <a:p>
+            <a:pPr lvl="1"/>
+            <a:r>
+              <a:rPr lang="en-GB" dirty="0"/>
+              <a:t>Interquartile range</a:t>
+            </a:r>
+          </a:p>
+          <a:p>
+            <a:pPr lvl="1"/>
+            <a:r>
+              <a:rPr lang="en-GB" dirty="0"/>
+              <a:t>Z-score</a:t>
+            </a:r>
+          </a:p>
+          <a:p>
+            <a:pPr lvl="1"/>
+            <a:r>
+              <a:rPr lang="en-GB" dirty="0"/>
+              <a:t>Median of the absolute deviations (MAD)</a:t>
+            </a:r>
+          </a:p>
+        </p:txBody>
+      </p:sp>
+    </p:spTree>
+    <p:extLst>
+      <p:ext uri="{BB962C8B-B14F-4D97-AF65-F5344CB8AC3E}">
+        <p14:creationId xmlns:p14="http://schemas.microsoft.com/office/powerpoint/2010/main" val="4086143270"/>
+      </p:ext>
+    </p:extLst>
+  </p:cSld>
+  <p:clrMapOvr>
+    <a:masterClrMapping/>
+  </p:clrMapOvr>
+</p:sld>
+</file>
+
+<file path=ppt/slides/slide23.xml><?xml version="1.0" encoding="utf-8"?>
+<p:sld xmlns:a="http://schemas.openxmlformats.org/drawingml/2006/main" xmlns:r="http://schemas.openxmlformats.org/officeDocument/2006/relationships" xmlns:p="http://schemas.openxmlformats.org/presentationml/2006/main">
+  <p:cSld>
+    <p:spTree>
+      <p:nvGrpSpPr>
+        <p:cNvPr id="1" name="">
+          <a:extLst>
+            <a:ext uri="{FF2B5EF4-FFF2-40B4-BE49-F238E27FC236}">
+              <a16:creationId xmlns:a16="http://schemas.microsoft.com/office/drawing/2014/main" id="{C5D2C281-6724-C24D-DB22-953335500886}"/>
+            </a:ext>
+          </a:extLst>
+        </p:cNvPr>
+        <p:cNvGrpSpPr/>
+        <p:nvPr/>
+      </p:nvGrpSpPr>
+      <p:grpSpPr>
+        <a:xfrm>
+          <a:off x="0" y="0"/>
+          <a:ext cx="0" cy="0"/>
+          <a:chOff x="0" y="0"/>
+          <a:chExt cx="0" cy="0"/>
+        </a:xfrm>
+      </p:grpSpPr>
+      <p:sp>
+        <p:nvSpPr>
+          <p:cNvPr id="2" name="Title 1">
+            <a:extLst>
+              <a:ext uri="{FF2B5EF4-FFF2-40B4-BE49-F238E27FC236}">
+                <a16:creationId xmlns:a16="http://schemas.microsoft.com/office/drawing/2014/main" id="{3EBE4FD6-C1A7-122A-A844-3175830194B7}"/>
+              </a:ext>
+            </a:extLst>
+          </p:cNvPr>
+          <p:cNvSpPr>
+            <a:spLocks noGrp="1"/>
+          </p:cNvSpPr>
+          <p:nvPr>
+            <p:ph type="title"/>
+          </p:nvPr>
+        </p:nvSpPr>
+        <p:spPr>
+          <a:xfrm>
+            <a:off x="911424" y="404664"/>
+            <a:ext cx="10515600" cy="1325563"/>
+          </a:xfrm>
+        </p:spPr>
+        <p:txBody>
+          <a:bodyPr/>
+          <a:lstStyle/>
+          <a:p>
+            <a:r>
+              <a:rPr lang="en-GB" dirty="0">
+                <a:ea typeface="Cambria" panose="02040503050406030204" pitchFamily="18" charset="0"/>
+              </a:rPr>
+              <a:t>Exploratory Data Analysis (EDA)</a:t>
+            </a:r>
+          </a:p>
+        </p:txBody>
+      </p:sp>
+      <p:sp>
+        <p:nvSpPr>
+          <p:cNvPr id="3" name="Content Placeholder 2">
+            <a:extLst>
+              <a:ext uri="{FF2B5EF4-FFF2-40B4-BE49-F238E27FC236}">
+                <a16:creationId xmlns:a16="http://schemas.microsoft.com/office/drawing/2014/main" id="{9B34361C-CE19-535D-C20D-00E91F469B28}"/>
+              </a:ext>
+            </a:extLst>
+          </p:cNvPr>
+          <p:cNvSpPr>
+            <a:spLocks noGrp="1"/>
+          </p:cNvSpPr>
+          <p:nvPr>
+            <p:ph idx="1"/>
+          </p:nvPr>
+        </p:nvSpPr>
+        <p:spPr>
+          <a:xfrm>
+            <a:off x="764976" y="1772816"/>
+            <a:ext cx="10515600" cy="4351338"/>
+          </a:xfrm>
+        </p:spPr>
+        <p:txBody>
+          <a:bodyPr>
+            <a:normAutofit/>
+          </a:bodyPr>
+          <a:lstStyle/>
+          <a:p>
+            <a:r>
+              <a:rPr lang="en-GB" dirty="0"/>
+              <a:t>Outlier Handling</a:t>
+            </a:r>
+          </a:p>
+          <a:p>
+            <a:endParaRPr lang="en-GB" dirty="0"/>
+          </a:p>
+          <a:p>
+            <a:r>
+              <a:rPr lang="en-GB" dirty="0"/>
+              <a:t>As previously mentioned, the Boxplots and Scatter plots reveal several outliers both per class, and in the overall dataset.</a:t>
+            </a:r>
+          </a:p>
+          <a:p>
+            <a:r>
+              <a:rPr lang="en-GB" dirty="0"/>
+              <a:t>Several methods of detecting outliers were trialled:</a:t>
+            </a:r>
+          </a:p>
+          <a:p>
+            <a:pPr lvl="1"/>
+            <a:r>
+              <a:rPr lang="en-GB" dirty="0"/>
+              <a:t>Interquartile range: 26 outliers detected</a:t>
+            </a:r>
+          </a:p>
+          <a:p>
+            <a:pPr lvl="1"/>
+            <a:r>
+              <a:rPr lang="en-GB" dirty="0"/>
+              <a:t>Z-score: 10 outliers detected</a:t>
+            </a:r>
+          </a:p>
+          <a:p>
+            <a:pPr lvl="1"/>
+            <a:r>
+              <a:rPr lang="en-GB" dirty="0"/>
+              <a:t>Median of the absolute deviations (MAD): 16 outliers detected</a:t>
+            </a:r>
+          </a:p>
+          <a:p>
+            <a:endParaRPr lang="en-GB" dirty="0"/>
+          </a:p>
+        </p:txBody>
+      </p:sp>
+    </p:spTree>
+    <p:extLst>
+      <p:ext uri="{BB962C8B-B14F-4D97-AF65-F5344CB8AC3E}">
+        <p14:creationId xmlns:p14="http://schemas.microsoft.com/office/powerpoint/2010/main" val="3758317424"/>
+      </p:ext>
+    </p:extLst>
+  </p:cSld>
+  <p:clrMapOvr>
+    <a:masterClrMapping/>
+  </p:clrMapOvr>
+</p:sld>
+</file>
+
+<file path=ppt/slides/slide24.xml><?xml version="1.0" encoding="utf-8"?>
+<p:sld xmlns:a="http://schemas.openxmlformats.org/drawingml/2006/main" xmlns:r="http://schemas.openxmlformats.org/officeDocument/2006/relationships" xmlns:p="http://schemas.openxmlformats.org/presentationml/2006/main">
+  <p:cSld>
+    <p:spTree>
+      <p:nvGrpSpPr>
+        <p:cNvPr id="1" name="">
+          <a:extLst>
+            <a:ext uri="{FF2B5EF4-FFF2-40B4-BE49-F238E27FC236}">
+              <a16:creationId xmlns:a16="http://schemas.microsoft.com/office/drawing/2014/main" id="{B678A6A8-74C9-1E43-1AC1-90D653018A53}"/>
+            </a:ext>
+          </a:extLst>
+        </p:cNvPr>
+        <p:cNvGrpSpPr/>
+        <p:nvPr/>
+      </p:nvGrpSpPr>
+      <p:grpSpPr>
+        <a:xfrm>
+          <a:off x="0" y="0"/>
+          <a:ext cx="0" cy="0"/>
+          <a:chOff x="0" y="0"/>
+          <a:chExt cx="0" cy="0"/>
+        </a:xfrm>
+      </p:grpSpPr>
+      <p:sp>
+        <p:nvSpPr>
+          <p:cNvPr id="2" name="Title 1">
+            <a:extLst>
+              <a:ext uri="{FF2B5EF4-FFF2-40B4-BE49-F238E27FC236}">
+                <a16:creationId xmlns:a16="http://schemas.microsoft.com/office/drawing/2014/main" id="{83B6590C-C929-B2F3-A89E-B466502C1515}"/>
+              </a:ext>
+            </a:extLst>
+          </p:cNvPr>
+          <p:cNvSpPr>
+            <a:spLocks noGrp="1"/>
+          </p:cNvSpPr>
+          <p:nvPr>
+            <p:ph type="title"/>
+          </p:nvPr>
+        </p:nvSpPr>
+        <p:spPr>
+          <a:xfrm>
+            <a:off x="911424" y="404664"/>
+            <a:ext cx="10515600" cy="1325563"/>
+          </a:xfrm>
+        </p:spPr>
+        <p:txBody>
+          <a:bodyPr/>
+          <a:lstStyle/>
+          <a:p>
+            <a:r>
+              <a:rPr lang="en-GB" dirty="0">
+                <a:ea typeface="Cambria" panose="02040503050406030204" pitchFamily="18" charset="0"/>
+              </a:rPr>
+              <a:t>Exploratory Data Analysis (EDA)</a:t>
+            </a:r>
+          </a:p>
+        </p:txBody>
+      </p:sp>
+      <p:sp>
+        <p:nvSpPr>
+          <p:cNvPr id="3" name="Content Placeholder 2">
+            <a:extLst>
+              <a:ext uri="{FF2B5EF4-FFF2-40B4-BE49-F238E27FC236}">
+                <a16:creationId xmlns:a16="http://schemas.microsoft.com/office/drawing/2014/main" id="{35CE009A-5C8E-6696-780C-7EAB4AA070B5}"/>
+              </a:ext>
+            </a:extLst>
+          </p:cNvPr>
+          <p:cNvSpPr>
+            <a:spLocks noGrp="1"/>
+          </p:cNvSpPr>
+          <p:nvPr>
+            <p:ph idx="1"/>
+          </p:nvPr>
+        </p:nvSpPr>
+        <p:spPr>
+          <a:xfrm>
+            <a:off x="764976" y="1772816"/>
+            <a:ext cx="10515600" cy="4351338"/>
+          </a:xfrm>
+        </p:spPr>
+        <p:txBody>
+          <a:bodyPr>
+            <a:normAutofit/>
+          </a:bodyPr>
+          <a:lstStyle/>
+          <a:p>
+            <a:r>
+              <a:rPr lang="en-GB" dirty="0"/>
+              <a:t>Outlier Handling</a:t>
+            </a:r>
+          </a:p>
+          <a:p>
+            <a:endParaRPr lang="en-GB" dirty="0"/>
+          </a:p>
+          <a:p>
+            <a:r>
+              <a:rPr lang="en-GB" sz="1800" dirty="0"/>
+              <a:t>However discussion with medical </a:t>
+            </a:r>
+            <a:r>
+              <a:rPr lang="en-GB" sz="1800" dirty="0" err="1"/>
+              <a:t>proffesionals</a:t>
+            </a:r>
+            <a:r>
+              <a:rPr lang="en-GB" sz="1800" dirty="0"/>
+              <a:t> indicated that most of these outliers were physically possible, and so still encoded information about the natural variation of a population.</a:t>
+            </a:r>
+          </a:p>
+          <a:p>
+            <a:pPr rtl="0" fontAlgn="base">
+              <a:buFont typeface="Arial" panose="020B0604020202020204" pitchFamily="34" charset="0"/>
+              <a:buChar char="•"/>
+            </a:pPr>
+            <a:r>
+              <a:rPr lang="en-GB" sz="1800" b="0" i="0" u="none" strike="noStrike" dirty="0">
+                <a:solidFill>
+                  <a:srgbClr val="000000"/>
+                </a:solidFill>
+                <a:effectLst/>
+              </a:rPr>
+              <a:t>Ultimately only one outlier was removed, as this datapoint was described to be highly improbable</a:t>
+            </a:r>
+          </a:p>
+          <a:p>
+            <a:endParaRPr lang="en-GB" dirty="0"/>
+          </a:p>
+          <a:p>
+            <a:endParaRPr lang="en-GB" dirty="0"/>
+          </a:p>
+        </p:txBody>
+      </p:sp>
+    </p:spTree>
+    <p:extLst>
+      <p:ext uri="{BB962C8B-B14F-4D97-AF65-F5344CB8AC3E}">
+        <p14:creationId xmlns:p14="http://schemas.microsoft.com/office/powerpoint/2010/main" val="2473778219"/>
+      </p:ext>
+    </p:extLst>
+  </p:cSld>
+  <p:clrMapOvr>
+    <a:masterClrMapping/>
+  </p:clrMapOvr>
+</p:sld>
+</file>
+
+<file path=ppt/slides/slide25.xml><?xml version="1.0" encoding="utf-8"?>
+<p:sld xmlns:a="http://schemas.openxmlformats.org/drawingml/2006/main" xmlns:r="http://schemas.openxmlformats.org/officeDocument/2006/relationships" xmlns:p="http://schemas.openxmlformats.org/presentationml/2006/main">
+  <p:cSld>
+    <p:spTree>
+      <p:nvGrpSpPr>
+        <p:cNvPr id="1" name="">
+          <a:extLst>
+            <a:ext uri="{FF2B5EF4-FFF2-40B4-BE49-F238E27FC236}">
+              <a16:creationId xmlns:a16="http://schemas.microsoft.com/office/drawing/2014/main" id="{0D9A91AD-1FB8-B26D-9EDB-A9B6CCF47D1F}"/>
+            </a:ext>
+          </a:extLst>
+        </p:cNvPr>
+        <p:cNvGrpSpPr/>
+        <p:nvPr/>
+      </p:nvGrpSpPr>
+      <p:grpSpPr>
+        <a:xfrm>
+          <a:off x="0" y="0"/>
+          <a:ext cx="0" cy="0"/>
+          <a:chOff x="0" y="0"/>
+          <a:chExt cx="0" cy="0"/>
+        </a:xfrm>
+      </p:grpSpPr>
+      <p:sp>
+        <p:nvSpPr>
+          <p:cNvPr id="2" name="Title 1">
+            <a:extLst>
+              <a:ext uri="{FF2B5EF4-FFF2-40B4-BE49-F238E27FC236}">
+                <a16:creationId xmlns:a16="http://schemas.microsoft.com/office/drawing/2014/main" id="{D428C4DC-0021-1B30-3AB4-6FAAA37D4BA2}"/>
+              </a:ext>
+            </a:extLst>
+          </p:cNvPr>
+          <p:cNvSpPr>
+            <a:spLocks noGrp="1"/>
+          </p:cNvSpPr>
+          <p:nvPr>
+            <p:ph type="title"/>
+          </p:nvPr>
+        </p:nvSpPr>
+        <p:spPr>
+          <a:xfrm>
+            <a:off x="911424" y="404664"/>
+            <a:ext cx="10515600" cy="1325563"/>
+          </a:xfrm>
+        </p:spPr>
+        <p:txBody>
+          <a:bodyPr/>
+          <a:lstStyle/>
+          <a:p>
+            <a:r>
+              <a:rPr lang="en-GB" dirty="0">
+                <a:ea typeface="Cambria" panose="02040503050406030204" pitchFamily="18" charset="0"/>
+              </a:rPr>
+              <a:t>Exploratory Data Analysis (EDA)</a:t>
+            </a:r>
+          </a:p>
+        </p:txBody>
+      </p:sp>
+      <p:sp>
+        <p:nvSpPr>
+          <p:cNvPr id="3" name="Content Placeholder 2">
+            <a:extLst>
+              <a:ext uri="{FF2B5EF4-FFF2-40B4-BE49-F238E27FC236}">
+                <a16:creationId xmlns:a16="http://schemas.microsoft.com/office/drawing/2014/main" id="{66CAC43C-A1BB-B720-C763-F648103DDA16}"/>
+              </a:ext>
+            </a:extLst>
+          </p:cNvPr>
+          <p:cNvSpPr>
+            <a:spLocks noGrp="1"/>
+          </p:cNvSpPr>
+          <p:nvPr>
+            <p:ph idx="1"/>
+          </p:nvPr>
+        </p:nvSpPr>
+        <p:spPr>
+          <a:xfrm>
+            <a:off x="764976" y="1772816"/>
+            <a:ext cx="5187008" cy="4351338"/>
+          </a:xfrm>
+        </p:spPr>
+        <p:txBody>
+          <a:bodyPr/>
+          <a:lstStyle/>
+          <a:p>
+            <a:r>
+              <a:rPr lang="en-GB" dirty="0"/>
+              <a:t>Correlation Analysis and Principal Component Analysis (PCA)</a:t>
+            </a:r>
+          </a:p>
+          <a:p>
+            <a:endParaRPr lang="en-GB" dirty="0"/>
+          </a:p>
+          <a:p>
+            <a:r>
+              <a:rPr lang="en-GB" dirty="0"/>
+              <a:t>Redundancy in 6 input features (non-linearity/high correlation)</a:t>
+            </a:r>
+          </a:p>
+        </p:txBody>
+      </p:sp>
+      <p:pic>
+        <p:nvPicPr>
+          <p:cNvPr id="15" name="Picture 14">
+            <a:extLst>
+              <a:ext uri="{FF2B5EF4-FFF2-40B4-BE49-F238E27FC236}">
+                <a16:creationId xmlns:a16="http://schemas.microsoft.com/office/drawing/2014/main" id="{E5D35BA3-434A-6117-BE74-3075BFFBA2B4}"/>
+              </a:ext>
+            </a:extLst>
+          </p:cNvPr>
+          <p:cNvPicPr>
+            <a:picLocks noChangeAspect="1"/>
+          </p:cNvPicPr>
+          <p:nvPr/>
+        </p:nvPicPr>
+        <p:blipFill>
+          <a:blip r:embed="rId2"/>
+          <a:stretch>
+            <a:fillRect/>
+          </a:stretch>
+        </p:blipFill>
+        <p:spPr>
+          <a:xfrm>
+            <a:off x="5807968" y="1219017"/>
+            <a:ext cx="6123059" cy="5606404"/>
+          </a:xfrm>
+          <a:prstGeom prst="rect">
+            <a:avLst/>
+          </a:prstGeom>
+        </p:spPr>
+      </p:pic>
+    </p:spTree>
+    <p:extLst>
+      <p:ext uri="{BB962C8B-B14F-4D97-AF65-F5344CB8AC3E}">
+        <p14:creationId xmlns:p14="http://schemas.microsoft.com/office/powerpoint/2010/main" val="1429348872"/>
+      </p:ext>
+    </p:extLst>
+  </p:cSld>
+  <p:clrMapOvr>
+    <a:masterClrMapping/>
+  </p:clrMapOvr>
+</p:sld>
+</file>
+
+<file path=ppt/slides/slide26.xml><?xml version="1.0" encoding="utf-8"?>
+<p:sld xmlns:a="http://schemas.openxmlformats.org/drawingml/2006/main" xmlns:r="http://schemas.openxmlformats.org/officeDocument/2006/relationships" xmlns:p="http://schemas.openxmlformats.org/presentationml/2006/main">
+  <p:cSld>
+    <p:spTree>
+      <p:nvGrpSpPr>
+        <p:cNvPr id="1" name="">
+          <a:extLst>
+            <a:ext uri="{FF2B5EF4-FFF2-40B4-BE49-F238E27FC236}">
+              <a16:creationId xmlns:a16="http://schemas.microsoft.com/office/drawing/2014/main" id="{DF5E6E45-871F-DCC6-689B-2DC0C560CB83}"/>
+            </a:ext>
+          </a:extLst>
+        </p:cNvPr>
+        <p:cNvGrpSpPr/>
+        <p:nvPr/>
+      </p:nvGrpSpPr>
+      <p:grpSpPr>
+        <a:xfrm>
+          <a:off x="0" y="0"/>
+          <a:ext cx="0" cy="0"/>
+          <a:chOff x="0" y="0"/>
+          <a:chExt cx="0" cy="0"/>
+        </a:xfrm>
+      </p:grpSpPr>
+      <p:sp>
+        <p:nvSpPr>
+          <p:cNvPr id="2" name="Title 1">
+            <a:extLst>
+              <a:ext uri="{FF2B5EF4-FFF2-40B4-BE49-F238E27FC236}">
+                <a16:creationId xmlns:a16="http://schemas.microsoft.com/office/drawing/2014/main" id="{B2D3F5BF-CC9A-749E-5EB4-B9F50C015910}"/>
+              </a:ext>
+            </a:extLst>
+          </p:cNvPr>
+          <p:cNvSpPr>
+            <a:spLocks noGrp="1"/>
+          </p:cNvSpPr>
+          <p:nvPr>
+            <p:ph type="title"/>
+          </p:nvPr>
+        </p:nvSpPr>
+        <p:spPr>
+          <a:xfrm>
+            <a:off x="911424" y="404664"/>
+            <a:ext cx="10515600" cy="1325563"/>
+          </a:xfrm>
+        </p:spPr>
+        <p:txBody>
+          <a:bodyPr/>
+          <a:lstStyle/>
+          <a:p>
+            <a:r>
+              <a:rPr lang="en-GB" dirty="0">
+                <a:ea typeface="Cambria" panose="02040503050406030204" pitchFamily="18" charset="0"/>
+              </a:rPr>
+              <a:t>Exploratory Data Analysis (EDA)</a:t>
+            </a:r>
+          </a:p>
+        </p:txBody>
+      </p:sp>
+      <p:sp>
+        <p:nvSpPr>
+          <p:cNvPr id="3" name="Content Placeholder 2">
+            <a:extLst>
+              <a:ext uri="{FF2B5EF4-FFF2-40B4-BE49-F238E27FC236}">
+                <a16:creationId xmlns:a16="http://schemas.microsoft.com/office/drawing/2014/main" id="{93949433-DC4A-4B61-882A-E470E9409027}"/>
+              </a:ext>
+            </a:extLst>
+          </p:cNvPr>
+          <p:cNvSpPr>
+            <a:spLocks noGrp="1"/>
+          </p:cNvSpPr>
+          <p:nvPr>
+            <p:ph idx="1"/>
+          </p:nvPr>
+        </p:nvSpPr>
+        <p:spPr>
+          <a:xfrm>
+            <a:off x="764976" y="1772816"/>
+            <a:ext cx="5187008" cy="4351338"/>
+          </a:xfrm>
+        </p:spPr>
+        <p:txBody>
+          <a:bodyPr>
+            <a:normAutofit fontScale="77500" lnSpcReduction="20000"/>
+          </a:bodyPr>
+          <a:lstStyle/>
+          <a:p>
+            <a:r>
+              <a:rPr lang="en-GB" dirty="0"/>
+              <a:t>Correlation Analysis and Principal Component Analysis (PCA)</a:t>
+            </a:r>
+          </a:p>
+          <a:p>
+            <a:endParaRPr lang="en-GB" dirty="0"/>
+          </a:p>
+          <a:p>
+            <a:r>
+              <a:rPr lang="en-GB" dirty="0"/>
+              <a:t>Redundancy in 6 input features (high correlation)</a:t>
+            </a:r>
+          </a:p>
+          <a:p>
+            <a:r>
+              <a:rPr lang="en-GB" dirty="0"/>
+              <a:t>Significant correlation between </a:t>
+            </a:r>
+            <a:r>
+              <a:rPr lang="en-GB" dirty="0" err="1"/>
+              <a:t>sacral_slope</a:t>
+            </a:r>
+            <a:r>
+              <a:rPr lang="en-GB" dirty="0"/>
+              <a:t>, </a:t>
+            </a:r>
+            <a:r>
+              <a:rPr lang="en-GB" dirty="0" err="1"/>
+              <a:t>lumbar_lordosis_angle</a:t>
+            </a:r>
+            <a:r>
+              <a:rPr lang="en-GB" dirty="0"/>
+              <a:t> and </a:t>
+            </a:r>
+            <a:r>
+              <a:rPr lang="en-GB" dirty="0" err="1"/>
+              <a:t>pelvic_incidence</a:t>
+            </a:r>
+            <a:r>
+              <a:rPr lang="en-GB" dirty="0"/>
+              <a:t>.</a:t>
+            </a:r>
+          </a:p>
+          <a:p>
+            <a:r>
+              <a:rPr lang="en-GB" dirty="0"/>
+              <a:t>It was discovered that </a:t>
+            </a:r>
+            <a:r>
+              <a:rPr lang="en-GB" dirty="0" err="1"/>
+              <a:t>Pelivc</a:t>
+            </a:r>
+            <a:r>
+              <a:rPr lang="en-GB" dirty="0"/>
+              <a:t> Incidence = </a:t>
+            </a:r>
+            <a:r>
+              <a:rPr lang="en-GB" dirty="0" err="1"/>
+              <a:t>pelivic</a:t>
+            </a:r>
+            <a:r>
+              <a:rPr lang="en-GB" dirty="0"/>
+              <a:t> tilt + sacral slope</a:t>
+            </a:r>
+          </a:p>
+          <a:p>
+            <a:r>
+              <a:rPr lang="en-GB" dirty="0"/>
+              <a:t>Therefore pelvic tilt and sacral slope can be dropped as features, as their information is contained in pelvic incidence </a:t>
+            </a:r>
+          </a:p>
+        </p:txBody>
+      </p:sp>
+      <p:pic>
+        <p:nvPicPr>
+          <p:cNvPr id="15" name="Picture 14">
+            <a:extLst>
+              <a:ext uri="{FF2B5EF4-FFF2-40B4-BE49-F238E27FC236}">
+                <a16:creationId xmlns:a16="http://schemas.microsoft.com/office/drawing/2014/main" id="{F103AFFC-DAB9-5301-4AE4-C9C95E499BC0}"/>
+              </a:ext>
+            </a:extLst>
+          </p:cNvPr>
+          <p:cNvPicPr>
+            <a:picLocks noChangeAspect="1"/>
+          </p:cNvPicPr>
+          <p:nvPr/>
+        </p:nvPicPr>
+        <p:blipFill>
+          <a:blip r:embed="rId2"/>
+          <a:stretch>
+            <a:fillRect/>
+          </a:stretch>
+        </p:blipFill>
+        <p:spPr>
+          <a:xfrm>
+            <a:off x="5807968" y="1219017"/>
+            <a:ext cx="6123059" cy="5606404"/>
+          </a:xfrm>
+          <a:prstGeom prst="rect">
+            <a:avLst/>
+          </a:prstGeom>
+        </p:spPr>
+      </p:pic>
+    </p:spTree>
+    <p:extLst>
+      <p:ext uri="{BB962C8B-B14F-4D97-AF65-F5344CB8AC3E}">
+        <p14:creationId xmlns:p14="http://schemas.microsoft.com/office/powerpoint/2010/main" val="1218895606"/>
+      </p:ext>
+    </p:extLst>
+  </p:cSld>
+  <p:clrMapOvr>
+    <a:masterClrMapping/>
+  </p:clrMapOvr>
+</p:sld>
+</file>
+
+<file path=ppt/slides/slide27.xml><?xml version="1.0" encoding="utf-8"?>
+<p:sld xmlns:a="http://schemas.openxmlformats.org/drawingml/2006/main" xmlns:r="http://schemas.openxmlformats.org/officeDocument/2006/relationships" xmlns:p="http://schemas.openxmlformats.org/presentationml/2006/main">
+  <p:cSld>
+    <p:spTree>
+      <p:nvGrpSpPr>
+        <p:cNvPr id="1" name="">
+          <a:extLst>
+            <a:ext uri="{FF2B5EF4-FFF2-40B4-BE49-F238E27FC236}">
+              <a16:creationId xmlns:a16="http://schemas.microsoft.com/office/drawing/2014/main" id="{62B61E10-6BEB-0B4E-7A31-6F0219BDE359}"/>
+            </a:ext>
+          </a:extLst>
+        </p:cNvPr>
+        <p:cNvGrpSpPr/>
+        <p:nvPr/>
+      </p:nvGrpSpPr>
+      <p:grpSpPr>
+        <a:xfrm>
+          <a:off x="0" y="0"/>
+          <a:ext cx="0" cy="0"/>
+          <a:chOff x="0" y="0"/>
+          <a:chExt cx="0" cy="0"/>
+        </a:xfrm>
+      </p:grpSpPr>
+      <p:sp>
+        <p:nvSpPr>
+          <p:cNvPr id="2" name="Title 1">
+            <a:extLst>
+              <a:ext uri="{FF2B5EF4-FFF2-40B4-BE49-F238E27FC236}">
+                <a16:creationId xmlns:a16="http://schemas.microsoft.com/office/drawing/2014/main" id="{114D67F3-9F83-40F2-9984-3D706A99B225}"/>
+              </a:ext>
+            </a:extLst>
+          </p:cNvPr>
+          <p:cNvSpPr>
+            <a:spLocks noGrp="1"/>
+          </p:cNvSpPr>
+          <p:nvPr>
+            <p:ph type="title"/>
+          </p:nvPr>
+        </p:nvSpPr>
+        <p:spPr>
+          <a:xfrm>
+            <a:off x="911424" y="404664"/>
+            <a:ext cx="10515600" cy="1325563"/>
+          </a:xfrm>
+        </p:spPr>
+        <p:txBody>
+          <a:bodyPr/>
+          <a:lstStyle/>
+          <a:p>
+            <a:r>
+              <a:rPr lang="en-GB" dirty="0">
+                <a:ea typeface="Cambria" panose="02040503050406030204" pitchFamily="18" charset="0"/>
+              </a:rPr>
+              <a:t>Exploratory Data Analysis (EDA)</a:t>
+            </a:r>
+          </a:p>
+        </p:txBody>
+      </p:sp>
+      <p:sp>
+        <p:nvSpPr>
+          <p:cNvPr id="3" name="Content Placeholder 2">
+            <a:extLst>
+              <a:ext uri="{FF2B5EF4-FFF2-40B4-BE49-F238E27FC236}">
+                <a16:creationId xmlns:a16="http://schemas.microsoft.com/office/drawing/2014/main" id="{B804CFA4-3B80-D056-7F50-9D7CE90ABCAB}"/>
+              </a:ext>
+            </a:extLst>
+          </p:cNvPr>
+          <p:cNvSpPr>
+            <a:spLocks noGrp="1"/>
+          </p:cNvSpPr>
+          <p:nvPr>
+            <p:ph idx="1"/>
+          </p:nvPr>
+        </p:nvSpPr>
+        <p:spPr>
+          <a:xfrm>
+            <a:off x="764976" y="1772816"/>
+            <a:ext cx="5187008" cy="4351338"/>
+          </a:xfrm>
+        </p:spPr>
+        <p:txBody>
+          <a:bodyPr/>
+          <a:lstStyle/>
+          <a:p>
+            <a:r>
+              <a:rPr lang="en-GB" dirty="0"/>
+              <a:t>Correlation Analysis and Principal Component Analysis (PCA)</a:t>
+            </a:r>
+          </a:p>
+          <a:p>
+            <a:endParaRPr lang="en-GB" dirty="0"/>
+          </a:p>
+          <a:p>
+            <a:r>
+              <a:rPr lang="en-GB" dirty="0"/>
+              <a:t>Can we reduce the required number of input features using PCA</a:t>
+            </a:r>
+          </a:p>
+          <a:p>
+            <a:r>
+              <a:rPr lang="en-GB" dirty="0"/>
+              <a:t>3 PC’s capture over 85% of the dataset information</a:t>
+            </a:r>
+          </a:p>
+          <a:p>
+            <a:endParaRPr lang="en-GB" dirty="0"/>
+          </a:p>
+        </p:txBody>
+      </p:sp>
+      <p:pic>
+        <p:nvPicPr>
+          <p:cNvPr id="4" name="Picture 3">
+            <a:extLst>
+              <a:ext uri="{FF2B5EF4-FFF2-40B4-BE49-F238E27FC236}">
+                <a16:creationId xmlns:a16="http://schemas.microsoft.com/office/drawing/2014/main" id="{EB6EF48B-9089-E22C-CF05-7E69B0629A4B}"/>
+              </a:ext>
+            </a:extLst>
+          </p:cNvPr>
+          <p:cNvPicPr>
+            <a:picLocks noChangeAspect="1"/>
+          </p:cNvPicPr>
+          <p:nvPr/>
+        </p:nvPicPr>
+        <p:blipFill>
+          <a:blip r:embed="rId2"/>
+          <a:stretch>
+            <a:fillRect/>
+          </a:stretch>
+        </p:blipFill>
+        <p:spPr>
+          <a:xfrm>
+            <a:off x="5945140" y="1640388"/>
+            <a:ext cx="5886076" cy="4616194"/>
+          </a:xfrm>
+          <a:prstGeom prst="rect">
+            <a:avLst/>
+          </a:prstGeom>
+        </p:spPr>
+      </p:pic>
+    </p:spTree>
+    <p:extLst>
+      <p:ext uri="{BB962C8B-B14F-4D97-AF65-F5344CB8AC3E}">
+        <p14:creationId xmlns:p14="http://schemas.microsoft.com/office/powerpoint/2010/main" val="3773276853"/>
+      </p:ext>
+    </p:extLst>
+  </p:cSld>
+  <p:clrMapOvr>
+    <a:masterClrMapping/>
+  </p:clrMapOvr>
+</p:sld>
+</file>
+
+<file path=ppt/slides/slide28.xml><?xml version="1.0" encoding="utf-8"?>
+<p:sld xmlns:a="http://schemas.openxmlformats.org/drawingml/2006/main" xmlns:r="http://schemas.openxmlformats.org/officeDocument/2006/relationships" xmlns:p="http://schemas.openxmlformats.org/presentationml/2006/main">
+  <p:cSld>
+    <p:spTree>
+      <p:nvGrpSpPr>
+        <p:cNvPr id="1" name="">
+          <a:extLst>
+            <a:ext uri="{FF2B5EF4-FFF2-40B4-BE49-F238E27FC236}">
+              <a16:creationId xmlns:a16="http://schemas.microsoft.com/office/drawing/2014/main" id="{4F3FBB49-41C3-B6F0-CD45-B3C7036528EF}"/>
+            </a:ext>
+          </a:extLst>
+        </p:cNvPr>
+        <p:cNvGrpSpPr/>
+        <p:nvPr/>
+      </p:nvGrpSpPr>
+      <p:grpSpPr>
+        <a:xfrm>
+          <a:off x="0" y="0"/>
+          <a:ext cx="0" cy="0"/>
+          <a:chOff x="0" y="0"/>
+          <a:chExt cx="0" cy="0"/>
+        </a:xfrm>
+      </p:grpSpPr>
+      <p:sp>
+        <p:nvSpPr>
+          <p:cNvPr id="2" name="Title 1">
+            <a:extLst>
+              <a:ext uri="{FF2B5EF4-FFF2-40B4-BE49-F238E27FC236}">
+                <a16:creationId xmlns:a16="http://schemas.microsoft.com/office/drawing/2014/main" id="{025FC074-7ED2-6909-2310-23A8D668241B}"/>
+              </a:ext>
+            </a:extLst>
+          </p:cNvPr>
+          <p:cNvSpPr>
+            <a:spLocks noGrp="1"/>
+          </p:cNvSpPr>
+          <p:nvPr>
+            <p:ph type="title"/>
+          </p:nvPr>
+        </p:nvSpPr>
+        <p:spPr>
+          <a:xfrm>
+            <a:off x="911424" y="404664"/>
+            <a:ext cx="10515600" cy="1325563"/>
+          </a:xfrm>
+        </p:spPr>
+        <p:txBody>
+          <a:bodyPr/>
+          <a:lstStyle/>
+          <a:p>
+            <a:r>
+              <a:rPr lang="en-GB" dirty="0">
+                <a:ea typeface="Cambria" panose="02040503050406030204" pitchFamily="18" charset="0"/>
+              </a:rPr>
+              <a:t>Exploratory Data Analysis (EDA)</a:t>
+            </a:r>
+          </a:p>
+        </p:txBody>
+      </p:sp>
+      <p:sp>
+        <p:nvSpPr>
+          <p:cNvPr id="3" name="Content Placeholder 2">
+            <a:extLst>
+              <a:ext uri="{FF2B5EF4-FFF2-40B4-BE49-F238E27FC236}">
+                <a16:creationId xmlns:a16="http://schemas.microsoft.com/office/drawing/2014/main" id="{716B8ABD-E9C8-7348-66EC-CAACB21A6775}"/>
+              </a:ext>
+            </a:extLst>
+          </p:cNvPr>
+          <p:cNvSpPr>
+            <a:spLocks noGrp="1"/>
+          </p:cNvSpPr>
+          <p:nvPr>
+            <p:ph idx="1"/>
+          </p:nvPr>
+        </p:nvSpPr>
+        <p:spPr>
+          <a:xfrm>
+            <a:off x="764976" y="1772816"/>
+            <a:ext cx="5187008" cy="4351338"/>
+          </a:xfrm>
+        </p:spPr>
+        <p:txBody>
+          <a:bodyPr>
+            <a:normAutofit fontScale="85000" lnSpcReduction="10000"/>
+          </a:bodyPr>
+          <a:lstStyle/>
+          <a:p>
+            <a:r>
+              <a:rPr lang="en-GB" dirty="0"/>
+              <a:t>Correlation Analysis and Principal Component Analysis (PCA)</a:t>
+            </a:r>
+          </a:p>
+          <a:p>
+            <a:endParaRPr lang="en-GB" dirty="0"/>
+          </a:p>
+          <a:p>
+            <a:r>
+              <a:rPr lang="en-GB" dirty="0"/>
+              <a:t>Using the first three Principal components, the dataset was modelled in 3 dimensions</a:t>
+            </a:r>
+          </a:p>
+          <a:p>
+            <a:r>
+              <a:rPr lang="en-GB" dirty="0"/>
+              <a:t>For the standard challenge, it is possible to see the central cluster of normal spinal classifications</a:t>
+            </a:r>
+          </a:p>
+          <a:p>
+            <a:r>
+              <a:rPr lang="en-GB" dirty="0"/>
+              <a:t>Abnormalities in spinal classifications radiate out from this central cluster</a:t>
+            </a:r>
+          </a:p>
+          <a:p>
+            <a:endParaRPr lang="en-GB" dirty="0"/>
+          </a:p>
+        </p:txBody>
+      </p:sp>
+      <p:pic>
+        <p:nvPicPr>
+          <p:cNvPr id="6" name="Picture 5">
+            <a:extLst>
+              <a:ext uri="{FF2B5EF4-FFF2-40B4-BE49-F238E27FC236}">
+                <a16:creationId xmlns:a16="http://schemas.microsoft.com/office/drawing/2014/main" id="{DB4F2EC8-8E6F-E3C4-F523-E488E2A92006}"/>
+              </a:ext>
+            </a:extLst>
+          </p:cNvPr>
+          <p:cNvPicPr>
+            <a:picLocks noChangeAspect="1"/>
+          </p:cNvPicPr>
+          <p:nvPr/>
+        </p:nvPicPr>
+        <p:blipFill>
+          <a:blip r:embed="rId2"/>
+          <a:stretch>
+            <a:fillRect/>
+          </a:stretch>
+        </p:blipFill>
+        <p:spPr>
+          <a:xfrm>
+            <a:off x="6528048" y="1412776"/>
+            <a:ext cx="5160616" cy="5268783"/>
+          </a:xfrm>
+          <a:prstGeom prst="rect">
+            <a:avLst/>
+          </a:prstGeom>
+        </p:spPr>
+      </p:pic>
+    </p:spTree>
+    <p:extLst>
+      <p:ext uri="{BB962C8B-B14F-4D97-AF65-F5344CB8AC3E}">
+        <p14:creationId xmlns:p14="http://schemas.microsoft.com/office/powerpoint/2010/main" val="2678980544"/>
+      </p:ext>
+    </p:extLst>
+  </p:cSld>
+  <p:clrMapOvr>
+    <a:masterClrMapping/>
+  </p:clrMapOvr>
+</p:sld>
+</file>
+
+<file path=ppt/slides/slide29.xml><?xml version="1.0" encoding="utf-8"?>
+<p:sld xmlns:a="http://schemas.openxmlformats.org/drawingml/2006/main" xmlns:r="http://schemas.openxmlformats.org/officeDocument/2006/relationships" xmlns:p="http://schemas.openxmlformats.org/presentationml/2006/main">
+  <p:cSld>
+    <p:spTree>
+      <p:nvGrpSpPr>
+        <p:cNvPr id="1" name="">
+          <a:extLst>
+            <a:ext uri="{FF2B5EF4-FFF2-40B4-BE49-F238E27FC236}">
+              <a16:creationId xmlns:a16="http://schemas.microsoft.com/office/drawing/2014/main" id="{B6C274B8-535E-CF8E-8CC9-11C1BFFD6F30}"/>
+            </a:ext>
+          </a:extLst>
+        </p:cNvPr>
+        <p:cNvGrpSpPr/>
+        <p:nvPr/>
+      </p:nvGrpSpPr>
+      <p:grpSpPr>
+        <a:xfrm>
+          <a:off x="0" y="0"/>
+          <a:ext cx="0" cy="0"/>
+          <a:chOff x="0" y="0"/>
+          <a:chExt cx="0" cy="0"/>
+        </a:xfrm>
+      </p:grpSpPr>
+      <p:sp>
+        <p:nvSpPr>
+          <p:cNvPr id="2" name="Title 1">
+            <a:extLst>
+              <a:ext uri="{FF2B5EF4-FFF2-40B4-BE49-F238E27FC236}">
+                <a16:creationId xmlns:a16="http://schemas.microsoft.com/office/drawing/2014/main" id="{3393EDD9-F886-5915-99D8-6E455B93438D}"/>
+              </a:ext>
+            </a:extLst>
+          </p:cNvPr>
+          <p:cNvSpPr>
+            <a:spLocks noGrp="1"/>
+          </p:cNvSpPr>
+          <p:nvPr>
+            <p:ph type="title"/>
+          </p:nvPr>
+        </p:nvSpPr>
+        <p:spPr>
+          <a:xfrm>
+            <a:off x="911424" y="404664"/>
+            <a:ext cx="10515600" cy="1325563"/>
+          </a:xfrm>
+        </p:spPr>
+        <p:txBody>
+          <a:bodyPr/>
+          <a:lstStyle/>
+          <a:p>
+            <a:r>
+              <a:rPr lang="en-GB" dirty="0">
+                <a:ea typeface="Cambria" panose="02040503050406030204" pitchFamily="18" charset="0"/>
+              </a:rPr>
+              <a:t>Exploratory Data Analysis (EDA)</a:t>
+            </a:r>
+          </a:p>
+        </p:txBody>
+      </p:sp>
+      <p:pic>
+        <p:nvPicPr>
+          <p:cNvPr id="4" name="Picture 3">
+            <a:extLst>
+              <a:ext uri="{FF2B5EF4-FFF2-40B4-BE49-F238E27FC236}">
+                <a16:creationId xmlns:a16="http://schemas.microsoft.com/office/drawing/2014/main" id="{AD9C5D2D-13F5-9A07-04BE-BAF7568F01C5}"/>
+              </a:ext>
+            </a:extLst>
+          </p:cNvPr>
+          <p:cNvPicPr>
+            <a:picLocks noChangeAspect="1"/>
+          </p:cNvPicPr>
+          <p:nvPr/>
+        </p:nvPicPr>
+        <p:blipFill>
+          <a:blip r:embed="rId2"/>
+          <a:stretch>
+            <a:fillRect/>
+          </a:stretch>
+        </p:blipFill>
+        <p:spPr>
+          <a:xfrm>
+            <a:off x="6528048" y="1412776"/>
+            <a:ext cx="5187008" cy="5295728"/>
+          </a:xfrm>
+          <a:prstGeom prst="rect">
+            <a:avLst/>
+          </a:prstGeom>
+        </p:spPr>
+      </p:pic>
+      <p:sp>
+        <p:nvSpPr>
+          <p:cNvPr id="7" name="Content Placeholder 2">
+            <a:extLst>
+              <a:ext uri="{FF2B5EF4-FFF2-40B4-BE49-F238E27FC236}">
+                <a16:creationId xmlns:a16="http://schemas.microsoft.com/office/drawing/2014/main" id="{3E87A68D-19AB-D54C-2FA5-EAFD04BF7EBE}"/>
+              </a:ext>
+            </a:extLst>
+          </p:cNvPr>
+          <p:cNvSpPr txBox="1">
+            <a:spLocks/>
+          </p:cNvSpPr>
+          <p:nvPr/>
+        </p:nvSpPr>
+        <p:spPr>
+          <a:xfrm>
+            <a:off x="767408" y="1772816"/>
+            <a:ext cx="5187008" cy="4351338"/>
+          </a:xfrm>
+          <a:prstGeom prst="rect">
+            <a:avLst/>
+          </a:prstGeom>
+        </p:spPr>
+        <p:txBody>
+          <a:bodyPr vert="horz" lIns="91440" tIns="45720" rIns="91440" bIns="45720" rtlCol="0">
+            <a:normAutofit fontScale="92500" lnSpcReduction="10000"/>
+          </a:bodyPr>
+          <a:lstStyle>
+            <a:lvl1pPr marL="228600" indent="-228600" algn="l" defTabSz="914400" rtl="0" eaLnBrk="1" latinLnBrk="0" hangingPunct="1">
+              <a:lnSpc>
+                <a:spcPct val="90000"/>
+              </a:lnSpc>
+              <a:spcBef>
+                <a:spcPts val="1000"/>
+              </a:spcBef>
+              <a:buFont typeface="Arial" panose="020B0604020202020204" pitchFamily="34" charset="0"/>
+              <a:buChar char="•"/>
+              <a:defRPr sz="2800" kern="1200">
+                <a:solidFill>
+                  <a:schemeClr val="tx1"/>
+                </a:solidFill>
+                <a:latin typeface="+mn-lt"/>
+                <a:ea typeface="+mn-ea"/>
+                <a:cs typeface="+mn-cs"/>
+              </a:defRPr>
+            </a:lvl1pPr>
+            <a:lvl2pPr marL="685800" indent="-228600" algn="l" defTabSz="914400" rtl="0" eaLnBrk="1" latinLnBrk="0" hangingPunct="1">
+              <a:lnSpc>
+                <a:spcPct val="90000"/>
+              </a:lnSpc>
+              <a:spcBef>
+                <a:spcPts val="500"/>
+              </a:spcBef>
+              <a:buFont typeface="Arial" panose="020B0604020202020204" pitchFamily="34" charset="0"/>
+              <a:buChar char="•"/>
+              <a:defRPr sz="2400" kern="1200">
+                <a:solidFill>
+                  <a:schemeClr val="tx1"/>
+                </a:solidFill>
+                <a:latin typeface="+mn-lt"/>
+                <a:ea typeface="+mn-ea"/>
+                <a:cs typeface="+mn-cs"/>
+              </a:defRPr>
+            </a:lvl2pPr>
+            <a:lvl3pPr marL="1143000" indent="-228600" algn="l" defTabSz="914400" rtl="0" eaLnBrk="1" latinLnBrk="0" hangingPunct="1">
+              <a:lnSpc>
+                <a:spcPct val="90000"/>
+              </a:lnSpc>
+              <a:spcBef>
+                <a:spcPts val="500"/>
+              </a:spcBef>
+              <a:buFont typeface="Arial" panose="020B0604020202020204" pitchFamily="34" charset="0"/>
+              <a:buChar char="•"/>
+              <a:defRPr sz="2000" kern="1200">
+                <a:solidFill>
+                  <a:schemeClr val="tx1"/>
+                </a:solidFill>
+                <a:latin typeface="+mn-lt"/>
+                <a:ea typeface="+mn-ea"/>
+                <a:cs typeface="+mn-cs"/>
+              </a:defRPr>
+            </a:lvl3pPr>
+            <a:lvl4pPr marL="1600200" indent="-228600" algn="l" defTabSz="914400" rtl="0" eaLnBrk="1" latinLnBrk="0" hangingPunct="1">
+              <a:lnSpc>
+                <a:spcPct val="90000"/>
+              </a:lnSpc>
+              <a:spcBef>
+                <a:spcPts val="500"/>
+              </a:spcBef>
+              <a:buFont typeface="Arial" panose="020B0604020202020204" pitchFamily="34" charset="0"/>
+              <a:buChar char="•"/>
+              <a:defRPr sz="1800" kern="1200">
+                <a:solidFill>
+                  <a:schemeClr val="tx1"/>
+                </a:solidFill>
+                <a:latin typeface="+mn-lt"/>
+                <a:ea typeface="+mn-ea"/>
+                <a:cs typeface="+mn-cs"/>
+              </a:defRPr>
+            </a:lvl4pPr>
+            <a:lvl5pPr marL="2057400" indent="-228600" algn="l" defTabSz="914400" rtl="0" eaLnBrk="1" latinLnBrk="0" hangingPunct="1">
+              <a:lnSpc>
+                <a:spcPct val="90000"/>
+              </a:lnSpc>
+              <a:spcBef>
+                <a:spcPts val="500"/>
+              </a:spcBef>
+              <a:buFont typeface="Arial" panose="020B0604020202020204" pitchFamily="34" charset="0"/>
+              <a:buChar char="•"/>
+              <a:defRPr sz="1800" kern="1200">
+                <a:solidFill>
+                  <a:schemeClr val="tx1"/>
+                </a:solidFill>
+                <a:latin typeface="+mn-lt"/>
+                <a:ea typeface="+mn-ea"/>
+                <a:cs typeface="+mn-cs"/>
+              </a:defRPr>
+            </a:lvl5pPr>
+            <a:lvl6pPr marL="2514600" indent="-228600" algn="l" defTabSz="914400" rtl="0" eaLnBrk="1" latinLnBrk="0" hangingPunct="1">
+              <a:lnSpc>
+                <a:spcPct val="90000"/>
+              </a:lnSpc>
+              <a:spcBef>
+                <a:spcPts val="500"/>
+              </a:spcBef>
+              <a:buFont typeface="Arial" panose="020B0604020202020204" pitchFamily="34" charset="0"/>
+              <a:buChar char="•"/>
+              <a:defRPr sz="1800" kern="1200">
+                <a:solidFill>
+                  <a:schemeClr val="tx1"/>
+                </a:solidFill>
+                <a:latin typeface="+mn-lt"/>
+                <a:ea typeface="+mn-ea"/>
+                <a:cs typeface="+mn-cs"/>
+              </a:defRPr>
+            </a:lvl6pPr>
+            <a:lvl7pPr marL="2971800" indent="-228600" algn="l" defTabSz="914400" rtl="0" eaLnBrk="1" latinLnBrk="0" hangingPunct="1">
+              <a:lnSpc>
+                <a:spcPct val="90000"/>
+              </a:lnSpc>
+              <a:spcBef>
+                <a:spcPts val="500"/>
+              </a:spcBef>
+              <a:buFont typeface="Arial" panose="020B0604020202020204" pitchFamily="34" charset="0"/>
+              <a:buChar char="•"/>
+              <a:defRPr sz="1800" kern="1200">
+                <a:solidFill>
+                  <a:schemeClr val="tx1"/>
+                </a:solidFill>
+                <a:latin typeface="+mn-lt"/>
+                <a:ea typeface="+mn-ea"/>
+                <a:cs typeface="+mn-cs"/>
+              </a:defRPr>
+            </a:lvl7pPr>
+            <a:lvl8pPr marL="3429000" indent="-228600" algn="l" defTabSz="914400" rtl="0" eaLnBrk="1" latinLnBrk="0" hangingPunct="1">
+              <a:lnSpc>
+                <a:spcPct val="90000"/>
+              </a:lnSpc>
+              <a:spcBef>
+                <a:spcPts val="500"/>
+              </a:spcBef>
+              <a:buFont typeface="Arial" panose="020B0604020202020204" pitchFamily="34" charset="0"/>
+              <a:buChar char="•"/>
+              <a:defRPr sz="1800" kern="1200">
+                <a:solidFill>
+                  <a:schemeClr val="tx1"/>
+                </a:solidFill>
+                <a:latin typeface="+mn-lt"/>
+                <a:ea typeface="+mn-ea"/>
+                <a:cs typeface="+mn-cs"/>
+              </a:defRPr>
+            </a:lvl8pPr>
+            <a:lvl9pPr marL="3886200" indent="-228600" algn="l" defTabSz="914400" rtl="0" eaLnBrk="1" latinLnBrk="0" hangingPunct="1">
+              <a:lnSpc>
+                <a:spcPct val="90000"/>
+              </a:lnSpc>
+              <a:spcBef>
+                <a:spcPts val="500"/>
+              </a:spcBef>
+              <a:buFont typeface="Arial" panose="020B0604020202020204" pitchFamily="34" charset="0"/>
+              <a:buChar char="•"/>
+              <a:defRPr sz="1800" kern="1200">
+                <a:solidFill>
+                  <a:schemeClr val="tx1"/>
+                </a:solidFill>
+                <a:latin typeface="+mn-lt"/>
+                <a:ea typeface="+mn-ea"/>
+                <a:cs typeface="+mn-cs"/>
+              </a:defRPr>
+            </a:lvl9pPr>
+          </a:lstStyle>
+          <a:p>
+            <a:r>
+              <a:rPr lang="en-GB" sz="2600" dirty="0"/>
+              <a:t>Correlation Analysis and Principal Component Analysis (PCA)</a:t>
+            </a:r>
+          </a:p>
+          <a:p>
+            <a:endParaRPr lang="en-GB" sz="2600" dirty="0"/>
+          </a:p>
+          <a:p>
+            <a:r>
+              <a:rPr lang="en-GB" sz="2600" dirty="0"/>
+              <a:t>Using the first three Principal components, the dataset was modelled in 3 dimensions</a:t>
+            </a:r>
+          </a:p>
+          <a:p>
+            <a:r>
+              <a:rPr lang="en-GB" sz="2600" dirty="0"/>
+              <a:t>The central cluster of normal behaviour is still visible in the bonus challenge</a:t>
+            </a:r>
+          </a:p>
+          <a:p>
+            <a:r>
+              <a:rPr lang="en-GB" sz="2600" dirty="0"/>
+              <a:t>The separation between “hernia” and “spondylolisthesis” classifications is less prominent  </a:t>
+            </a:r>
+          </a:p>
+          <a:p>
+            <a:endParaRPr lang="en-GB" dirty="0"/>
+          </a:p>
+        </p:txBody>
+      </p:sp>
+    </p:spTree>
+    <p:extLst>
+      <p:ext uri="{BB962C8B-B14F-4D97-AF65-F5344CB8AC3E}">
+        <p14:creationId xmlns:p14="http://schemas.microsoft.com/office/powerpoint/2010/main" val="2051152109"/>
+      </p:ext>
+    </p:extLst>
+  </p:cSld>
+  <p:clrMapOvr>
+    <a:masterClrMapping/>
+  </p:clrMapOvr>
+</p:sld>
+</file>
+
 <file path=ppt/slides/slide3.xml><?xml version="1.0" encoding="utf-8"?>
 <p:sld xmlns:a="http://schemas.openxmlformats.org/drawingml/2006/main" xmlns:r="http://schemas.openxmlformats.org/officeDocument/2006/relationships" xmlns:p="http://schemas.openxmlformats.org/presentationml/2006/main">
   <p:cSld>
@@ -6390,8 +10945,8 @@
         </p:nvSpPr>
         <p:spPr>
           <a:xfrm>
-            <a:off x="979612" y="5602150"/>
-            <a:ext cx="9811888" cy="823912"/>
+            <a:off x="1487488" y="5539729"/>
+            <a:ext cx="10515600" cy="823912"/>
           </a:xfrm>
           <a:prstGeom prst="rect">
             <a:avLst/>
@@ -6566,29 +11121,69 @@
             </a:lvl9pPr>
           </a:lstStyle>
           <a:p>
-            <a:pPr marL="0" indent="0" algn="ctr">
+            <a:pPr marL="0" indent="0">
               <a:buNone/>
             </a:pPr>
             <a:r>
-              <a:rPr lang="en-GB" sz="1400" dirty="0"/>
+              <a:rPr lang="en-GB" sz="1400" dirty="0">
+                <a:solidFill>
+                  <a:schemeClr val="tx1">
+                    <a:lumMod val="95000"/>
+                    <a:lumOff val="5000"/>
+                  </a:schemeClr>
+                </a:solidFill>
+              </a:rPr>
               <a:t>All the code, setup instructions and hackathon resources referenced in this submission can be found in our project GitHub repository, available at : </a:t>
             </a:r>
             <a:r>
               <a:rPr lang="en-GB" sz="1400" dirty="0">
-                <a:hlinkClick r:id="rId2"/>
+                <a:solidFill>
+                  <a:schemeClr val="tx1">
+                    <a:lumMod val="95000"/>
+                    <a:lumOff val="5000"/>
+                  </a:schemeClr>
+                </a:solidFill>
+                <a:hlinkClick r:id="rId2">
+                  <a:extLst>
+                    <a:ext uri="{A12FA001-AC4F-418D-AE19-62706E023703}">
+                      <ahyp:hlinkClr xmlns:ahyp="http://schemas.microsoft.com/office/drawing/2018/hyperlinkcolor" val="tx"/>
+                    </a:ext>
+                  </a:extLst>
+                </a:hlinkClick>
               </a:rPr>
               <a:t>https://github.com/yusiGM/StrykerAI2024</a:t>
             </a:r>
             <a:r>
-              <a:rPr lang="en-GB" sz="1400" dirty="0"/>
+              <a:rPr lang="en-GB" sz="1400" dirty="0">
+                <a:solidFill>
+                  <a:schemeClr val="tx1">
+                    <a:lumMod val="95000"/>
+                    <a:lumOff val="5000"/>
+                  </a:schemeClr>
+                </a:solidFill>
+              </a:rPr>
               <a:t>. This slide in combination with the ‘requirements.txt’ file target the “Environment Information” deliverable. The “Model and Inference Code deliverable” is addressed by the ‘</a:t>
             </a:r>
             <a:r>
-              <a:rPr lang="en-GB" sz="1400" dirty="0" err="1"/>
+              <a:rPr lang="en-GB" sz="1400" dirty="0" err="1">
+                <a:solidFill>
+                  <a:schemeClr val="tx1">
+                    <a:lumMod val="95000"/>
+                    <a:lumOff val="5000"/>
+                  </a:schemeClr>
+                </a:solidFill>
+              </a:rPr>
               <a:t>Stryker_AI_Hackathon_notebook.ipynb</a:t>
             </a:r>
             <a:r>
-              <a:rPr lang="en-GB" sz="1400" dirty="0"/>
+              <a:rPr lang="en-GB" sz="1400" dirty="0">
+                <a:solidFill>
+                  <a:schemeClr val="tx1">
+                    <a:lumMod val="95000"/>
+                    <a:lumOff val="5000"/>
+                  </a:schemeClr>
+                </a:solidFill>
+              </a:rPr>
               <a:t>’ file. </a:t>
             </a:r>
           </a:p>
@@ -6598,6 +11193,1384 @@
     <p:extLst>
       <p:ext uri="{BB962C8B-B14F-4D97-AF65-F5344CB8AC3E}">
         <p14:creationId xmlns:p14="http://schemas.microsoft.com/office/powerpoint/2010/main" val="4123013645"/>
+      </p:ext>
+    </p:extLst>
+  </p:cSld>
+  <p:clrMapOvr>
+    <a:masterClrMapping/>
+  </p:clrMapOvr>
+</p:sld>
+</file>
+
+<file path=ppt/slides/slide30.xml><?xml version="1.0" encoding="utf-8"?>
+<p:sld xmlns:a="http://schemas.openxmlformats.org/drawingml/2006/main" xmlns:r="http://schemas.openxmlformats.org/officeDocument/2006/relationships" xmlns:p="http://schemas.openxmlformats.org/presentationml/2006/main">
+  <p:cSld>
+    <p:spTree>
+      <p:nvGrpSpPr>
+        <p:cNvPr id="1" name="">
+          <a:extLst>
+            <a:ext uri="{FF2B5EF4-FFF2-40B4-BE49-F238E27FC236}">
+              <a16:creationId xmlns:a16="http://schemas.microsoft.com/office/drawing/2014/main" id="{3D34523C-35B7-2F4B-1915-180A19E5B564}"/>
+            </a:ext>
+          </a:extLst>
+        </p:cNvPr>
+        <p:cNvGrpSpPr/>
+        <p:nvPr/>
+      </p:nvGrpSpPr>
+      <p:grpSpPr>
+        <a:xfrm>
+          <a:off x="0" y="0"/>
+          <a:ext cx="0" cy="0"/>
+          <a:chOff x="0" y="0"/>
+          <a:chExt cx="0" cy="0"/>
+        </a:xfrm>
+      </p:grpSpPr>
+      <p:sp>
+        <p:nvSpPr>
+          <p:cNvPr id="2" name="Title 1">
+            <a:extLst>
+              <a:ext uri="{FF2B5EF4-FFF2-40B4-BE49-F238E27FC236}">
+                <a16:creationId xmlns:a16="http://schemas.microsoft.com/office/drawing/2014/main" id="{8E7815A1-15A6-765F-0DDD-CA2D67B92664}"/>
+              </a:ext>
+            </a:extLst>
+          </p:cNvPr>
+          <p:cNvSpPr>
+            <a:spLocks noGrp="1"/>
+          </p:cNvSpPr>
+          <p:nvPr>
+            <p:ph type="title"/>
+          </p:nvPr>
+        </p:nvSpPr>
+        <p:spPr>
+          <a:xfrm>
+            <a:off x="911424" y="404664"/>
+            <a:ext cx="10515600" cy="1325563"/>
+          </a:xfrm>
+        </p:spPr>
+        <p:txBody>
+          <a:bodyPr/>
+          <a:lstStyle/>
+          <a:p>
+            <a:r>
+              <a:rPr lang="en-GB" dirty="0">
+                <a:ea typeface="Cambria" panose="02040503050406030204" pitchFamily="18" charset="0"/>
+              </a:rPr>
+              <a:t>Exploratory Data Analysis (EDA)</a:t>
+            </a:r>
+          </a:p>
+        </p:txBody>
+      </p:sp>
+      <p:sp>
+        <p:nvSpPr>
+          <p:cNvPr id="3" name="Content Placeholder 2">
+            <a:extLst>
+              <a:ext uri="{FF2B5EF4-FFF2-40B4-BE49-F238E27FC236}">
+                <a16:creationId xmlns:a16="http://schemas.microsoft.com/office/drawing/2014/main" id="{9BD0009F-EFBF-C5A2-34C3-ACC20AA49D14}"/>
+              </a:ext>
+            </a:extLst>
+          </p:cNvPr>
+          <p:cNvSpPr>
+            <a:spLocks noGrp="1"/>
+          </p:cNvSpPr>
+          <p:nvPr>
+            <p:ph idx="1"/>
+          </p:nvPr>
+        </p:nvSpPr>
+        <p:spPr>
+          <a:xfrm>
+            <a:off x="764976" y="1772816"/>
+            <a:ext cx="5187008" cy="4351338"/>
+          </a:xfrm>
+        </p:spPr>
+        <p:txBody>
+          <a:bodyPr>
+            <a:normAutofit/>
+          </a:bodyPr>
+          <a:lstStyle/>
+          <a:p>
+            <a:r>
+              <a:rPr lang="en-GB" dirty="0"/>
+              <a:t>Correlation Analysis and Principal Component Analysis (PCA)</a:t>
+            </a:r>
+          </a:p>
+          <a:p>
+            <a:endParaRPr lang="en-GB" dirty="0"/>
+          </a:p>
+          <a:p>
+            <a:r>
+              <a:rPr lang="en-GB" dirty="0"/>
+              <a:t>Contribution of each of the 6 features to each of the principal components</a:t>
+            </a:r>
+          </a:p>
+          <a:p>
+            <a:endParaRPr lang="en-GB" dirty="0"/>
+          </a:p>
+        </p:txBody>
+      </p:sp>
+      <p:pic>
+        <p:nvPicPr>
+          <p:cNvPr id="10" name="Picture 9">
+            <a:extLst>
+              <a:ext uri="{FF2B5EF4-FFF2-40B4-BE49-F238E27FC236}">
+                <a16:creationId xmlns:a16="http://schemas.microsoft.com/office/drawing/2014/main" id="{B6592BD9-A13C-0F74-26BE-FE1BEE901947}"/>
+              </a:ext>
+            </a:extLst>
+          </p:cNvPr>
+          <p:cNvPicPr>
+            <a:picLocks noChangeAspect="1"/>
+          </p:cNvPicPr>
+          <p:nvPr/>
+        </p:nvPicPr>
+        <p:blipFill>
+          <a:blip r:embed="rId2"/>
+          <a:stretch>
+            <a:fillRect/>
+          </a:stretch>
+        </p:blipFill>
+        <p:spPr>
+          <a:xfrm>
+            <a:off x="5682605" y="1412776"/>
+            <a:ext cx="6509395" cy="5282987"/>
+          </a:xfrm>
+          <a:prstGeom prst="rect">
+            <a:avLst/>
+          </a:prstGeom>
+        </p:spPr>
+      </p:pic>
+    </p:spTree>
+    <p:extLst>
+      <p:ext uri="{BB962C8B-B14F-4D97-AF65-F5344CB8AC3E}">
+        <p14:creationId xmlns:p14="http://schemas.microsoft.com/office/powerpoint/2010/main" val="89825630"/>
+      </p:ext>
+    </p:extLst>
+  </p:cSld>
+  <p:clrMapOvr>
+    <a:masterClrMapping/>
+  </p:clrMapOvr>
+</p:sld>
+</file>
+
+<file path=ppt/slides/slide31.xml><?xml version="1.0" encoding="utf-8"?>
+<p:sld xmlns:a="http://schemas.openxmlformats.org/drawingml/2006/main" xmlns:r="http://schemas.openxmlformats.org/officeDocument/2006/relationships" xmlns:p="http://schemas.openxmlformats.org/presentationml/2006/main">
+  <p:cSld>
+    <p:spTree>
+      <p:nvGrpSpPr>
+        <p:cNvPr id="1" name="">
+          <a:extLst>
+            <a:ext uri="{FF2B5EF4-FFF2-40B4-BE49-F238E27FC236}">
+              <a16:creationId xmlns:a16="http://schemas.microsoft.com/office/drawing/2014/main" id="{DB4A91D1-E902-5200-F253-9123B1B757B6}"/>
+            </a:ext>
+          </a:extLst>
+        </p:cNvPr>
+        <p:cNvGrpSpPr/>
+        <p:nvPr/>
+      </p:nvGrpSpPr>
+      <p:grpSpPr>
+        <a:xfrm>
+          <a:off x="0" y="0"/>
+          <a:ext cx="0" cy="0"/>
+          <a:chOff x="0" y="0"/>
+          <a:chExt cx="0" cy="0"/>
+        </a:xfrm>
+      </p:grpSpPr>
+      <p:sp>
+        <p:nvSpPr>
+          <p:cNvPr id="2" name="Title 1">
+            <a:extLst>
+              <a:ext uri="{FF2B5EF4-FFF2-40B4-BE49-F238E27FC236}">
+                <a16:creationId xmlns:a16="http://schemas.microsoft.com/office/drawing/2014/main" id="{CE9EFEEA-DF7F-F1D5-10D1-F25AEE4BC7A8}"/>
+              </a:ext>
+            </a:extLst>
+          </p:cNvPr>
+          <p:cNvSpPr>
+            <a:spLocks noGrp="1"/>
+          </p:cNvSpPr>
+          <p:nvPr>
+            <p:ph type="title"/>
+          </p:nvPr>
+        </p:nvSpPr>
+        <p:spPr>
+          <a:xfrm>
+            <a:off x="911424" y="404664"/>
+            <a:ext cx="10515600" cy="1325563"/>
+          </a:xfrm>
+        </p:spPr>
+        <p:txBody>
+          <a:bodyPr/>
+          <a:lstStyle/>
+          <a:p>
+            <a:r>
+              <a:rPr lang="en-GB" dirty="0">
+                <a:ea typeface="Cambria" panose="02040503050406030204" pitchFamily="18" charset="0"/>
+              </a:rPr>
+              <a:t>Modelling</a:t>
+            </a:r>
+          </a:p>
+        </p:txBody>
+      </p:sp>
+      <p:sp>
+        <p:nvSpPr>
+          <p:cNvPr id="3" name="Content Placeholder 2">
+            <a:extLst>
+              <a:ext uri="{FF2B5EF4-FFF2-40B4-BE49-F238E27FC236}">
+                <a16:creationId xmlns:a16="http://schemas.microsoft.com/office/drawing/2014/main" id="{E8FAFD6B-5CDC-082F-B588-1F54A2E94D95}"/>
+              </a:ext>
+            </a:extLst>
+          </p:cNvPr>
+          <p:cNvSpPr>
+            <a:spLocks noGrp="1"/>
+          </p:cNvSpPr>
+          <p:nvPr>
+            <p:ph idx="1"/>
+          </p:nvPr>
+        </p:nvSpPr>
+        <p:spPr>
+          <a:xfrm>
+            <a:off x="764976" y="1772816"/>
+            <a:ext cx="10515600" cy="4351338"/>
+          </a:xfrm>
+        </p:spPr>
+        <p:txBody>
+          <a:bodyPr>
+            <a:normAutofit lnSpcReduction="10000"/>
+          </a:bodyPr>
+          <a:lstStyle/>
+          <a:p>
+            <a:r>
+              <a:rPr lang="en-GB" dirty="0"/>
+              <a:t>Pre-Processing</a:t>
+            </a:r>
+          </a:p>
+          <a:p>
+            <a:pPr lvl="1"/>
+            <a:r>
+              <a:rPr lang="en-GB" dirty="0"/>
+              <a:t>Data scaling</a:t>
+            </a:r>
+          </a:p>
+          <a:p>
+            <a:pPr lvl="1"/>
+            <a:r>
+              <a:rPr lang="en-GB" dirty="0"/>
+              <a:t>Feature Redundancy</a:t>
+            </a:r>
+          </a:p>
+          <a:p>
+            <a:pPr lvl="1"/>
+            <a:r>
+              <a:rPr lang="en-GB" dirty="0"/>
+              <a:t>Principal Components</a:t>
+            </a:r>
+          </a:p>
+          <a:p>
+            <a:pPr lvl="1"/>
+            <a:r>
+              <a:rPr lang="en-GB" dirty="0"/>
+              <a:t>Class imbalance Problem</a:t>
+            </a:r>
+          </a:p>
+          <a:p>
+            <a:r>
+              <a:rPr lang="en-GB" dirty="0"/>
+              <a:t>Logistic Regression</a:t>
+            </a:r>
+          </a:p>
+          <a:p>
+            <a:r>
+              <a:rPr lang="en-GB" dirty="0"/>
+              <a:t>SVM</a:t>
+            </a:r>
+          </a:p>
+          <a:p>
+            <a:r>
+              <a:rPr lang="en-GB" dirty="0"/>
+              <a:t>Decision Tree</a:t>
+            </a:r>
+          </a:p>
+          <a:p>
+            <a:r>
+              <a:rPr lang="en-GB" dirty="0"/>
+              <a:t>Random Forest</a:t>
+            </a:r>
+          </a:p>
+          <a:p>
+            <a:r>
+              <a:rPr lang="en-GB" dirty="0"/>
+              <a:t>AdaBoost</a:t>
+            </a:r>
+          </a:p>
+        </p:txBody>
+      </p:sp>
+    </p:spTree>
+    <p:extLst>
+      <p:ext uri="{BB962C8B-B14F-4D97-AF65-F5344CB8AC3E}">
+        <p14:creationId xmlns:p14="http://schemas.microsoft.com/office/powerpoint/2010/main" val="828245224"/>
+      </p:ext>
+    </p:extLst>
+  </p:cSld>
+  <p:clrMapOvr>
+    <a:masterClrMapping/>
+  </p:clrMapOvr>
+</p:sld>
+</file>
+
+<file path=ppt/slides/slide32.xml><?xml version="1.0" encoding="utf-8"?>
+<p:sld xmlns:a="http://schemas.openxmlformats.org/drawingml/2006/main" xmlns:r="http://schemas.openxmlformats.org/officeDocument/2006/relationships" xmlns:p="http://schemas.openxmlformats.org/presentationml/2006/main">
+  <p:cSld>
+    <p:spTree>
+      <p:nvGrpSpPr>
+        <p:cNvPr id="1" name="">
+          <a:extLst>
+            <a:ext uri="{FF2B5EF4-FFF2-40B4-BE49-F238E27FC236}">
+              <a16:creationId xmlns:a16="http://schemas.microsoft.com/office/drawing/2014/main" id="{17CD6CBC-AD3B-FB16-FAA7-E07A26F24B79}"/>
+            </a:ext>
+          </a:extLst>
+        </p:cNvPr>
+        <p:cNvGrpSpPr/>
+        <p:nvPr/>
+      </p:nvGrpSpPr>
+      <p:grpSpPr>
+        <a:xfrm>
+          <a:off x="0" y="0"/>
+          <a:ext cx="0" cy="0"/>
+          <a:chOff x="0" y="0"/>
+          <a:chExt cx="0" cy="0"/>
+        </a:xfrm>
+      </p:grpSpPr>
+      <p:sp>
+        <p:nvSpPr>
+          <p:cNvPr id="2" name="Title 1">
+            <a:extLst>
+              <a:ext uri="{FF2B5EF4-FFF2-40B4-BE49-F238E27FC236}">
+                <a16:creationId xmlns:a16="http://schemas.microsoft.com/office/drawing/2014/main" id="{4F81443E-280E-30A7-34B1-F5423C1EF944}"/>
+              </a:ext>
+            </a:extLst>
+          </p:cNvPr>
+          <p:cNvSpPr>
+            <a:spLocks noGrp="1"/>
+          </p:cNvSpPr>
+          <p:nvPr>
+            <p:ph type="title"/>
+          </p:nvPr>
+        </p:nvSpPr>
+        <p:spPr>
+          <a:xfrm>
+            <a:off x="911424" y="404664"/>
+            <a:ext cx="10515600" cy="1325563"/>
+          </a:xfrm>
+        </p:spPr>
+        <p:txBody>
+          <a:bodyPr/>
+          <a:lstStyle/>
+          <a:p>
+            <a:r>
+              <a:rPr lang="en-GB" dirty="0">
+                <a:ea typeface="Cambria" panose="02040503050406030204" pitchFamily="18" charset="0"/>
+              </a:rPr>
+              <a:t>Modelling</a:t>
+            </a:r>
+          </a:p>
+        </p:txBody>
+      </p:sp>
+      <p:sp>
+        <p:nvSpPr>
+          <p:cNvPr id="3" name="Content Placeholder 2">
+            <a:extLst>
+              <a:ext uri="{FF2B5EF4-FFF2-40B4-BE49-F238E27FC236}">
+                <a16:creationId xmlns:a16="http://schemas.microsoft.com/office/drawing/2014/main" id="{5BE41EDC-6F2F-CDC0-6203-061B4BFB2B4D}"/>
+              </a:ext>
+            </a:extLst>
+          </p:cNvPr>
+          <p:cNvSpPr>
+            <a:spLocks noGrp="1"/>
+          </p:cNvSpPr>
+          <p:nvPr>
+            <p:ph idx="1"/>
+          </p:nvPr>
+        </p:nvSpPr>
+        <p:spPr>
+          <a:xfrm>
+            <a:off x="764976" y="1772816"/>
+            <a:ext cx="10515600" cy="4351338"/>
+          </a:xfrm>
+        </p:spPr>
+        <p:txBody>
+          <a:bodyPr>
+            <a:normAutofit fontScale="92500" lnSpcReduction="20000"/>
+          </a:bodyPr>
+          <a:lstStyle/>
+          <a:p>
+            <a:r>
+              <a:rPr lang="en-GB" dirty="0"/>
+              <a:t>Pre-Processing</a:t>
+            </a:r>
+          </a:p>
+          <a:p>
+            <a:pPr lvl="1"/>
+            <a:r>
+              <a:rPr lang="en-GB" dirty="0"/>
+              <a:t>Data scaling</a:t>
+            </a:r>
+          </a:p>
+          <a:p>
+            <a:pPr lvl="1"/>
+            <a:endParaRPr lang="en-GB" dirty="0"/>
+          </a:p>
+          <a:p>
+            <a:pPr lvl="1"/>
+            <a:endParaRPr lang="en-GB" dirty="0"/>
+          </a:p>
+          <a:p>
+            <a:r>
+              <a:rPr lang="en-GB" dirty="0"/>
+              <a:t>Scaling Necessary to ensure that features with different ranges contribute equally to the model, preventing bias towards features with larger magnitudes. Scaling also aids in convergence in gradient descent algorithms</a:t>
+            </a:r>
+          </a:p>
+          <a:p>
+            <a:r>
+              <a:rPr lang="en-GB" dirty="0"/>
+              <a:t>Robust scalar used due to its resistance to outliers. Scales features based on median and IQR rather than using mean and STD which would be sensitive to outliers</a:t>
+            </a:r>
+          </a:p>
+          <a:p>
+            <a:r>
+              <a:rPr lang="en-GB" dirty="0"/>
+              <a:t>Scaling performed per fold in K folds CV to prevent data leakage</a:t>
+            </a:r>
+          </a:p>
+          <a:p>
+            <a:r>
+              <a:rPr lang="en-GB" dirty="0"/>
+              <a:t>Example of IQR Median vs STD Mean</a:t>
+            </a:r>
+          </a:p>
+        </p:txBody>
+      </p:sp>
+    </p:spTree>
+    <p:extLst>
+      <p:ext uri="{BB962C8B-B14F-4D97-AF65-F5344CB8AC3E}">
+        <p14:creationId xmlns:p14="http://schemas.microsoft.com/office/powerpoint/2010/main" val="1202473623"/>
+      </p:ext>
+    </p:extLst>
+  </p:cSld>
+  <p:clrMapOvr>
+    <a:masterClrMapping/>
+  </p:clrMapOvr>
+</p:sld>
+</file>
+
+<file path=ppt/slides/slide33.xml><?xml version="1.0" encoding="utf-8"?>
+<p:sld xmlns:a="http://schemas.openxmlformats.org/drawingml/2006/main" xmlns:r="http://schemas.openxmlformats.org/officeDocument/2006/relationships" xmlns:p="http://schemas.openxmlformats.org/presentationml/2006/main">
+  <p:cSld>
+    <p:spTree>
+      <p:nvGrpSpPr>
+        <p:cNvPr id="1" name="">
+          <a:extLst>
+            <a:ext uri="{FF2B5EF4-FFF2-40B4-BE49-F238E27FC236}">
+              <a16:creationId xmlns:a16="http://schemas.microsoft.com/office/drawing/2014/main" id="{0A36E08F-FCDD-555F-6444-C46B014E9115}"/>
+            </a:ext>
+          </a:extLst>
+        </p:cNvPr>
+        <p:cNvGrpSpPr/>
+        <p:nvPr/>
+      </p:nvGrpSpPr>
+      <p:grpSpPr>
+        <a:xfrm>
+          <a:off x="0" y="0"/>
+          <a:ext cx="0" cy="0"/>
+          <a:chOff x="0" y="0"/>
+          <a:chExt cx="0" cy="0"/>
+        </a:xfrm>
+      </p:grpSpPr>
+      <p:sp>
+        <p:nvSpPr>
+          <p:cNvPr id="2" name="Title 1">
+            <a:extLst>
+              <a:ext uri="{FF2B5EF4-FFF2-40B4-BE49-F238E27FC236}">
+                <a16:creationId xmlns:a16="http://schemas.microsoft.com/office/drawing/2014/main" id="{26003612-9425-6AB2-EB8F-61577989BC29}"/>
+              </a:ext>
+            </a:extLst>
+          </p:cNvPr>
+          <p:cNvSpPr>
+            <a:spLocks noGrp="1"/>
+          </p:cNvSpPr>
+          <p:nvPr>
+            <p:ph type="title"/>
+          </p:nvPr>
+        </p:nvSpPr>
+        <p:spPr>
+          <a:xfrm>
+            <a:off x="911424" y="404664"/>
+            <a:ext cx="10515600" cy="1325563"/>
+          </a:xfrm>
+        </p:spPr>
+        <p:txBody>
+          <a:bodyPr/>
+          <a:lstStyle/>
+          <a:p>
+            <a:r>
+              <a:rPr lang="en-GB" dirty="0">
+                <a:ea typeface="Cambria" panose="02040503050406030204" pitchFamily="18" charset="0"/>
+              </a:rPr>
+              <a:t>Modelling</a:t>
+            </a:r>
+          </a:p>
+        </p:txBody>
+      </p:sp>
+      <p:sp>
+        <p:nvSpPr>
+          <p:cNvPr id="3" name="Content Placeholder 2">
+            <a:extLst>
+              <a:ext uri="{FF2B5EF4-FFF2-40B4-BE49-F238E27FC236}">
+                <a16:creationId xmlns:a16="http://schemas.microsoft.com/office/drawing/2014/main" id="{1FF669B4-5518-9FD6-D095-CDE58EC9A650}"/>
+              </a:ext>
+            </a:extLst>
+          </p:cNvPr>
+          <p:cNvSpPr>
+            <a:spLocks noGrp="1"/>
+          </p:cNvSpPr>
+          <p:nvPr>
+            <p:ph idx="1"/>
+          </p:nvPr>
+        </p:nvSpPr>
+        <p:spPr>
+          <a:xfrm>
+            <a:off x="764976" y="1772816"/>
+            <a:ext cx="10515600" cy="4351338"/>
+          </a:xfrm>
+        </p:spPr>
+        <p:txBody>
+          <a:bodyPr>
+            <a:normAutofit/>
+          </a:bodyPr>
+          <a:lstStyle/>
+          <a:p>
+            <a:r>
+              <a:rPr lang="en-GB" dirty="0"/>
+              <a:t>Pre-Processing</a:t>
+            </a:r>
+          </a:p>
+          <a:p>
+            <a:pPr lvl="1"/>
+            <a:r>
+              <a:rPr lang="en-GB" dirty="0"/>
+              <a:t>Feature Redundancy</a:t>
+            </a:r>
+          </a:p>
+          <a:p>
+            <a:pPr lvl="1"/>
+            <a:endParaRPr lang="en-GB" dirty="0"/>
+          </a:p>
+          <a:p>
+            <a:pPr lvl="1"/>
+            <a:endParaRPr lang="en-GB" dirty="0"/>
+          </a:p>
+          <a:p>
+            <a:r>
+              <a:rPr lang="en-GB" dirty="0"/>
+              <a:t>Models were trained using both the entire set of 6 Features, as well as a reduced set of features in which only independent features remained</a:t>
+            </a:r>
+          </a:p>
+          <a:p>
+            <a:r>
+              <a:rPr lang="en-GB" dirty="0"/>
+              <a:t>This is </a:t>
+            </a:r>
+            <a:r>
+              <a:rPr lang="en-GB" dirty="0" err="1"/>
+              <a:t>hanlded</a:t>
+            </a:r>
+            <a:r>
+              <a:rPr lang="en-GB" dirty="0"/>
+              <a:t> using L1 regression</a:t>
+            </a:r>
+          </a:p>
+          <a:p>
+            <a:r>
+              <a:rPr lang="en-GB" dirty="0"/>
+              <a:t>In tree based models few decisions/splits will occur on non independent features </a:t>
+            </a:r>
+          </a:p>
+        </p:txBody>
+      </p:sp>
+    </p:spTree>
+    <p:extLst>
+      <p:ext uri="{BB962C8B-B14F-4D97-AF65-F5344CB8AC3E}">
+        <p14:creationId xmlns:p14="http://schemas.microsoft.com/office/powerpoint/2010/main" val="27023239"/>
+      </p:ext>
+    </p:extLst>
+  </p:cSld>
+  <p:clrMapOvr>
+    <a:masterClrMapping/>
+  </p:clrMapOvr>
+</p:sld>
+</file>
+
+<file path=ppt/slides/slide34.xml><?xml version="1.0" encoding="utf-8"?>
+<p:sld xmlns:a="http://schemas.openxmlformats.org/drawingml/2006/main" xmlns:r="http://schemas.openxmlformats.org/officeDocument/2006/relationships" xmlns:p="http://schemas.openxmlformats.org/presentationml/2006/main">
+  <p:cSld>
+    <p:spTree>
+      <p:nvGrpSpPr>
+        <p:cNvPr id="1" name="">
+          <a:extLst>
+            <a:ext uri="{FF2B5EF4-FFF2-40B4-BE49-F238E27FC236}">
+              <a16:creationId xmlns:a16="http://schemas.microsoft.com/office/drawing/2014/main" id="{68AE9E68-309C-B4C0-3E9F-0FBF4D93F754}"/>
+            </a:ext>
+          </a:extLst>
+        </p:cNvPr>
+        <p:cNvGrpSpPr/>
+        <p:nvPr/>
+      </p:nvGrpSpPr>
+      <p:grpSpPr>
+        <a:xfrm>
+          <a:off x="0" y="0"/>
+          <a:ext cx="0" cy="0"/>
+          <a:chOff x="0" y="0"/>
+          <a:chExt cx="0" cy="0"/>
+        </a:xfrm>
+      </p:grpSpPr>
+      <p:sp>
+        <p:nvSpPr>
+          <p:cNvPr id="2" name="Title 1">
+            <a:extLst>
+              <a:ext uri="{FF2B5EF4-FFF2-40B4-BE49-F238E27FC236}">
+                <a16:creationId xmlns:a16="http://schemas.microsoft.com/office/drawing/2014/main" id="{305F6193-BAC2-6CAE-1457-323CFE96F8BB}"/>
+              </a:ext>
+            </a:extLst>
+          </p:cNvPr>
+          <p:cNvSpPr>
+            <a:spLocks noGrp="1"/>
+          </p:cNvSpPr>
+          <p:nvPr>
+            <p:ph type="title"/>
+          </p:nvPr>
+        </p:nvSpPr>
+        <p:spPr>
+          <a:xfrm>
+            <a:off x="911424" y="404664"/>
+            <a:ext cx="10515600" cy="1325563"/>
+          </a:xfrm>
+        </p:spPr>
+        <p:txBody>
+          <a:bodyPr/>
+          <a:lstStyle/>
+          <a:p>
+            <a:r>
+              <a:rPr lang="en-GB" dirty="0">
+                <a:ea typeface="Cambria" panose="02040503050406030204" pitchFamily="18" charset="0"/>
+              </a:rPr>
+              <a:t>Modelling</a:t>
+            </a:r>
+          </a:p>
+        </p:txBody>
+      </p:sp>
+      <p:sp>
+        <p:nvSpPr>
+          <p:cNvPr id="3" name="Content Placeholder 2">
+            <a:extLst>
+              <a:ext uri="{FF2B5EF4-FFF2-40B4-BE49-F238E27FC236}">
+                <a16:creationId xmlns:a16="http://schemas.microsoft.com/office/drawing/2014/main" id="{717B9ECE-71DB-CE8E-454F-5BC49A393222}"/>
+              </a:ext>
+            </a:extLst>
+          </p:cNvPr>
+          <p:cNvSpPr>
+            <a:spLocks noGrp="1"/>
+          </p:cNvSpPr>
+          <p:nvPr>
+            <p:ph idx="1"/>
+          </p:nvPr>
+        </p:nvSpPr>
+        <p:spPr>
+          <a:xfrm>
+            <a:off x="764976" y="1772816"/>
+            <a:ext cx="10515600" cy="4351338"/>
+          </a:xfrm>
+        </p:spPr>
+        <p:txBody>
+          <a:bodyPr>
+            <a:normAutofit/>
+          </a:bodyPr>
+          <a:lstStyle/>
+          <a:p>
+            <a:r>
+              <a:rPr lang="en-GB" dirty="0"/>
+              <a:t>Pre-Processing</a:t>
+            </a:r>
+          </a:p>
+          <a:p>
+            <a:pPr lvl="1"/>
+            <a:r>
+              <a:rPr lang="en-GB" dirty="0"/>
+              <a:t>Principal Components</a:t>
+            </a:r>
+          </a:p>
+          <a:p>
+            <a:pPr lvl="1"/>
+            <a:endParaRPr lang="en-GB" dirty="0"/>
+          </a:p>
+          <a:p>
+            <a:r>
+              <a:rPr lang="en-GB" dirty="0"/>
+              <a:t>Models were also trained using a set of the principal components as opposed to the scaled features to see if the reduced set of PC’s helped avoid overfitting.</a:t>
+            </a:r>
+          </a:p>
+        </p:txBody>
+      </p:sp>
+    </p:spTree>
+    <p:extLst>
+      <p:ext uri="{BB962C8B-B14F-4D97-AF65-F5344CB8AC3E}">
+        <p14:creationId xmlns:p14="http://schemas.microsoft.com/office/powerpoint/2010/main" val="2256214277"/>
+      </p:ext>
+    </p:extLst>
+  </p:cSld>
+  <p:clrMapOvr>
+    <a:masterClrMapping/>
+  </p:clrMapOvr>
+</p:sld>
+</file>
+
+<file path=ppt/slides/slide35.xml><?xml version="1.0" encoding="utf-8"?>
+<p:sld xmlns:a="http://schemas.openxmlformats.org/drawingml/2006/main" xmlns:r="http://schemas.openxmlformats.org/officeDocument/2006/relationships" xmlns:p="http://schemas.openxmlformats.org/presentationml/2006/main">
+  <p:cSld>
+    <p:spTree>
+      <p:nvGrpSpPr>
+        <p:cNvPr id="1" name="">
+          <a:extLst>
+            <a:ext uri="{FF2B5EF4-FFF2-40B4-BE49-F238E27FC236}">
+              <a16:creationId xmlns:a16="http://schemas.microsoft.com/office/drawing/2014/main" id="{4506B980-F6C0-D1A7-0800-C6CA767A7661}"/>
+            </a:ext>
+          </a:extLst>
+        </p:cNvPr>
+        <p:cNvGrpSpPr/>
+        <p:nvPr/>
+      </p:nvGrpSpPr>
+      <p:grpSpPr>
+        <a:xfrm>
+          <a:off x="0" y="0"/>
+          <a:ext cx="0" cy="0"/>
+          <a:chOff x="0" y="0"/>
+          <a:chExt cx="0" cy="0"/>
+        </a:xfrm>
+      </p:grpSpPr>
+      <p:sp>
+        <p:nvSpPr>
+          <p:cNvPr id="2" name="Title 1">
+            <a:extLst>
+              <a:ext uri="{FF2B5EF4-FFF2-40B4-BE49-F238E27FC236}">
+                <a16:creationId xmlns:a16="http://schemas.microsoft.com/office/drawing/2014/main" id="{35A7C8D6-1F49-3228-C4A4-42AB839FA657}"/>
+              </a:ext>
+            </a:extLst>
+          </p:cNvPr>
+          <p:cNvSpPr>
+            <a:spLocks noGrp="1"/>
+          </p:cNvSpPr>
+          <p:nvPr>
+            <p:ph type="title"/>
+          </p:nvPr>
+        </p:nvSpPr>
+        <p:spPr>
+          <a:xfrm>
+            <a:off x="911424" y="404664"/>
+            <a:ext cx="10515600" cy="1325563"/>
+          </a:xfrm>
+        </p:spPr>
+        <p:txBody>
+          <a:bodyPr/>
+          <a:lstStyle/>
+          <a:p>
+            <a:r>
+              <a:rPr lang="en-GB" dirty="0">
+                <a:ea typeface="Cambria" panose="02040503050406030204" pitchFamily="18" charset="0"/>
+              </a:rPr>
+              <a:t>Modelling</a:t>
+            </a:r>
+          </a:p>
+        </p:txBody>
+      </p:sp>
+      <p:sp>
+        <p:nvSpPr>
+          <p:cNvPr id="3" name="Content Placeholder 2">
+            <a:extLst>
+              <a:ext uri="{FF2B5EF4-FFF2-40B4-BE49-F238E27FC236}">
+                <a16:creationId xmlns:a16="http://schemas.microsoft.com/office/drawing/2014/main" id="{4E4AF74B-6CF6-FD25-D11D-25CADD767A27}"/>
+              </a:ext>
+            </a:extLst>
+          </p:cNvPr>
+          <p:cNvSpPr>
+            <a:spLocks noGrp="1"/>
+          </p:cNvSpPr>
+          <p:nvPr>
+            <p:ph idx="1"/>
+          </p:nvPr>
+        </p:nvSpPr>
+        <p:spPr>
+          <a:xfrm>
+            <a:off x="764976" y="1772816"/>
+            <a:ext cx="10515600" cy="4351338"/>
+          </a:xfrm>
+        </p:spPr>
+        <p:txBody>
+          <a:bodyPr>
+            <a:normAutofit/>
+          </a:bodyPr>
+          <a:lstStyle/>
+          <a:p>
+            <a:r>
+              <a:rPr lang="en-GB" dirty="0"/>
+              <a:t>Pre-Processing</a:t>
+            </a:r>
+          </a:p>
+          <a:p>
+            <a:pPr lvl="1"/>
+            <a:r>
+              <a:rPr lang="en-GB" dirty="0"/>
+              <a:t>Class imbalance Problem</a:t>
+            </a:r>
+          </a:p>
+          <a:p>
+            <a:pPr lvl="1"/>
+            <a:endParaRPr lang="en-GB" dirty="0"/>
+          </a:p>
+          <a:p>
+            <a:r>
+              <a:rPr lang="en-GB" dirty="0"/>
+              <a:t>Class imbalance was handed using stratified cross validation</a:t>
+            </a:r>
+          </a:p>
+          <a:p>
+            <a:r>
+              <a:rPr lang="en-GB" dirty="0"/>
+              <a:t>Cross validation maximised the amount of training data</a:t>
+            </a:r>
+          </a:p>
+          <a:p>
+            <a:r>
+              <a:rPr lang="en-GB" dirty="0"/>
+              <a:t>Stratification ensured each fold </a:t>
+            </a:r>
+            <a:r>
+              <a:rPr lang="en-GB" dirty="0" err="1"/>
+              <a:t>contrained</a:t>
+            </a:r>
+            <a:r>
+              <a:rPr lang="en-GB" dirty="0"/>
+              <a:t> the correct proportion of each class</a:t>
+            </a:r>
+          </a:p>
+        </p:txBody>
+      </p:sp>
+    </p:spTree>
+    <p:extLst>
+      <p:ext uri="{BB962C8B-B14F-4D97-AF65-F5344CB8AC3E}">
+        <p14:creationId xmlns:p14="http://schemas.microsoft.com/office/powerpoint/2010/main" val="2957216326"/>
+      </p:ext>
+    </p:extLst>
+  </p:cSld>
+  <p:clrMapOvr>
+    <a:masterClrMapping/>
+  </p:clrMapOvr>
+</p:sld>
+</file>
+
+<file path=ppt/slides/slide36.xml><?xml version="1.0" encoding="utf-8"?>
+<p:sld xmlns:a="http://schemas.openxmlformats.org/drawingml/2006/main" xmlns:r="http://schemas.openxmlformats.org/officeDocument/2006/relationships" xmlns:p="http://schemas.openxmlformats.org/presentationml/2006/main">
+  <p:cSld>
+    <p:spTree>
+      <p:nvGrpSpPr>
+        <p:cNvPr id="1" name="">
+          <a:extLst>
+            <a:ext uri="{FF2B5EF4-FFF2-40B4-BE49-F238E27FC236}">
+              <a16:creationId xmlns:a16="http://schemas.microsoft.com/office/drawing/2014/main" id="{6C85ED7F-DCA2-68C9-F1FC-B216377126E3}"/>
+            </a:ext>
+          </a:extLst>
+        </p:cNvPr>
+        <p:cNvGrpSpPr/>
+        <p:nvPr/>
+      </p:nvGrpSpPr>
+      <p:grpSpPr>
+        <a:xfrm>
+          <a:off x="0" y="0"/>
+          <a:ext cx="0" cy="0"/>
+          <a:chOff x="0" y="0"/>
+          <a:chExt cx="0" cy="0"/>
+        </a:xfrm>
+      </p:grpSpPr>
+      <p:sp>
+        <p:nvSpPr>
+          <p:cNvPr id="2" name="Title 1">
+            <a:extLst>
+              <a:ext uri="{FF2B5EF4-FFF2-40B4-BE49-F238E27FC236}">
+                <a16:creationId xmlns:a16="http://schemas.microsoft.com/office/drawing/2014/main" id="{005943FD-7A39-35A8-51B3-6206A40969A2}"/>
+              </a:ext>
+            </a:extLst>
+          </p:cNvPr>
+          <p:cNvSpPr>
+            <a:spLocks noGrp="1"/>
+          </p:cNvSpPr>
+          <p:nvPr>
+            <p:ph type="title"/>
+          </p:nvPr>
+        </p:nvSpPr>
+        <p:spPr>
+          <a:xfrm>
+            <a:off x="911424" y="404664"/>
+            <a:ext cx="10515600" cy="1325563"/>
+          </a:xfrm>
+        </p:spPr>
+        <p:txBody>
+          <a:bodyPr/>
+          <a:lstStyle/>
+          <a:p>
+            <a:r>
+              <a:rPr lang="en-GB" dirty="0">
+                <a:ea typeface="Cambria" panose="02040503050406030204" pitchFamily="18" charset="0"/>
+              </a:rPr>
+              <a:t>Evaluation</a:t>
+            </a:r>
+          </a:p>
+        </p:txBody>
+      </p:sp>
+      <p:sp>
+        <p:nvSpPr>
+          <p:cNvPr id="3" name="Content Placeholder 2">
+            <a:extLst>
+              <a:ext uri="{FF2B5EF4-FFF2-40B4-BE49-F238E27FC236}">
+                <a16:creationId xmlns:a16="http://schemas.microsoft.com/office/drawing/2014/main" id="{4D8C57A8-4EC9-60CC-6405-B583A353AC79}"/>
+              </a:ext>
+            </a:extLst>
+          </p:cNvPr>
+          <p:cNvSpPr>
+            <a:spLocks noGrp="1"/>
+          </p:cNvSpPr>
+          <p:nvPr>
+            <p:ph idx="1"/>
+          </p:nvPr>
+        </p:nvSpPr>
+        <p:spPr>
+          <a:xfrm>
+            <a:off x="764976" y="1772816"/>
+            <a:ext cx="10515600" cy="4351338"/>
+          </a:xfrm>
+        </p:spPr>
+        <p:txBody>
+          <a:bodyPr/>
+          <a:lstStyle/>
+          <a:p>
+            <a:r>
+              <a:rPr lang="en-GB" dirty="0"/>
+              <a:t>Metric choice</a:t>
+            </a:r>
+          </a:p>
+          <a:p>
+            <a:r>
+              <a:rPr lang="en-GB" dirty="0"/>
+              <a:t>Confusion Matrix</a:t>
+            </a:r>
+          </a:p>
+          <a:p>
+            <a:r>
+              <a:rPr lang="en-GB" dirty="0"/>
+              <a:t>Model Results</a:t>
+            </a:r>
+          </a:p>
+        </p:txBody>
+      </p:sp>
+    </p:spTree>
+    <p:extLst>
+      <p:ext uri="{BB962C8B-B14F-4D97-AF65-F5344CB8AC3E}">
+        <p14:creationId xmlns:p14="http://schemas.microsoft.com/office/powerpoint/2010/main" val="1008373500"/>
+      </p:ext>
+    </p:extLst>
+  </p:cSld>
+  <p:clrMapOvr>
+    <a:masterClrMapping/>
+  </p:clrMapOvr>
+</p:sld>
+</file>
+
+<file path=ppt/slides/slide37.xml><?xml version="1.0" encoding="utf-8"?>
+<p:sld xmlns:a="http://schemas.openxmlformats.org/drawingml/2006/main" xmlns:r="http://schemas.openxmlformats.org/officeDocument/2006/relationships" xmlns:p="http://schemas.openxmlformats.org/presentationml/2006/main">
+  <p:cSld>
+    <p:spTree>
+      <p:nvGrpSpPr>
+        <p:cNvPr id="1" name="">
+          <a:extLst>
+            <a:ext uri="{FF2B5EF4-FFF2-40B4-BE49-F238E27FC236}">
+              <a16:creationId xmlns:a16="http://schemas.microsoft.com/office/drawing/2014/main" id="{0D2E8D77-637A-EF9C-8B75-C5B63BC34D96}"/>
+            </a:ext>
+          </a:extLst>
+        </p:cNvPr>
+        <p:cNvGrpSpPr/>
+        <p:nvPr/>
+      </p:nvGrpSpPr>
+      <p:grpSpPr>
+        <a:xfrm>
+          <a:off x="0" y="0"/>
+          <a:ext cx="0" cy="0"/>
+          <a:chOff x="0" y="0"/>
+          <a:chExt cx="0" cy="0"/>
+        </a:xfrm>
+      </p:grpSpPr>
+      <p:sp>
+        <p:nvSpPr>
+          <p:cNvPr id="2" name="Title 1">
+            <a:extLst>
+              <a:ext uri="{FF2B5EF4-FFF2-40B4-BE49-F238E27FC236}">
+                <a16:creationId xmlns:a16="http://schemas.microsoft.com/office/drawing/2014/main" id="{82F92B60-F52D-09B2-6A70-0158ED535870}"/>
+              </a:ext>
+            </a:extLst>
+          </p:cNvPr>
+          <p:cNvSpPr>
+            <a:spLocks noGrp="1"/>
+          </p:cNvSpPr>
+          <p:nvPr>
+            <p:ph type="title"/>
+          </p:nvPr>
+        </p:nvSpPr>
+        <p:spPr>
+          <a:xfrm>
+            <a:off x="911424" y="404664"/>
+            <a:ext cx="10515600" cy="1325563"/>
+          </a:xfrm>
+        </p:spPr>
+        <p:txBody>
+          <a:bodyPr/>
+          <a:lstStyle/>
+          <a:p>
+            <a:r>
+              <a:rPr lang="en-GB" dirty="0">
+                <a:ea typeface="Cambria" panose="02040503050406030204" pitchFamily="18" charset="0"/>
+              </a:rPr>
+              <a:t>Evaluation</a:t>
+            </a:r>
+          </a:p>
+        </p:txBody>
+      </p:sp>
+      <p:sp>
+        <p:nvSpPr>
+          <p:cNvPr id="3" name="Content Placeholder 2">
+            <a:extLst>
+              <a:ext uri="{FF2B5EF4-FFF2-40B4-BE49-F238E27FC236}">
+                <a16:creationId xmlns:a16="http://schemas.microsoft.com/office/drawing/2014/main" id="{378F092F-430B-27EC-D707-3B97AD7DE0AF}"/>
+              </a:ext>
+            </a:extLst>
+          </p:cNvPr>
+          <p:cNvSpPr>
+            <a:spLocks noGrp="1"/>
+          </p:cNvSpPr>
+          <p:nvPr>
+            <p:ph idx="1"/>
+          </p:nvPr>
+        </p:nvSpPr>
+        <p:spPr>
+          <a:xfrm>
+            <a:off x="764976" y="1772816"/>
+            <a:ext cx="10515600" cy="4351338"/>
+          </a:xfrm>
+        </p:spPr>
+        <p:txBody>
+          <a:bodyPr/>
+          <a:lstStyle/>
+          <a:p>
+            <a:r>
+              <a:rPr lang="en-GB" dirty="0"/>
+              <a:t>Metric choice</a:t>
+            </a:r>
+          </a:p>
+          <a:p>
+            <a:endParaRPr lang="en-GB" dirty="0"/>
+          </a:p>
+          <a:p>
+            <a:r>
+              <a:rPr lang="en-GB" dirty="0"/>
+              <a:t>Choice between accuracy, </a:t>
+            </a:r>
+            <a:r>
+              <a:rPr lang="en-GB" dirty="0" err="1"/>
+              <a:t>prescision</a:t>
+            </a:r>
+            <a:r>
+              <a:rPr lang="en-GB" dirty="0"/>
+              <a:t>, recall, F1</a:t>
+            </a:r>
+          </a:p>
+          <a:p>
+            <a:r>
+              <a:rPr lang="en-GB" dirty="0"/>
+              <a:t>Description of each metric + an example</a:t>
+            </a:r>
+          </a:p>
+          <a:p>
+            <a:r>
+              <a:rPr lang="en-GB" dirty="0"/>
+              <a:t>Cant use accuracy due to class imbalance</a:t>
+            </a:r>
+          </a:p>
+          <a:p>
+            <a:r>
+              <a:rPr lang="en-GB" dirty="0"/>
+              <a:t>Precision vs Recall vs F1 debate</a:t>
+            </a:r>
+          </a:p>
+          <a:p>
+            <a:r>
+              <a:rPr lang="en-GB" dirty="0"/>
+              <a:t>Choice</a:t>
+            </a:r>
+          </a:p>
+        </p:txBody>
+      </p:sp>
+    </p:spTree>
+    <p:extLst>
+      <p:ext uri="{BB962C8B-B14F-4D97-AF65-F5344CB8AC3E}">
+        <p14:creationId xmlns:p14="http://schemas.microsoft.com/office/powerpoint/2010/main" val="3124401799"/>
+      </p:ext>
+    </p:extLst>
+  </p:cSld>
+  <p:clrMapOvr>
+    <a:masterClrMapping/>
+  </p:clrMapOvr>
+</p:sld>
+</file>
+
+<file path=ppt/slides/slide38.xml><?xml version="1.0" encoding="utf-8"?>
+<p:sld xmlns:a="http://schemas.openxmlformats.org/drawingml/2006/main" xmlns:r="http://schemas.openxmlformats.org/officeDocument/2006/relationships" xmlns:p="http://schemas.openxmlformats.org/presentationml/2006/main">
+  <p:cSld>
+    <p:spTree>
+      <p:nvGrpSpPr>
+        <p:cNvPr id="1" name="">
+          <a:extLst>
+            <a:ext uri="{FF2B5EF4-FFF2-40B4-BE49-F238E27FC236}">
+              <a16:creationId xmlns:a16="http://schemas.microsoft.com/office/drawing/2014/main" id="{19B3A75C-B20B-4AAA-E579-4B27F56554F6}"/>
+            </a:ext>
+          </a:extLst>
+        </p:cNvPr>
+        <p:cNvGrpSpPr/>
+        <p:nvPr/>
+      </p:nvGrpSpPr>
+      <p:grpSpPr>
+        <a:xfrm>
+          <a:off x="0" y="0"/>
+          <a:ext cx="0" cy="0"/>
+          <a:chOff x="0" y="0"/>
+          <a:chExt cx="0" cy="0"/>
+        </a:xfrm>
+      </p:grpSpPr>
+      <p:sp>
+        <p:nvSpPr>
+          <p:cNvPr id="2" name="Title 1">
+            <a:extLst>
+              <a:ext uri="{FF2B5EF4-FFF2-40B4-BE49-F238E27FC236}">
+                <a16:creationId xmlns:a16="http://schemas.microsoft.com/office/drawing/2014/main" id="{C6012151-6977-61B6-8C00-3BC38D3ABAB1}"/>
+              </a:ext>
+            </a:extLst>
+          </p:cNvPr>
+          <p:cNvSpPr>
+            <a:spLocks noGrp="1"/>
+          </p:cNvSpPr>
+          <p:nvPr>
+            <p:ph type="title"/>
+          </p:nvPr>
+        </p:nvSpPr>
+        <p:spPr>
+          <a:xfrm>
+            <a:off x="911424" y="404664"/>
+            <a:ext cx="10515600" cy="1325563"/>
+          </a:xfrm>
+        </p:spPr>
+        <p:txBody>
+          <a:bodyPr/>
+          <a:lstStyle/>
+          <a:p>
+            <a:r>
+              <a:rPr lang="en-GB" dirty="0">
+                <a:ea typeface="Cambria" panose="02040503050406030204" pitchFamily="18" charset="0"/>
+              </a:rPr>
+              <a:t>Evaluation</a:t>
+            </a:r>
+          </a:p>
+        </p:txBody>
+      </p:sp>
+      <p:sp>
+        <p:nvSpPr>
+          <p:cNvPr id="3" name="Content Placeholder 2">
+            <a:extLst>
+              <a:ext uri="{FF2B5EF4-FFF2-40B4-BE49-F238E27FC236}">
+                <a16:creationId xmlns:a16="http://schemas.microsoft.com/office/drawing/2014/main" id="{6298CA0C-0D46-3F0B-C211-D79E7EE8215E}"/>
+              </a:ext>
+            </a:extLst>
+          </p:cNvPr>
+          <p:cNvSpPr>
+            <a:spLocks noGrp="1"/>
+          </p:cNvSpPr>
+          <p:nvPr>
+            <p:ph idx="1"/>
+          </p:nvPr>
+        </p:nvSpPr>
+        <p:spPr>
+          <a:xfrm>
+            <a:off x="764976" y="1772816"/>
+            <a:ext cx="10515600" cy="4351338"/>
+          </a:xfrm>
+        </p:spPr>
+        <p:txBody>
+          <a:bodyPr>
+            <a:normAutofit/>
+          </a:bodyPr>
+          <a:lstStyle/>
+          <a:p>
+            <a:r>
+              <a:rPr lang="en-GB" dirty="0"/>
+              <a:t>Confusion Matrix</a:t>
+            </a:r>
+          </a:p>
+          <a:p>
+            <a:endParaRPr lang="en-GB" dirty="0"/>
+          </a:p>
+          <a:p>
+            <a:r>
+              <a:rPr lang="en-GB" dirty="0"/>
+              <a:t>Confusion matrices </a:t>
+            </a:r>
+            <a:r>
+              <a:rPr lang="en-GB" dirty="0" err="1"/>
+              <a:t>consicely</a:t>
+            </a:r>
+            <a:r>
+              <a:rPr lang="en-GB" dirty="0"/>
+              <a:t> describe the number of correct vs incorrect predictions made by models and the type of </a:t>
+            </a:r>
+            <a:r>
+              <a:rPr lang="en-GB" dirty="0" err="1"/>
+              <a:t>erros</a:t>
+            </a:r>
+            <a:r>
+              <a:rPr lang="en-GB" dirty="0"/>
+              <a:t> the model tended to make</a:t>
+            </a:r>
+          </a:p>
+          <a:p>
+            <a:r>
+              <a:rPr lang="en-GB" dirty="0"/>
+              <a:t>Description of FP, FN, TP, TN</a:t>
+            </a:r>
+          </a:p>
+          <a:p>
+            <a:pPr marL="0" indent="0">
+              <a:buNone/>
+            </a:pPr>
+            <a:endParaRPr lang="en-GB" dirty="0"/>
+          </a:p>
+        </p:txBody>
+      </p:sp>
+    </p:spTree>
+    <p:extLst>
+      <p:ext uri="{BB962C8B-B14F-4D97-AF65-F5344CB8AC3E}">
+        <p14:creationId xmlns:p14="http://schemas.microsoft.com/office/powerpoint/2010/main" val="1900842479"/>
+      </p:ext>
+    </p:extLst>
+  </p:cSld>
+  <p:clrMapOvr>
+    <a:masterClrMapping/>
+  </p:clrMapOvr>
+</p:sld>
+</file>
+
+<file path=ppt/slides/slide39.xml><?xml version="1.0" encoding="utf-8"?>
+<p:sld xmlns:a="http://schemas.openxmlformats.org/drawingml/2006/main" xmlns:r="http://schemas.openxmlformats.org/officeDocument/2006/relationships" xmlns:p="http://schemas.openxmlformats.org/presentationml/2006/main">
+  <p:cSld>
+    <p:spTree>
+      <p:nvGrpSpPr>
+        <p:cNvPr id="1" name="">
+          <a:extLst>
+            <a:ext uri="{FF2B5EF4-FFF2-40B4-BE49-F238E27FC236}">
+              <a16:creationId xmlns:a16="http://schemas.microsoft.com/office/drawing/2014/main" id="{8BE5D9EC-6E52-F649-FECD-0077F8C24725}"/>
+            </a:ext>
+          </a:extLst>
+        </p:cNvPr>
+        <p:cNvGrpSpPr/>
+        <p:nvPr/>
+      </p:nvGrpSpPr>
+      <p:grpSpPr>
+        <a:xfrm>
+          <a:off x="0" y="0"/>
+          <a:ext cx="0" cy="0"/>
+          <a:chOff x="0" y="0"/>
+          <a:chExt cx="0" cy="0"/>
+        </a:xfrm>
+      </p:grpSpPr>
+      <p:sp>
+        <p:nvSpPr>
+          <p:cNvPr id="2" name="Title 1">
+            <a:extLst>
+              <a:ext uri="{FF2B5EF4-FFF2-40B4-BE49-F238E27FC236}">
+                <a16:creationId xmlns:a16="http://schemas.microsoft.com/office/drawing/2014/main" id="{FAE60774-2101-4FBF-1929-5A9FB7EB99B5}"/>
+              </a:ext>
+            </a:extLst>
+          </p:cNvPr>
+          <p:cNvSpPr>
+            <a:spLocks noGrp="1"/>
+          </p:cNvSpPr>
+          <p:nvPr>
+            <p:ph type="title"/>
+          </p:nvPr>
+        </p:nvSpPr>
+        <p:spPr>
+          <a:xfrm>
+            <a:off x="911424" y="404664"/>
+            <a:ext cx="10515600" cy="1325563"/>
+          </a:xfrm>
+        </p:spPr>
+        <p:txBody>
+          <a:bodyPr/>
+          <a:lstStyle/>
+          <a:p>
+            <a:r>
+              <a:rPr lang="en-GB" dirty="0">
+                <a:ea typeface="Cambria" panose="02040503050406030204" pitchFamily="18" charset="0"/>
+              </a:rPr>
+              <a:t>Evaluation</a:t>
+            </a:r>
+          </a:p>
+        </p:txBody>
+      </p:sp>
+      <p:sp>
+        <p:nvSpPr>
+          <p:cNvPr id="3" name="Content Placeholder 2">
+            <a:extLst>
+              <a:ext uri="{FF2B5EF4-FFF2-40B4-BE49-F238E27FC236}">
+                <a16:creationId xmlns:a16="http://schemas.microsoft.com/office/drawing/2014/main" id="{E308A363-A87F-AF47-F15A-0A5BC943650D}"/>
+              </a:ext>
+            </a:extLst>
+          </p:cNvPr>
+          <p:cNvSpPr>
+            <a:spLocks noGrp="1"/>
+          </p:cNvSpPr>
+          <p:nvPr>
+            <p:ph idx="1"/>
+          </p:nvPr>
+        </p:nvSpPr>
+        <p:spPr>
+          <a:xfrm>
+            <a:off x="764976" y="1772816"/>
+            <a:ext cx="10515600" cy="4351338"/>
+          </a:xfrm>
+        </p:spPr>
+        <p:txBody>
+          <a:bodyPr/>
+          <a:lstStyle/>
+          <a:p>
+            <a:r>
+              <a:rPr lang="en-GB" dirty="0"/>
+              <a:t>Model Results: Standard Challenge</a:t>
+            </a:r>
+          </a:p>
+        </p:txBody>
+      </p:sp>
+    </p:spTree>
+    <p:extLst>
+      <p:ext uri="{BB962C8B-B14F-4D97-AF65-F5344CB8AC3E}">
+        <p14:creationId xmlns:p14="http://schemas.microsoft.com/office/powerpoint/2010/main" val="690750092"/>
       </p:ext>
     </p:extLst>
   </p:cSld>
@@ -6681,71 +12654,84 @@
             <p:ph idx="1"/>
           </p:nvPr>
         </p:nvSpPr>
-        <p:spPr/>
-        <p:txBody>
-          <a:bodyPr/>
+        <p:spPr>
+          <a:xfrm>
+            <a:off x="838200" y="1825625"/>
+            <a:ext cx="10515600" cy="2179439"/>
+          </a:xfrm>
+        </p:spPr>
+        <p:txBody>
+          <a:bodyPr>
+            <a:normAutofit/>
+          </a:bodyPr>
+          <a:lstStyle/>
+          <a:p>
+            <a:r>
+              <a:rPr lang="en-GB" sz="2000" dirty="0"/>
+              <a:t>Mohamed Jama: Clinical Implementation Lead.</a:t>
+            </a:r>
+          </a:p>
+          <a:p>
+            <a:r>
+              <a:rPr lang="en-GB" sz="2000" dirty="0"/>
+              <a:t>Rohan Reddy: Proof of Concept Clinical Implementation and Logistic Regression Modelling.</a:t>
+            </a:r>
+          </a:p>
+          <a:p>
+            <a:r>
+              <a:rPr lang="en-GB" sz="2000" dirty="0" err="1"/>
+              <a:t>Guruvignesh</a:t>
+            </a:r>
+            <a:r>
+              <a:rPr lang="en-GB" sz="2000" dirty="0"/>
+              <a:t> Balaji: Finetuning of the implemented models, outlier handling and reformatted the modelling section into a class.</a:t>
+            </a:r>
+          </a:p>
+          <a:p>
+            <a:r>
+              <a:rPr lang="en-GB" sz="2000" dirty="0"/>
+              <a:t>Yusuf Salim (Leader): Implementation of skeleton models, exploratory data analysis and Project Management.</a:t>
+            </a:r>
+          </a:p>
+          <a:p>
+            <a:endParaRPr lang="en-GB" sz="2000" dirty="0"/>
+          </a:p>
+        </p:txBody>
+      </p:sp>
+      <p:sp>
+        <p:nvSpPr>
+          <p:cNvPr id="7" name="TextBox 6">
+            <a:extLst>
+              <a:ext uri="{FF2B5EF4-FFF2-40B4-BE49-F238E27FC236}">
+                <a16:creationId xmlns:a16="http://schemas.microsoft.com/office/drawing/2014/main" id="{2F669988-A5D8-B9AC-877C-27FD3E8F079A}"/>
+              </a:ext>
+            </a:extLst>
+          </p:cNvPr>
+          <p:cNvSpPr txBox="1"/>
+          <p:nvPr/>
+        </p:nvSpPr>
+        <p:spPr>
+          <a:xfrm>
+            <a:off x="1127448" y="5301208"/>
+            <a:ext cx="9074224" cy="307777"/>
+          </a:xfrm>
+          <a:prstGeom prst="rect">
+            <a:avLst/>
+          </a:prstGeom>
+          <a:noFill/>
+        </p:spPr>
+        <p:txBody>
+          <a:bodyPr wrap="square">
+            <a:spAutoFit/>
+          </a:bodyPr>
           <a:lstStyle/>
           <a:p>
             <a:pPr marL="0" indent="0">
               <a:buNone/>
             </a:pPr>
             <a:r>
-              <a:rPr lang="en-GB" dirty="0"/>
-              <a:t>Mohamed Jama: Clinical Implementation Lead</a:t>
-            </a:r>
-          </a:p>
-          <a:p>
-            <a:pPr marL="0" indent="0">
-              <a:buNone/>
-            </a:pPr>
-            <a:r>
-              <a:rPr lang="en-GB" dirty="0"/>
-              <a:t>Rohan Reddy: Proof of Concept Clinical Implementation and Clinical Implementation. Vanilla Logistic Regression Modelling</a:t>
-            </a:r>
-          </a:p>
-          <a:p>
-            <a:pPr marL="0" indent="0">
-              <a:buNone/>
-            </a:pPr>
-            <a:r>
-              <a:rPr lang="en-GB" dirty="0" err="1"/>
-              <a:t>Guruvignesh</a:t>
-            </a:r>
-            <a:r>
-              <a:rPr lang="en-GB" dirty="0"/>
-              <a:t> Balaji: Modelling</a:t>
-            </a:r>
-          </a:p>
-          <a:p>
-            <a:pPr marL="0" indent="0">
-              <a:buNone/>
-            </a:pPr>
-            <a:r>
-              <a:rPr lang="en-GB" dirty="0"/>
-              <a:t>Yusuf Salim (Leader): Modelling, Project Management</a:t>
-            </a:r>
-          </a:p>
-          <a:p>
-            <a:pPr marL="0" indent="0">
-              <a:buNone/>
-            </a:pPr>
-            <a:endParaRPr lang="en-GB" dirty="0"/>
-          </a:p>
-          <a:p>
-            <a:pPr marL="0" indent="0">
-              <a:buNone/>
-            </a:pPr>
-            <a:r>
-              <a:rPr lang="en-GB" dirty="0"/>
-              <a:t>A </a:t>
-            </a:r>
-            <a:r>
-              <a:rPr lang="en-GB" dirty="0" err="1"/>
-              <a:t>timelined</a:t>
-            </a:r>
-            <a:r>
-              <a:rPr lang="en-GB" dirty="0"/>
-              <a:t> version of individual contributions can be found using the GitHub repository Commit history</a:t>
+              <a:rPr lang="en-GB" sz="1400" dirty="0"/>
+              <a:t>A time-lined version of individual contributions can be found using the GitHub repository  commit history</a:t>
             </a:r>
           </a:p>
         </p:txBody>
@@ -6754,6 +12740,712 @@
     <p:extLst>
       <p:ext uri="{BB962C8B-B14F-4D97-AF65-F5344CB8AC3E}">
         <p14:creationId xmlns:p14="http://schemas.microsoft.com/office/powerpoint/2010/main" val="3506466848"/>
+      </p:ext>
+    </p:extLst>
+  </p:cSld>
+  <p:clrMapOvr>
+    <a:masterClrMapping/>
+  </p:clrMapOvr>
+</p:sld>
+</file>
+
+<file path=ppt/slides/slide40.xml><?xml version="1.0" encoding="utf-8"?>
+<p:sld xmlns:a="http://schemas.openxmlformats.org/drawingml/2006/main" xmlns:r="http://schemas.openxmlformats.org/officeDocument/2006/relationships" xmlns:p="http://schemas.openxmlformats.org/presentationml/2006/main">
+  <p:cSld>
+    <p:spTree>
+      <p:nvGrpSpPr>
+        <p:cNvPr id="1" name="">
+          <a:extLst>
+            <a:ext uri="{FF2B5EF4-FFF2-40B4-BE49-F238E27FC236}">
+              <a16:creationId xmlns:a16="http://schemas.microsoft.com/office/drawing/2014/main" id="{37CE30F1-814A-605B-FBEB-0EF04950FB67}"/>
+            </a:ext>
+          </a:extLst>
+        </p:cNvPr>
+        <p:cNvGrpSpPr/>
+        <p:nvPr/>
+      </p:nvGrpSpPr>
+      <p:grpSpPr>
+        <a:xfrm>
+          <a:off x="0" y="0"/>
+          <a:ext cx="0" cy="0"/>
+          <a:chOff x="0" y="0"/>
+          <a:chExt cx="0" cy="0"/>
+        </a:xfrm>
+      </p:grpSpPr>
+      <p:sp>
+        <p:nvSpPr>
+          <p:cNvPr id="2" name="Title 1">
+            <a:extLst>
+              <a:ext uri="{FF2B5EF4-FFF2-40B4-BE49-F238E27FC236}">
+                <a16:creationId xmlns:a16="http://schemas.microsoft.com/office/drawing/2014/main" id="{34490F9C-16B1-8ADD-1B9A-5E19C1CBB532}"/>
+              </a:ext>
+            </a:extLst>
+          </p:cNvPr>
+          <p:cNvSpPr>
+            <a:spLocks noGrp="1"/>
+          </p:cNvSpPr>
+          <p:nvPr>
+            <p:ph type="title"/>
+          </p:nvPr>
+        </p:nvSpPr>
+        <p:spPr>
+          <a:xfrm>
+            <a:off x="911424" y="404664"/>
+            <a:ext cx="10515600" cy="1325563"/>
+          </a:xfrm>
+        </p:spPr>
+        <p:txBody>
+          <a:bodyPr/>
+          <a:lstStyle/>
+          <a:p>
+            <a:r>
+              <a:rPr lang="en-GB" dirty="0">
+                <a:ea typeface="Cambria" panose="02040503050406030204" pitchFamily="18" charset="0"/>
+              </a:rPr>
+              <a:t>Evaluation</a:t>
+            </a:r>
+          </a:p>
+        </p:txBody>
+      </p:sp>
+      <p:sp>
+        <p:nvSpPr>
+          <p:cNvPr id="3" name="Content Placeholder 2">
+            <a:extLst>
+              <a:ext uri="{FF2B5EF4-FFF2-40B4-BE49-F238E27FC236}">
+                <a16:creationId xmlns:a16="http://schemas.microsoft.com/office/drawing/2014/main" id="{C650A977-BAC2-5B29-B11D-FD4BCEC5F48B}"/>
+              </a:ext>
+            </a:extLst>
+          </p:cNvPr>
+          <p:cNvSpPr>
+            <a:spLocks noGrp="1"/>
+          </p:cNvSpPr>
+          <p:nvPr>
+            <p:ph idx="1"/>
+          </p:nvPr>
+        </p:nvSpPr>
+        <p:spPr>
+          <a:xfrm>
+            <a:off x="764976" y="1772816"/>
+            <a:ext cx="10515600" cy="4351338"/>
+          </a:xfrm>
+        </p:spPr>
+        <p:txBody>
+          <a:bodyPr/>
+          <a:lstStyle/>
+          <a:p>
+            <a:r>
+              <a:rPr lang="en-GB" dirty="0"/>
+              <a:t>Model Results: Bonus Challenge</a:t>
+            </a:r>
+          </a:p>
+        </p:txBody>
+      </p:sp>
+    </p:spTree>
+    <p:extLst>
+      <p:ext uri="{BB962C8B-B14F-4D97-AF65-F5344CB8AC3E}">
+        <p14:creationId xmlns:p14="http://schemas.microsoft.com/office/powerpoint/2010/main" val="247075442"/>
+      </p:ext>
+    </p:extLst>
+  </p:cSld>
+  <p:clrMapOvr>
+    <a:masterClrMapping/>
+  </p:clrMapOvr>
+</p:sld>
+</file>
+
+<file path=ppt/slides/slide41.xml><?xml version="1.0" encoding="utf-8"?>
+<p:sld xmlns:a="http://schemas.openxmlformats.org/drawingml/2006/main" xmlns:r="http://schemas.openxmlformats.org/officeDocument/2006/relationships" xmlns:p="http://schemas.openxmlformats.org/presentationml/2006/main">
+  <p:cSld>
+    <p:spTree>
+      <p:nvGrpSpPr>
+        <p:cNvPr id="1" name="">
+          <a:extLst>
+            <a:ext uri="{FF2B5EF4-FFF2-40B4-BE49-F238E27FC236}">
+              <a16:creationId xmlns:a16="http://schemas.microsoft.com/office/drawing/2014/main" id="{CC2DD1A6-4939-3318-BC96-A958CF2C3D3B}"/>
+            </a:ext>
+          </a:extLst>
+        </p:cNvPr>
+        <p:cNvGrpSpPr/>
+        <p:nvPr/>
+      </p:nvGrpSpPr>
+      <p:grpSpPr>
+        <a:xfrm>
+          <a:off x="0" y="0"/>
+          <a:ext cx="0" cy="0"/>
+          <a:chOff x="0" y="0"/>
+          <a:chExt cx="0" cy="0"/>
+        </a:xfrm>
+      </p:grpSpPr>
+      <p:sp>
+        <p:nvSpPr>
+          <p:cNvPr id="2" name="Title 1">
+            <a:extLst>
+              <a:ext uri="{FF2B5EF4-FFF2-40B4-BE49-F238E27FC236}">
+                <a16:creationId xmlns:a16="http://schemas.microsoft.com/office/drawing/2014/main" id="{77ABCE43-944B-1242-A7FE-1CCD8F6DE0CC}"/>
+              </a:ext>
+            </a:extLst>
+          </p:cNvPr>
+          <p:cNvSpPr>
+            <a:spLocks noGrp="1"/>
+          </p:cNvSpPr>
+          <p:nvPr>
+            <p:ph type="title"/>
+          </p:nvPr>
+        </p:nvSpPr>
+        <p:spPr>
+          <a:xfrm>
+            <a:off x="911424" y="404664"/>
+            <a:ext cx="10515600" cy="1325563"/>
+          </a:xfrm>
+        </p:spPr>
+        <p:txBody>
+          <a:bodyPr/>
+          <a:lstStyle/>
+          <a:p>
+            <a:r>
+              <a:rPr lang="en-GB" dirty="0">
+                <a:ea typeface="Cambria" panose="02040503050406030204" pitchFamily="18" charset="0"/>
+              </a:rPr>
+              <a:t>Analysis</a:t>
+            </a:r>
+          </a:p>
+        </p:txBody>
+      </p:sp>
+      <p:sp>
+        <p:nvSpPr>
+          <p:cNvPr id="3" name="Content Placeholder 2">
+            <a:extLst>
+              <a:ext uri="{FF2B5EF4-FFF2-40B4-BE49-F238E27FC236}">
+                <a16:creationId xmlns:a16="http://schemas.microsoft.com/office/drawing/2014/main" id="{0C92F173-DD71-B627-2B2B-E640629C8B5A}"/>
+              </a:ext>
+            </a:extLst>
+          </p:cNvPr>
+          <p:cNvSpPr>
+            <a:spLocks noGrp="1"/>
+          </p:cNvSpPr>
+          <p:nvPr>
+            <p:ph idx="1"/>
+          </p:nvPr>
+        </p:nvSpPr>
+        <p:spPr>
+          <a:xfrm>
+            <a:off x="764976" y="1772816"/>
+            <a:ext cx="10515600" cy="4351338"/>
+          </a:xfrm>
+        </p:spPr>
+        <p:txBody>
+          <a:bodyPr/>
+          <a:lstStyle/>
+          <a:p>
+            <a:endParaRPr lang="en-GB" dirty="0"/>
+          </a:p>
+        </p:txBody>
+      </p:sp>
+    </p:spTree>
+    <p:extLst>
+      <p:ext uri="{BB962C8B-B14F-4D97-AF65-F5344CB8AC3E}">
+        <p14:creationId xmlns:p14="http://schemas.microsoft.com/office/powerpoint/2010/main" val="1141348560"/>
+      </p:ext>
+    </p:extLst>
+  </p:cSld>
+  <p:clrMapOvr>
+    <a:masterClrMapping/>
+  </p:clrMapOvr>
+</p:sld>
+</file>
+
+<file path=ppt/slides/slide42.xml><?xml version="1.0" encoding="utf-8"?>
+<p:sld xmlns:a="http://schemas.openxmlformats.org/drawingml/2006/main" xmlns:r="http://schemas.openxmlformats.org/officeDocument/2006/relationships" xmlns:p="http://schemas.openxmlformats.org/presentationml/2006/main">
+  <p:cSld>
+    <p:spTree>
+      <p:nvGrpSpPr>
+        <p:cNvPr id="1" name="">
+          <a:extLst>
+            <a:ext uri="{FF2B5EF4-FFF2-40B4-BE49-F238E27FC236}">
+              <a16:creationId xmlns:a16="http://schemas.microsoft.com/office/drawing/2014/main" id="{CB345B64-CB2B-A980-F6DF-DB55F7CC990E}"/>
+            </a:ext>
+          </a:extLst>
+        </p:cNvPr>
+        <p:cNvGrpSpPr/>
+        <p:nvPr/>
+      </p:nvGrpSpPr>
+      <p:grpSpPr>
+        <a:xfrm>
+          <a:off x="0" y="0"/>
+          <a:ext cx="0" cy="0"/>
+          <a:chOff x="0" y="0"/>
+          <a:chExt cx="0" cy="0"/>
+        </a:xfrm>
+      </p:grpSpPr>
+      <p:sp>
+        <p:nvSpPr>
+          <p:cNvPr id="2" name="Title 1">
+            <a:extLst>
+              <a:ext uri="{FF2B5EF4-FFF2-40B4-BE49-F238E27FC236}">
+                <a16:creationId xmlns:a16="http://schemas.microsoft.com/office/drawing/2014/main" id="{6BE6D4D8-2516-397B-02CA-1F0F958D6C0B}"/>
+              </a:ext>
+            </a:extLst>
+          </p:cNvPr>
+          <p:cNvSpPr>
+            <a:spLocks noGrp="1"/>
+          </p:cNvSpPr>
+          <p:nvPr>
+            <p:ph type="title"/>
+          </p:nvPr>
+        </p:nvSpPr>
+        <p:spPr>
+          <a:xfrm>
+            <a:off x="911424" y="404664"/>
+            <a:ext cx="10515600" cy="1325563"/>
+          </a:xfrm>
+        </p:spPr>
+        <p:txBody>
+          <a:bodyPr/>
+          <a:lstStyle/>
+          <a:p>
+            <a:r>
+              <a:rPr lang="en-GB" dirty="0">
+                <a:ea typeface="Cambria" panose="02040503050406030204" pitchFamily="18" charset="0"/>
+              </a:rPr>
+              <a:t>Further Work</a:t>
+            </a:r>
+          </a:p>
+        </p:txBody>
+      </p:sp>
+      <p:sp>
+        <p:nvSpPr>
+          <p:cNvPr id="3" name="Content Placeholder 2">
+            <a:extLst>
+              <a:ext uri="{FF2B5EF4-FFF2-40B4-BE49-F238E27FC236}">
+                <a16:creationId xmlns:a16="http://schemas.microsoft.com/office/drawing/2014/main" id="{5FEA7575-38D9-32F1-942F-62B3030745A0}"/>
+              </a:ext>
+            </a:extLst>
+          </p:cNvPr>
+          <p:cNvSpPr>
+            <a:spLocks noGrp="1"/>
+          </p:cNvSpPr>
+          <p:nvPr>
+            <p:ph idx="1"/>
+          </p:nvPr>
+        </p:nvSpPr>
+        <p:spPr>
+          <a:xfrm>
+            <a:off x="764976" y="1772816"/>
+            <a:ext cx="10515600" cy="4351338"/>
+          </a:xfrm>
+        </p:spPr>
+        <p:txBody>
+          <a:bodyPr/>
+          <a:lstStyle/>
+          <a:p>
+            <a:r>
+              <a:rPr lang="en-GB" dirty="0"/>
+              <a:t>Clustering</a:t>
+            </a:r>
+          </a:p>
+        </p:txBody>
+      </p:sp>
+    </p:spTree>
+    <p:extLst>
+      <p:ext uri="{BB962C8B-B14F-4D97-AF65-F5344CB8AC3E}">
+        <p14:creationId xmlns:p14="http://schemas.microsoft.com/office/powerpoint/2010/main" val="1805654343"/>
+      </p:ext>
+    </p:extLst>
+  </p:cSld>
+  <p:clrMapOvr>
+    <a:masterClrMapping/>
+  </p:clrMapOvr>
+</p:sld>
+</file>
+
+<file path=ppt/slides/slide43.xml><?xml version="1.0" encoding="utf-8"?>
+<p:sld xmlns:a="http://schemas.openxmlformats.org/drawingml/2006/main" xmlns:r="http://schemas.openxmlformats.org/officeDocument/2006/relationships" xmlns:p="http://schemas.openxmlformats.org/presentationml/2006/main">
+  <p:cSld>
+    <p:spTree>
+      <p:nvGrpSpPr>
+        <p:cNvPr id="1" name="">
+          <a:extLst>
+            <a:ext uri="{FF2B5EF4-FFF2-40B4-BE49-F238E27FC236}">
+              <a16:creationId xmlns:a16="http://schemas.microsoft.com/office/drawing/2014/main" id="{0C6F2E16-F7AC-7696-D23E-948B7E26450B}"/>
+            </a:ext>
+          </a:extLst>
+        </p:cNvPr>
+        <p:cNvGrpSpPr/>
+        <p:nvPr/>
+      </p:nvGrpSpPr>
+      <p:grpSpPr>
+        <a:xfrm>
+          <a:off x="0" y="0"/>
+          <a:ext cx="0" cy="0"/>
+          <a:chOff x="0" y="0"/>
+          <a:chExt cx="0" cy="0"/>
+        </a:xfrm>
+      </p:grpSpPr>
+      <p:sp>
+        <p:nvSpPr>
+          <p:cNvPr id="2" name="Title 1">
+            <a:extLst>
+              <a:ext uri="{FF2B5EF4-FFF2-40B4-BE49-F238E27FC236}">
+                <a16:creationId xmlns:a16="http://schemas.microsoft.com/office/drawing/2014/main" id="{BB092EC3-E47A-01F5-8CF2-EAE2CC9CDA9C}"/>
+              </a:ext>
+            </a:extLst>
+          </p:cNvPr>
+          <p:cNvSpPr>
+            <a:spLocks noGrp="1"/>
+          </p:cNvSpPr>
+          <p:nvPr>
+            <p:ph type="title"/>
+          </p:nvPr>
+        </p:nvSpPr>
+        <p:spPr/>
+        <p:txBody>
+          <a:bodyPr/>
+          <a:lstStyle/>
+          <a:p>
+            <a:r>
+              <a:rPr lang="en-GB" dirty="0"/>
+              <a:t>Clinical Implementation</a:t>
+            </a:r>
+          </a:p>
+        </p:txBody>
+      </p:sp>
+    </p:spTree>
+    <p:extLst>
+      <p:ext uri="{BB962C8B-B14F-4D97-AF65-F5344CB8AC3E}">
+        <p14:creationId xmlns:p14="http://schemas.microsoft.com/office/powerpoint/2010/main" val="2142250244"/>
+      </p:ext>
+    </p:extLst>
+  </p:cSld>
+  <p:clrMapOvr>
+    <a:masterClrMapping/>
+  </p:clrMapOvr>
+</p:sld>
+</file>
+
+<file path=ppt/slides/slide44.xml><?xml version="1.0" encoding="utf-8"?>
+<p:sld xmlns:a="http://schemas.openxmlformats.org/drawingml/2006/main" xmlns:r="http://schemas.openxmlformats.org/officeDocument/2006/relationships" xmlns:p="http://schemas.openxmlformats.org/presentationml/2006/main">
+  <p:cSld>
+    <p:spTree>
+      <p:nvGrpSpPr>
+        <p:cNvPr id="1" name="">
+          <a:extLst>
+            <a:ext uri="{FF2B5EF4-FFF2-40B4-BE49-F238E27FC236}">
+              <a16:creationId xmlns:a16="http://schemas.microsoft.com/office/drawing/2014/main" id="{74181A43-D0C3-3B7B-966C-A926B069395E}"/>
+            </a:ext>
+          </a:extLst>
+        </p:cNvPr>
+        <p:cNvGrpSpPr/>
+        <p:nvPr/>
+      </p:nvGrpSpPr>
+      <p:grpSpPr>
+        <a:xfrm>
+          <a:off x="0" y="0"/>
+          <a:ext cx="0" cy="0"/>
+          <a:chOff x="0" y="0"/>
+          <a:chExt cx="0" cy="0"/>
+        </a:xfrm>
+      </p:grpSpPr>
+      <p:sp>
+        <p:nvSpPr>
+          <p:cNvPr id="2" name="Title 1">
+            <a:extLst>
+              <a:ext uri="{FF2B5EF4-FFF2-40B4-BE49-F238E27FC236}">
+                <a16:creationId xmlns:a16="http://schemas.microsoft.com/office/drawing/2014/main" id="{49FB984D-A6AB-6A18-0061-56CF0263CE78}"/>
+              </a:ext>
+            </a:extLst>
+          </p:cNvPr>
+          <p:cNvSpPr>
+            <a:spLocks noGrp="1"/>
+          </p:cNvSpPr>
+          <p:nvPr>
+            <p:ph type="title"/>
+          </p:nvPr>
+        </p:nvSpPr>
+        <p:spPr>
+          <a:xfrm>
+            <a:off x="911424" y="404664"/>
+            <a:ext cx="10515600" cy="1325563"/>
+          </a:xfrm>
+        </p:spPr>
+        <p:txBody>
+          <a:bodyPr/>
+          <a:lstStyle/>
+          <a:p>
+            <a:r>
+              <a:rPr lang="en-GB" dirty="0">
+                <a:ea typeface="Cambria" panose="02040503050406030204" pitchFamily="18" charset="0"/>
+              </a:rPr>
+              <a:t>Contents</a:t>
+            </a:r>
+          </a:p>
+        </p:txBody>
+      </p:sp>
+      <p:sp>
+        <p:nvSpPr>
+          <p:cNvPr id="3" name="Content Placeholder 2">
+            <a:extLst>
+              <a:ext uri="{FF2B5EF4-FFF2-40B4-BE49-F238E27FC236}">
+                <a16:creationId xmlns:a16="http://schemas.microsoft.com/office/drawing/2014/main" id="{D8211819-A2B8-AC6B-3D22-C194D3A5D47A}"/>
+              </a:ext>
+            </a:extLst>
+          </p:cNvPr>
+          <p:cNvSpPr>
+            <a:spLocks noGrp="1"/>
+          </p:cNvSpPr>
+          <p:nvPr>
+            <p:ph idx="1"/>
+          </p:nvPr>
+        </p:nvSpPr>
+        <p:spPr>
+          <a:xfrm>
+            <a:off x="764976" y="1772816"/>
+            <a:ext cx="10515600" cy="4351338"/>
+          </a:xfrm>
+        </p:spPr>
+        <p:txBody>
+          <a:bodyPr>
+            <a:normAutofit/>
+          </a:bodyPr>
+          <a:lstStyle/>
+          <a:p>
+            <a:r>
+              <a:rPr lang="en-GB" sz="2000" dirty="0"/>
+              <a:t>Clinical Implementation Documentation: ‘ClinicalImplementation.pdf’ </a:t>
+            </a:r>
+          </a:p>
+          <a:p>
+            <a:r>
+              <a:rPr lang="en-GB" sz="2000" dirty="0"/>
+              <a:t>Clinical Implementation PowerPoint: ‘ClinicalImplementationPowerPoint.ppt’</a:t>
+            </a:r>
+          </a:p>
+          <a:p>
+            <a:r>
+              <a:rPr lang="en-GB" sz="2000" dirty="0"/>
+              <a:t>Clinical Implementation Proof of Concept Design.</a:t>
+            </a:r>
+          </a:p>
+        </p:txBody>
+      </p:sp>
+    </p:spTree>
+    <p:extLst>
+      <p:ext uri="{BB962C8B-B14F-4D97-AF65-F5344CB8AC3E}">
+        <p14:creationId xmlns:p14="http://schemas.microsoft.com/office/powerpoint/2010/main" val="3089393067"/>
+      </p:ext>
+    </p:extLst>
+  </p:cSld>
+  <p:clrMapOvr>
+    <a:masterClrMapping/>
+  </p:clrMapOvr>
+</p:sld>
+</file>
+
+<file path=ppt/slides/slide45.xml><?xml version="1.0" encoding="utf-8"?>
+<p:sld xmlns:a="http://schemas.openxmlformats.org/drawingml/2006/main" xmlns:r="http://schemas.openxmlformats.org/officeDocument/2006/relationships" xmlns:p="http://schemas.openxmlformats.org/presentationml/2006/main">
+  <p:cSld>
+    <p:spTree>
+      <p:nvGrpSpPr>
+        <p:cNvPr id="1" name="">
+          <a:extLst>
+            <a:ext uri="{FF2B5EF4-FFF2-40B4-BE49-F238E27FC236}">
+              <a16:creationId xmlns:a16="http://schemas.microsoft.com/office/drawing/2014/main" id="{7DC35D66-BE5F-053C-2DCE-89C776BCDF80}"/>
+            </a:ext>
+          </a:extLst>
+        </p:cNvPr>
+        <p:cNvGrpSpPr/>
+        <p:nvPr/>
+      </p:nvGrpSpPr>
+      <p:grpSpPr>
+        <a:xfrm>
+          <a:off x="0" y="0"/>
+          <a:ext cx="0" cy="0"/>
+          <a:chOff x="0" y="0"/>
+          <a:chExt cx="0" cy="0"/>
+        </a:xfrm>
+      </p:grpSpPr>
+      <p:sp>
+        <p:nvSpPr>
+          <p:cNvPr id="2" name="Title 1">
+            <a:extLst>
+              <a:ext uri="{FF2B5EF4-FFF2-40B4-BE49-F238E27FC236}">
+                <a16:creationId xmlns:a16="http://schemas.microsoft.com/office/drawing/2014/main" id="{1B936015-DC78-5848-8DD4-A6CE920DB71A}"/>
+              </a:ext>
+            </a:extLst>
+          </p:cNvPr>
+          <p:cNvSpPr>
+            <a:spLocks noGrp="1"/>
+          </p:cNvSpPr>
+          <p:nvPr>
+            <p:ph type="title"/>
+          </p:nvPr>
+        </p:nvSpPr>
+        <p:spPr>
+          <a:xfrm>
+            <a:off x="911424" y="404664"/>
+            <a:ext cx="10515600" cy="1325563"/>
+          </a:xfrm>
+        </p:spPr>
+        <p:txBody>
+          <a:bodyPr/>
+          <a:lstStyle/>
+          <a:p>
+            <a:r>
+              <a:rPr lang="en-GB" dirty="0">
+                <a:ea typeface="Cambria" panose="02040503050406030204" pitchFamily="18" charset="0"/>
+              </a:rPr>
+              <a:t>Contents</a:t>
+            </a:r>
+          </a:p>
+        </p:txBody>
+      </p:sp>
+      <p:pic>
+        <p:nvPicPr>
+          <p:cNvPr id="13" name="Picture 12" descr="A screenshot of a test&#10;&#10;Description automatically generated">
+            <a:extLst>
+              <a:ext uri="{FF2B5EF4-FFF2-40B4-BE49-F238E27FC236}">
+                <a16:creationId xmlns:a16="http://schemas.microsoft.com/office/drawing/2014/main" id="{60208D4D-3262-9DB7-C190-BEB97FEF4D8F}"/>
+              </a:ext>
+            </a:extLst>
+          </p:cNvPr>
+          <p:cNvPicPr>
+            <a:picLocks noChangeAspect="1"/>
+          </p:cNvPicPr>
+          <p:nvPr/>
+        </p:nvPicPr>
+        <p:blipFill>
+          <a:blip r:embed="rId2">
+            <a:extLst>
+              <a:ext uri="{28A0092B-C50C-407E-A947-70E740481C1C}">
+                <a14:useLocalDpi xmlns:a14="http://schemas.microsoft.com/office/drawing/2010/main" val="0"/>
+              </a:ext>
+            </a:extLst>
+          </a:blip>
+          <a:stretch>
+            <a:fillRect/>
+          </a:stretch>
+        </p:blipFill>
+        <p:spPr>
+          <a:xfrm>
+            <a:off x="2457147" y="0"/>
+            <a:ext cx="7277706" cy="6858000"/>
+          </a:xfrm>
+          <a:prstGeom prst="rect">
+            <a:avLst/>
+          </a:prstGeom>
+        </p:spPr>
+      </p:pic>
+      <p:pic>
+        <p:nvPicPr>
+          <p:cNvPr id="15" name="Picture 14" descr="A screenshot of a computer&#10;&#10;Description automatically generated">
+            <a:extLst>
+              <a:ext uri="{FF2B5EF4-FFF2-40B4-BE49-F238E27FC236}">
+                <a16:creationId xmlns:a16="http://schemas.microsoft.com/office/drawing/2014/main" id="{E3F8FC26-2B9E-26E7-0323-F19E8F65CB19}"/>
+              </a:ext>
+            </a:extLst>
+          </p:cNvPr>
+          <p:cNvPicPr>
+            <a:picLocks noChangeAspect="1"/>
+          </p:cNvPicPr>
+          <p:nvPr/>
+        </p:nvPicPr>
+        <p:blipFill>
+          <a:blip r:embed="rId3">
+            <a:extLst>
+              <a:ext uri="{28A0092B-C50C-407E-A947-70E740481C1C}">
+                <a14:useLocalDpi xmlns:a14="http://schemas.microsoft.com/office/drawing/2010/main" val="0"/>
+              </a:ext>
+            </a:extLst>
+          </a:blip>
+          <a:stretch>
+            <a:fillRect/>
+          </a:stretch>
+        </p:blipFill>
+        <p:spPr>
+          <a:xfrm>
+            <a:off x="3785644" y="150000"/>
+            <a:ext cx="4920712" cy="6858000"/>
+          </a:xfrm>
+          <a:prstGeom prst="rect">
+            <a:avLst/>
+          </a:prstGeom>
+        </p:spPr>
+      </p:pic>
+      <p:pic>
+        <p:nvPicPr>
+          <p:cNvPr id="17" name="Picture 16" descr="A screenshot of a medical survey&#10;&#10;Description automatically generated">
+            <a:extLst>
+              <a:ext uri="{FF2B5EF4-FFF2-40B4-BE49-F238E27FC236}">
+                <a16:creationId xmlns:a16="http://schemas.microsoft.com/office/drawing/2014/main" id="{44355EB8-3B1A-CB5A-2374-CF547E3EBC05}"/>
+              </a:ext>
+            </a:extLst>
+          </p:cNvPr>
+          <p:cNvPicPr>
+            <a:picLocks noChangeAspect="1"/>
+          </p:cNvPicPr>
+          <p:nvPr/>
+        </p:nvPicPr>
+        <p:blipFill>
+          <a:blip r:embed="rId4">
+            <a:extLst>
+              <a:ext uri="{28A0092B-C50C-407E-A947-70E740481C1C}">
+                <a14:useLocalDpi xmlns:a14="http://schemas.microsoft.com/office/drawing/2010/main" val="0"/>
+              </a:ext>
+            </a:extLst>
+          </a:blip>
+          <a:stretch>
+            <a:fillRect/>
+          </a:stretch>
+        </p:blipFill>
+        <p:spPr>
+          <a:xfrm>
+            <a:off x="3420990" y="300000"/>
+            <a:ext cx="5950020" cy="6858000"/>
+          </a:xfrm>
+          <a:prstGeom prst="rect">
+            <a:avLst/>
+          </a:prstGeom>
+        </p:spPr>
+      </p:pic>
+      <p:pic>
+        <p:nvPicPr>
+          <p:cNvPr id="19" name="Picture 18" descr="A screenshot of a medical application&#10;&#10;Description automatically generated">
+            <a:extLst>
+              <a:ext uri="{FF2B5EF4-FFF2-40B4-BE49-F238E27FC236}">
+                <a16:creationId xmlns:a16="http://schemas.microsoft.com/office/drawing/2014/main" id="{9AE251D5-3BEA-4FB1-0ED1-E88D5F8ADBA7}"/>
+              </a:ext>
+            </a:extLst>
+          </p:cNvPr>
+          <p:cNvPicPr>
+            <a:picLocks noChangeAspect="1"/>
+          </p:cNvPicPr>
+          <p:nvPr/>
+        </p:nvPicPr>
+        <p:blipFill>
+          <a:blip r:embed="rId5">
+            <a:extLst>
+              <a:ext uri="{28A0092B-C50C-407E-A947-70E740481C1C}">
+                <a14:useLocalDpi xmlns:a14="http://schemas.microsoft.com/office/drawing/2010/main" val="0"/>
+              </a:ext>
+            </a:extLst>
+          </a:blip>
+          <a:stretch>
+            <a:fillRect/>
+          </a:stretch>
+        </p:blipFill>
+        <p:spPr>
+          <a:xfrm>
+            <a:off x="3567204" y="450000"/>
+            <a:ext cx="5957591" cy="6858000"/>
+          </a:xfrm>
+          <a:prstGeom prst="rect">
+            <a:avLst/>
+          </a:prstGeom>
+        </p:spPr>
+      </p:pic>
+    </p:spTree>
+    <p:extLst>
+      <p:ext uri="{BB962C8B-B14F-4D97-AF65-F5344CB8AC3E}">
+        <p14:creationId xmlns:p14="http://schemas.microsoft.com/office/powerpoint/2010/main" val="1877703523"/>
       </p:ext>
     </p:extLst>
   </p:cSld>
@@ -6854,12 +13546,7 @@
             <p:ph type="title"/>
           </p:nvPr>
         </p:nvSpPr>
-        <p:spPr>
-          <a:xfrm>
-            <a:off x="908992" y="404664"/>
-            <a:ext cx="10515600" cy="1325563"/>
-          </a:xfrm>
-        </p:spPr>
+        <p:spPr/>
         <p:txBody>
           <a:bodyPr/>
           <a:lstStyle/>
@@ -6873,6 +13560,34 @@
       </p:sp>
       <p:sp>
         <p:nvSpPr>
+          <p:cNvPr id="5" name="Text Placeholder 4">
+            <a:extLst>
+              <a:ext uri="{FF2B5EF4-FFF2-40B4-BE49-F238E27FC236}">
+                <a16:creationId xmlns:a16="http://schemas.microsoft.com/office/drawing/2014/main" id="{7C5412EE-0E33-E0E2-AAEC-26B1FDD80ECE}"/>
+              </a:ext>
+            </a:extLst>
+          </p:cNvPr>
+          <p:cNvSpPr>
+            <a:spLocks noGrp="1"/>
+          </p:cNvSpPr>
+          <p:nvPr>
+            <p:ph type="body" idx="1"/>
+          </p:nvPr>
+        </p:nvSpPr>
+        <p:spPr/>
+        <p:txBody>
+          <a:bodyPr/>
+          <a:lstStyle/>
+          <a:p>
+            <a:r>
+              <a:rPr lang="en-GB" dirty="0"/>
+              <a:t>Problem description</a:t>
+            </a:r>
+          </a:p>
+        </p:txBody>
+      </p:sp>
+      <p:sp>
+        <p:nvSpPr>
           <p:cNvPr id="3" name="Content Placeholder 2">
             <a:extLst>
               <a:ext uri="{FF2B5EF4-FFF2-40B4-BE49-F238E27FC236}">
@@ -6884,15 +13599,10 @@
             <a:spLocks noGrp="1"/>
           </p:cNvSpPr>
           <p:nvPr>
-            <p:ph idx="1"/>
-          </p:nvPr>
-        </p:nvSpPr>
-        <p:spPr>
-          <a:xfrm>
-            <a:off x="983432" y="1668230"/>
-            <a:ext cx="10515600" cy="4351338"/>
-          </a:xfrm>
-        </p:spPr>
+            <p:ph sz="half" idx="2"/>
+          </p:nvPr>
+        </p:nvSpPr>
+        <p:spPr/>
         <p:txBody>
           <a:bodyPr/>
           <a:lstStyle/>
@@ -6918,18 +13628,65 @@
             <a:pPr marL="0" indent="0">
               <a:buNone/>
             </a:pPr>
-            <a:r>
-              <a:rPr lang="en-GB" sz="2000" dirty="0"/>
-              <a:t>Imports</a:t>
-            </a:r>
-          </a:p>
+            <a:endParaRPr lang="en-GB" sz="2000" dirty="0"/>
+          </a:p>
+        </p:txBody>
+      </p:sp>
+      <p:sp>
+        <p:nvSpPr>
+          <p:cNvPr id="6" name="Text Placeholder 5">
+            <a:extLst>
+              <a:ext uri="{FF2B5EF4-FFF2-40B4-BE49-F238E27FC236}">
+                <a16:creationId xmlns:a16="http://schemas.microsoft.com/office/drawing/2014/main" id="{64FFF0F0-C353-2416-BBEC-774E820B3F4B}"/>
+              </a:ext>
+            </a:extLst>
+          </p:cNvPr>
+          <p:cNvSpPr>
+            <a:spLocks noGrp="1"/>
+          </p:cNvSpPr>
+          <p:nvPr>
+            <p:ph type="body" sz="quarter" idx="3"/>
+          </p:nvPr>
+        </p:nvSpPr>
+        <p:spPr/>
+        <p:txBody>
+          <a:bodyPr/>
+          <a:lstStyle/>
+          <a:p>
+            <a:r>
+              <a:rPr lang="en-GB" dirty="0"/>
+              <a:t>Notebook Walkthrough</a:t>
+            </a:r>
+          </a:p>
+        </p:txBody>
+      </p:sp>
+      <p:sp>
+        <p:nvSpPr>
+          <p:cNvPr id="4" name="Content Placeholder 3">
+            <a:extLst>
+              <a:ext uri="{FF2B5EF4-FFF2-40B4-BE49-F238E27FC236}">
+                <a16:creationId xmlns:a16="http://schemas.microsoft.com/office/drawing/2014/main" id="{BBD08900-AC0C-4B30-FA75-122D0C7091C5}"/>
+              </a:ext>
+            </a:extLst>
+          </p:cNvPr>
+          <p:cNvSpPr>
+            <a:spLocks noGrp="1"/>
+          </p:cNvSpPr>
+          <p:nvPr>
+            <p:ph sz="quarter" idx="4"/>
+          </p:nvPr>
+        </p:nvSpPr>
+        <p:spPr/>
+        <p:txBody>
+          <a:bodyPr/>
+          <a:lstStyle/>
           <a:p>
             <a:pPr marL="0" indent="0">
               <a:buNone/>
             </a:pPr>
             <a:r>
-              <a:rPr lang="en-GB" sz="2000" dirty="0"/>
-              <a:t>Exploratory Data Analysis (EDA)</a:t>
+              <a:rPr lang="en-GB" sz="2800" dirty="0"/>
+              <a:t>Imports</a:t>
             </a:r>
           </a:p>
           <a:p>
@@ -6937,8 +13694,8 @@
               <a:buNone/>
             </a:pPr>
             <a:r>
-              <a:rPr lang="en-GB" sz="2000" dirty="0"/>
-              <a:t>Modelling</a:t>
+              <a:rPr lang="en-GB" sz="2800" dirty="0"/>
+              <a:t>Exploratory Data Analysis (EDA)</a:t>
             </a:r>
           </a:p>
           <a:p>
@@ -6946,8 +13703,8 @@
               <a:buNone/>
             </a:pPr>
             <a:r>
-              <a:rPr lang="en-GB" sz="2000" dirty="0"/>
-              <a:t>Evaluation</a:t>
+              <a:rPr lang="en-GB" sz="2800" dirty="0"/>
+              <a:t>Modelling</a:t>
             </a:r>
           </a:p>
           <a:p>
@@ -6955,8 +13712,8 @@
               <a:buNone/>
             </a:pPr>
             <a:r>
-              <a:rPr lang="en-GB" sz="2000" dirty="0"/>
-              <a:t>Analysis</a:t>
+              <a:rPr lang="en-GB" sz="2800" dirty="0"/>
+              <a:t>Evaluation</a:t>
             </a:r>
           </a:p>
           <a:p>
@@ -6964,14 +13721,20 @@
               <a:buNone/>
             </a:pPr>
             <a:r>
-              <a:rPr lang="en-GB" sz="2000" dirty="0"/>
-              <a:t>Further Work</a:t>
+              <a:rPr lang="en-GB" sz="2800" dirty="0"/>
+              <a:t>Analysis</a:t>
             </a:r>
           </a:p>
           <a:p>
             <a:pPr marL="0" indent="0">
               <a:buNone/>
             </a:pPr>
+            <a:r>
+              <a:rPr lang="en-GB" sz="2800" dirty="0"/>
+              <a:t>Further Work</a:t>
+            </a:r>
+          </a:p>
+          <a:p>
             <a:endParaRPr lang="en-GB" dirty="0"/>
           </a:p>
         </p:txBody>
@@ -6994,6 +13757,70 @@
   <p:cSld>
     <p:spTree>
       <p:nvGrpSpPr>
+        <p:cNvPr id="1" name="">
+          <a:extLst>
+            <a:ext uri="{FF2B5EF4-FFF2-40B4-BE49-F238E27FC236}">
+              <a16:creationId xmlns:a16="http://schemas.microsoft.com/office/drawing/2014/main" id="{4D7BA0C6-01CD-42D1-3CE2-DF46D8E7D78E}"/>
+            </a:ext>
+          </a:extLst>
+        </p:cNvPr>
+        <p:cNvGrpSpPr/>
+        <p:nvPr/>
+      </p:nvGrpSpPr>
+      <p:grpSpPr>
+        <a:xfrm>
+          <a:off x="0" y="0"/>
+          <a:ext cx="0" cy="0"/>
+          <a:chOff x="0" y="0"/>
+          <a:chExt cx="0" cy="0"/>
+        </a:xfrm>
+      </p:grpSpPr>
+      <p:sp>
+        <p:nvSpPr>
+          <p:cNvPr id="2" name="Title 1">
+            <a:extLst>
+              <a:ext uri="{FF2B5EF4-FFF2-40B4-BE49-F238E27FC236}">
+                <a16:creationId xmlns:a16="http://schemas.microsoft.com/office/drawing/2014/main" id="{71F02E73-8DFB-1117-4A0D-7A2DEA1C692E}"/>
+              </a:ext>
+            </a:extLst>
+          </p:cNvPr>
+          <p:cNvSpPr>
+            <a:spLocks noGrp="1"/>
+          </p:cNvSpPr>
+          <p:nvPr>
+            <p:ph type="title"/>
+          </p:nvPr>
+        </p:nvSpPr>
+        <p:spPr/>
+        <p:txBody>
+          <a:bodyPr/>
+          <a:lstStyle/>
+          <a:p>
+            <a:r>
+              <a:rPr lang="en-GB" dirty="0"/>
+              <a:t>Problem Description</a:t>
+            </a:r>
+          </a:p>
+        </p:txBody>
+      </p:sp>
+    </p:spTree>
+    <p:extLst>
+      <p:ext uri="{BB962C8B-B14F-4D97-AF65-F5344CB8AC3E}">
+        <p14:creationId xmlns:p14="http://schemas.microsoft.com/office/powerpoint/2010/main" val="1814841440"/>
+      </p:ext>
+    </p:extLst>
+  </p:cSld>
+  <p:clrMapOvr>
+    <a:masterClrMapping/>
+  </p:clrMapOvr>
+</p:sld>
+</file>
+
+<file path=ppt/slides/slide8.xml><?xml version="1.0" encoding="utf-8"?>
+<p:sld xmlns:a="http://schemas.openxmlformats.org/drawingml/2006/main" xmlns:r="http://schemas.openxmlformats.org/officeDocument/2006/relationships" xmlns:p="http://schemas.openxmlformats.org/presentationml/2006/main">
+  <p:cSld>
+    <p:spTree>
+      <p:nvGrpSpPr>
         <p:cNvPr id="1" name=""/>
         <p:cNvGrpSpPr/>
         <p:nvPr/>
@@ -7105,6 +13932,18 @@
               <a:rPr lang="en-NL" sz="2000" dirty="0"/>
               <a:t>and spondylolisthesis.</a:t>
             </a:r>
+            <a:endParaRPr lang="en-GB" sz="2000" dirty="0"/>
+          </a:p>
+          <a:p>
+            <a:r>
+              <a:rPr lang="en-GB" sz="2000" dirty="0"/>
+              <a:t>The solution described in this submission addresses both the standard and bonus challenge.</a:t>
+            </a:r>
+          </a:p>
+          <a:p>
+            <a:endParaRPr lang="en-GB" sz="2000" dirty="0"/>
+          </a:p>
+          <a:p>
             <a:endParaRPr lang="en-GB" sz="2000" dirty="0"/>
           </a:p>
           <a:p>
@@ -7125,7 +13964,7 @@
 </p:sld>
 </file>
 
-<file path=ppt/slides/slide8.xml><?xml version="1.0" encoding="utf-8"?>
+<file path=ppt/slides/slide9.xml><?xml version="1.0" encoding="utf-8"?>
 <p:sld xmlns:a="http://schemas.openxmlformats.org/drawingml/2006/main" xmlns:r="http://schemas.openxmlformats.org/officeDocument/2006/relationships" xmlns:p="http://schemas.openxmlformats.org/presentationml/2006/main">
   <p:cSld>
     <p:spTree>
@@ -7164,12 +14003,7 @@
             <p:ph type="title"/>
           </p:nvPr>
         </p:nvSpPr>
-        <p:spPr>
-          <a:xfrm>
-            <a:off x="911424" y="404664"/>
-            <a:ext cx="10515600" cy="1325563"/>
-          </a:xfrm>
-        </p:spPr>
+        <p:spPr/>
         <p:txBody>
           <a:bodyPr/>
           <a:lstStyle/>
@@ -7185,6 +14019,43 @@
       </p:sp>
       <p:sp>
         <p:nvSpPr>
+          <p:cNvPr id="5" name="Text Placeholder 4">
+            <a:extLst>
+              <a:ext uri="{FF2B5EF4-FFF2-40B4-BE49-F238E27FC236}">
+                <a16:creationId xmlns:a16="http://schemas.microsoft.com/office/drawing/2014/main" id="{655DEB2A-6CC5-FA92-CEA0-87C1676DE84E}"/>
+              </a:ext>
+            </a:extLst>
+          </p:cNvPr>
+          <p:cNvSpPr>
+            <a:spLocks noGrp="1"/>
+          </p:cNvSpPr>
+          <p:nvPr>
+            <p:ph type="body" idx="1"/>
+          </p:nvPr>
+        </p:nvSpPr>
+        <p:spPr>
+          <a:xfrm>
+            <a:off x="836612" y="1668984"/>
+            <a:ext cx="7992516" cy="823912"/>
+          </a:xfrm>
+        </p:spPr>
+        <p:txBody>
+          <a:bodyPr/>
+          <a:lstStyle/>
+          <a:p>
+            <a:r>
+              <a:rPr lang="en-GB" dirty="0"/>
+              <a:t>Our understanding of the current process</a:t>
+            </a:r>
+            <a:r>
+              <a:rPr lang="en-GB" b="1" dirty="0"/>
+              <a:t> </a:t>
+            </a:r>
+          </a:p>
+        </p:txBody>
+      </p:sp>
+      <p:sp>
+        <p:nvSpPr>
           <p:cNvPr id="3" name="Content Placeholder 2">
             <a:extLst>
               <a:ext uri="{FF2B5EF4-FFF2-40B4-BE49-F238E27FC236}">
@@ -7196,38 +14067,144 @@
             <a:spLocks noGrp="1"/>
           </p:cNvSpPr>
           <p:nvPr>
-            <p:ph idx="1"/>
+            <p:ph sz="half" idx="2"/>
+          </p:nvPr>
+        </p:nvSpPr>
+        <p:spPr>
+          <a:xfrm>
+            <a:off x="839788" y="2505075"/>
+            <a:ext cx="5157787" cy="3987800"/>
+          </a:xfrm>
+        </p:spPr>
+        <p:txBody>
+          <a:bodyPr>
+            <a:normAutofit/>
+          </a:bodyPr>
+          <a:lstStyle/>
+          <a:p>
+            <a:pPr marL="0" indent="0">
+              <a:buNone/>
+            </a:pPr>
+            <a:r>
+              <a:rPr lang="en-GB" sz="2000" b="1" dirty="0"/>
+              <a:t>Elective Diagnosis Process:</a:t>
+            </a:r>
+            <a:endParaRPr lang="en-GB" sz="2000" dirty="0"/>
+          </a:p>
+          <a:p>
+            <a:pPr lvl="1"/>
+            <a:r>
+              <a:rPr lang="en-GB" sz="1800" dirty="0"/>
+              <a:t>Patients visit a General Practitioner (GP) for initial evaluation.</a:t>
+            </a:r>
+          </a:p>
+          <a:p>
+            <a:pPr lvl="1"/>
+            <a:r>
+              <a:rPr lang="en-GB" sz="1800" dirty="0"/>
+              <a:t>GPs may refer patients to specialists for consultation and lateral X-Ray scans.</a:t>
+            </a:r>
+          </a:p>
+          <a:p>
+            <a:pPr lvl="1"/>
+            <a:r>
+              <a:rPr lang="en-GB" sz="1800" dirty="0"/>
+              <a:t>Specialists make a diagnosis and determine the treatment path based on severity:</a:t>
+            </a:r>
+          </a:p>
+          <a:p>
+            <a:pPr lvl="2"/>
+            <a:r>
+              <a:rPr lang="en-GB" sz="1600" b="1" dirty="0"/>
+              <a:t>Conservative Management:</a:t>
+            </a:r>
+            <a:r>
+              <a:rPr lang="en-GB" sz="1600" dirty="0"/>
+              <a:t> For mild conditions (e.g., slightly herniated discs), involving physiotherapy or other non-surgical approaches.</a:t>
+            </a:r>
+          </a:p>
+          <a:p>
+            <a:pPr lvl="2"/>
+            <a:r>
+              <a:rPr lang="en-GB" sz="1600" b="1" dirty="0"/>
+              <a:t>Surgical Intervention:</a:t>
+            </a:r>
+            <a:r>
+              <a:rPr lang="en-GB" sz="1600" dirty="0"/>
+              <a:t> Reserved for severe cases where conservative treatments fail, acting as a last resort.</a:t>
+            </a:r>
+          </a:p>
+        </p:txBody>
+      </p:sp>
+      <p:sp>
+        <p:nvSpPr>
+          <p:cNvPr id="16" name="Content Placeholder 15">
+            <a:extLst>
+              <a:ext uri="{FF2B5EF4-FFF2-40B4-BE49-F238E27FC236}">
+                <a16:creationId xmlns:a16="http://schemas.microsoft.com/office/drawing/2014/main" id="{1D685E2A-09AD-E062-E017-A17306231241}"/>
+              </a:ext>
+            </a:extLst>
+          </p:cNvPr>
+          <p:cNvSpPr>
+            <a:spLocks noGrp="1"/>
+          </p:cNvSpPr>
+          <p:nvPr>
+            <p:ph sz="quarter" idx="4"/>
           </p:nvPr>
         </p:nvSpPr>
         <p:spPr/>
         <p:txBody>
-          <a:bodyPr/>
-          <a:lstStyle/>
-          <a:p>
-            <a:r>
-              <a:rPr lang="en-GB" dirty="0"/>
-              <a:t>Current System Description as described in </a:t>
-            </a:r>
-            <a:r>
-              <a:rPr lang="en-GB" dirty="0" err="1"/>
-              <a:t>msg</a:t>
-            </a:r>
-            <a:r>
-              <a:rPr lang="en-GB" dirty="0"/>
-              <a:t> chain</a:t>
-            </a:r>
-          </a:p>
-          <a:p>
-            <a:r>
-              <a:rPr lang="en-GB" dirty="0"/>
-              <a:t>Shortcomings</a:t>
-            </a:r>
-          </a:p>
-          <a:p>
-            <a:r>
-              <a:rPr lang="en-GB" dirty="0"/>
-              <a:t>How we think this solution fits into this + where it could go in the future</a:t>
-            </a:r>
+          <a:bodyPr>
+            <a:normAutofit/>
+          </a:bodyPr>
+          <a:lstStyle/>
+          <a:p>
+            <a:pPr marL="0" indent="0">
+              <a:buNone/>
+            </a:pPr>
+            <a:r>
+              <a:rPr lang="en-GB" sz="2000" b="1" dirty="0"/>
+              <a:t>Progression to Emergency Cases:</a:t>
+            </a:r>
+            <a:endParaRPr lang="en-GB" sz="2000" dirty="0"/>
+          </a:p>
+          <a:p>
+            <a:pPr lvl="1"/>
+            <a:r>
+              <a:rPr lang="en-GB" sz="1800" dirty="0"/>
+              <a:t>Conditions escalate to emergencies in severe situations such as:</a:t>
+            </a:r>
+          </a:p>
+          <a:p>
+            <a:pPr lvl="2"/>
+            <a:r>
+              <a:rPr lang="en-GB" sz="1600" dirty="0"/>
+              <a:t>Nerve compression causing loss of leg sensation or bowel control.</a:t>
+            </a:r>
+          </a:p>
+          <a:p>
+            <a:pPr lvl="2"/>
+            <a:r>
+              <a:rPr lang="en-GB" sz="1600" dirty="0"/>
+              <a:t>Acute, severe pain or slipped discs.</a:t>
+            </a:r>
+          </a:p>
+          <a:p>
+            <a:pPr lvl="1"/>
+            <a:r>
+              <a:rPr lang="en-GB" sz="1800" dirty="0"/>
+              <a:t>These cases demand urgent surgical intervention and differ from the elective process.</a:t>
+            </a:r>
+          </a:p>
+          <a:p>
+            <a:pPr lvl="1"/>
+            <a:r>
+              <a:rPr lang="en-GB" sz="1800" dirty="0"/>
+              <a:t>Delays in elective treatment increase the risk of escalation into emergencies.</a:t>
+            </a:r>
+          </a:p>
+          <a:p>
+            <a:endParaRPr lang="en-GB" dirty="0"/>
           </a:p>
         </p:txBody>
       </p:sp>
@@ -7235,105 +14212,6 @@
     <p:extLst>
       <p:ext uri="{BB962C8B-B14F-4D97-AF65-F5344CB8AC3E}">
         <p14:creationId xmlns:p14="http://schemas.microsoft.com/office/powerpoint/2010/main" val="1411384188"/>
-      </p:ext>
-    </p:extLst>
-  </p:cSld>
-  <p:clrMapOvr>
-    <a:masterClrMapping/>
-  </p:clrMapOvr>
-</p:sld>
-</file>
-
-<file path=ppt/slides/slide9.xml><?xml version="1.0" encoding="utf-8"?>
-<p:sld xmlns:a="http://schemas.openxmlformats.org/drawingml/2006/main" xmlns:r="http://schemas.openxmlformats.org/officeDocument/2006/relationships" xmlns:p="http://schemas.openxmlformats.org/presentationml/2006/main">
-  <p:cSld>
-    <p:spTree>
-      <p:nvGrpSpPr>
-        <p:cNvPr id="1" name="">
-          <a:extLst>
-            <a:ext uri="{FF2B5EF4-FFF2-40B4-BE49-F238E27FC236}">
-              <a16:creationId xmlns:a16="http://schemas.microsoft.com/office/drawing/2014/main" id="{2FCD514B-7E23-74AC-4576-8B5FDD7F9F9F}"/>
-            </a:ext>
-          </a:extLst>
-        </p:cNvPr>
-        <p:cNvGrpSpPr/>
-        <p:nvPr/>
-      </p:nvGrpSpPr>
-      <p:grpSpPr>
-        <a:xfrm>
-          <a:off x="0" y="0"/>
-          <a:ext cx="0" cy="0"/>
-          <a:chOff x="0" y="0"/>
-          <a:chExt cx="0" cy="0"/>
-        </a:xfrm>
-      </p:grpSpPr>
-      <p:sp>
-        <p:nvSpPr>
-          <p:cNvPr id="2" name="Title 1">
-            <a:extLst>
-              <a:ext uri="{FF2B5EF4-FFF2-40B4-BE49-F238E27FC236}">
-                <a16:creationId xmlns:a16="http://schemas.microsoft.com/office/drawing/2014/main" id="{C18C88A0-0637-C0E1-79E8-267E333D095E}"/>
-              </a:ext>
-            </a:extLst>
-          </p:cNvPr>
-          <p:cNvSpPr>
-            <a:spLocks noGrp="1"/>
-          </p:cNvSpPr>
-          <p:nvPr>
-            <p:ph type="title"/>
-          </p:nvPr>
-        </p:nvSpPr>
-        <p:spPr>
-          <a:xfrm>
-            <a:off x="911424" y="404664"/>
-            <a:ext cx="10515600" cy="1325563"/>
-          </a:xfrm>
-        </p:spPr>
-        <p:txBody>
-          <a:bodyPr/>
-          <a:lstStyle/>
-          <a:p>
-            <a:r>
-              <a:rPr lang="en-GB" dirty="0">
-                <a:ea typeface="Cambria" panose="02040503050406030204" pitchFamily="18" charset="0"/>
-              </a:rPr>
-              <a:t>Imports</a:t>
-            </a:r>
-          </a:p>
-        </p:txBody>
-      </p:sp>
-      <p:sp>
-        <p:nvSpPr>
-          <p:cNvPr id="3" name="Content Placeholder 2">
-            <a:extLst>
-              <a:ext uri="{FF2B5EF4-FFF2-40B4-BE49-F238E27FC236}">
-                <a16:creationId xmlns:a16="http://schemas.microsoft.com/office/drawing/2014/main" id="{03E5B830-108D-3D4B-EDC6-A26204C4BFC3}"/>
-              </a:ext>
-            </a:extLst>
-          </p:cNvPr>
-          <p:cNvSpPr>
-            <a:spLocks noGrp="1"/>
-          </p:cNvSpPr>
-          <p:nvPr>
-            <p:ph idx="1"/>
-          </p:nvPr>
-        </p:nvSpPr>
-        <p:spPr/>
-        <p:txBody>
-          <a:bodyPr/>
-          <a:lstStyle/>
-          <a:p>
-            <a:r>
-              <a:rPr lang="en-GB" dirty="0"/>
-              <a:t>Required Libraries</a:t>
-            </a:r>
-          </a:p>
-        </p:txBody>
-      </p:sp>
-    </p:spTree>
-    <p:extLst>
-      <p:ext uri="{BB962C8B-B14F-4D97-AF65-F5344CB8AC3E}">
-        <p14:creationId xmlns:p14="http://schemas.microsoft.com/office/powerpoint/2010/main" val="1372294377"/>
       </p:ext>
     </p:extLst>
   </p:cSld>
@@ -7974,6 +14852,15 @@
 </file>
 
 <file path=customXml/item1.xml><?xml version="1.0" encoding="utf-8"?>
+<?mso-contentType ?>
+<FormTemplates xmlns="http://schemas.microsoft.com/sharepoint/v3/contenttype/forms">
+  <Display>DocumentLibraryForm</Display>
+  <Edit>DocumentLibraryForm</Edit>
+  <New>DocumentLibraryForm</New>
+</FormTemplates>
+</file>
+
+<file path=customXml/item2.xml><?xml version="1.0" encoding="utf-8"?>
 <p:properties xmlns:p="http://schemas.microsoft.com/office/2006/metadata/properties" xmlns:xsi="http://www.w3.org/2001/XMLSchema-instance" xmlns:pc="http://schemas.microsoft.com/office/infopath/2007/PartnerControls">
   <documentManagement>
     <_activity xmlns="41bcff51-688c-442e-83ce-1aa66ed9af77" xsi:nil="true"/>
@@ -7981,7 +14868,7 @@
 </p:properties>
 </file>
 
-<file path=customXml/item2.xml><?xml version="1.0" encoding="utf-8"?>
+<file path=customXml/item3.xml><?xml version="1.0" encoding="utf-8"?>
 <ct:contentTypeSchema xmlns:ct="http://schemas.microsoft.com/office/2006/metadata/contentType" xmlns:ma="http://schemas.microsoft.com/office/2006/metadata/properties/metaAttributes" ct:_="" ma:_="" ma:contentTypeName="Document" ma:contentTypeID="0x010100C19A1FCF4705C8418088B4EB1446408E" ma:contentTypeVersion="16" ma:contentTypeDescription="Create a new document." ma:contentTypeScope="" ma:versionID="17c6ee2b6e55ae89fa05008a2ef3ad81">
   <xsd:schema xmlns:xsd="http://www.w3.org/2001/XMLSchema" xmlns:xs="http://www.w3.org/2001/XMLSchema" xmlns:p="http://schemas.microsoft.com/office/2006/metadata/properties" xmlns:ns3="9f94f260-8a90-4769-817f-911ce1feac0a" xmlns:ns4="41bcff51-688c-442e-83ce-1aa66ed9af77" targetNamespace="http://schemas.microsoft.com/office/2006/metadata/properties" ma:root="true" ma:fieldsID="3b227934dcc88cb9353f09a89e8842f0" ns3:_="" ns4:_="">
     <xsd:import namespace="9f94f260-8a90-4769-817f-911ce1feac0a"/>
@@ -8222,16 +15109,15 @@
 </ct:contentTypeSchema>
 </file>
 
-<file path=customXml/item3.xml><?xml version="1.0" encoding="utf-8"?>
-<?mso-contentType ?>
-<FormTemplates xmlns="http://schemas.microsoft.com/sharepoint/v3/contenttype/forms">
-  <Display>DocumentLibraryForm</Display>
-  <Edit>DocumentLibraryForm</Edit>
-  <New>DocumentLibraryForm</New>
-</FormTemplates>
+<file path=customXml/itemProps1.xml><?xml version="1.0" encoding="utf-8"?>
+<ds:datastoreItem xmlns:ds="http://schemas.openxmlformats.org/officeDocument/2006/customXml" ds:itemID="{167F7941-57CF-417F-888A-A3E0C4DB94E9}">
+  <ds:schemaRefs>
+    <ds:schemaRef ds:uri="http://schemas.microsoft.com/sharepoint/v3/contenttype/forms"/>
+  </ds:schemaRefs>
+</ds:datastoreItem>
 </file>
 
-<file path=customXml/itemProps1.xml><?xml version="1.0" encoding="utf-8"?>
+<file path=customXml/itemProps2.xml><?xml version="1.0" encoding="utf-8"?>
 <ds:datastoreItem xmlns:ds="http://schemas.openxmlformats.org/officeDocument/2006/customXml" ds:itemID="{B8D812A8-B619-4244-AB63-FF6144D9AE22}">
   <ds:schemaRefs>
     <ds:schemaRef ds:uri="http://purl.org/dc/dcmitype/"/>
@@ -8248,7 +15134,7 @@
 </ds:datastoreItem>
 </file>
 
-<file path=customXml/itemProps2.xml><?xml version="1.0" encoding="utf-8"?>
+<file path=customXml/itemProps3.xml><?xml version="1.0" encoding="utf-8"?>
 <ds:datastoreItem xmlns:ds="http://schemas.openxmlformats.org/officeDocument/2006/customXml" ds:itemID="{33C9E27D-7514-4CC4-AD23-D9E4A546E4DD}">
   <ds:schemaRefs>
     <ds:schemaRef ds:uri="http://schemas.microsoft.com/office/2006/metadata/contentType"/>
@@ -8265,12 +15151,4 @@
     <ds:schemaRef ds:uri="http://schemas.microsoft.com/internal/obd"/>
   </ds:schemaRefs>
 </ds:datastoreItem>
-</file>
-
-<file path=customXml/itemProps3.xml><?xml version="1.0" encoding="utf-8"?>
-<ds:datastoreItem xmlns:ds="http://schemas.openxmlformats.org/officeDocument/2006/customXml" ds:itemID="{167F7941-57CF-417F-888A-A3E0C4DB94E9}">
-  <ds:schemaRefs>
-    <ds:schemaRef ds:uri="http://schemas.microsoft.com/sharepoint/v3/contenttype/forms"/>
-  </ds:schemaRefs>
-</ds:datastoreItem>
 </file>